--- a/Documentacion/Proyecto/ExposicionRegularidadCOMING.pptx
+++ b/Documentacion/Proyecto/ExposicionRegularidadCOMING.pptx
@@ -16511,752 +16511,7 @@
   <p:timing>
     <p:tnLst>
       <p:par>
-        <p:cTn id="1" dur="indefinite" restart="never" nodeType="tmRoot">
-          <p:childTnLst>
-            <p:seq concurrent="1" nextAc="seek">
-              <p:cTn id="2" dur="indefinite" nodeType="mainSeq">
-                <p:childTnLst>
-                  <p:par>
-                    <p:cTn id="3" fill="hold">
-                      <p:stCondLst>
-                        <p:cond delay="indefinite"/>
-                      </p:stCondLst>
-                      <p:childTnLst>
-                        <p:par>
-                          <p:cTn id="4" fill="hold">
-                            <p:stCondLst>
-                              <p:cond delay="0"/>
-                            </p:stCondLst>
-                            <p:childTnLst>
-                              <p:par>
-                                <p:cTn id="5" presetID="26" presetClass="entr" presetSubtype="0" fill="hold" nodeType="clickEffect" nodePh="1">
-                                  <p:stCondLst>
-                                    <p:cond delay="0"/>
-                                  </p:stCondLst>
-                                  <p:endCondLst>
-                                    <p:cond evt="begin" delay="0">
-                                      <p:tn val="5"/>
-                                    </p:cond>
-                                  </p:endCondLst>
-                                  <p:childTnLst>
-                                    <p:set>
-                                      <p:cBhvr>
-                                        <p:cTn id="6" dur="1" fill="hold">
-                                          <p:stCondLst>
-                                            <p:cond delay="0"/>
-                                          </p:stCondLst>
-                                        </p:cTn>
-                                        <p:tgtEl>
-                                          <p:spTgt spid="7">
-                                            <p:txEl>
-                                              <p:pRg st="0" end="0"/>
-                                            </p:txEl>
-                                          </p:spTgt>
-                                        </p:tgtEl>
-                                        <p:attrNameLst>
-                                          <p:attrName>style.visibility</p:attrName>
-                                        </p:attrNameLst>
-                                      </p:cBhvr>
-                                      <p:to>
-                                        <p:strVal val="visible"/>
-                                      </p:to>
-                                    </p:set>
-                                    <p:animEffect transition="in" filter="wipe(down)">
-                                      <p:cBhvr>
-                                        <p:cTn id="7" dur="580">
-                                          <p:stCondLst>
-                                            <p:cond delay="0"/>
-                                          </p:stCondLst>
-                                        </p:cTn>
-                                        <p:tgtEl>
-                                          <p:spTgt spid="7">
-                                            <p:txEl>
-                                              <p:pRg st="0" end="0"/>
-                                            </p:txEl>
-                                          </p:spTgt>
-                                        </p:tgtEl>
-                                      </p:cBhvr>
-                                    </p:animEffect>
-                                    <p:anim calcmode="lin" valueType="num">
-                                      <p:cBhvr>
-                                        <p:cTn id="8" dur="1822" tmFilter="0,0; 0.14,0.36; 0.43,0.73; 0.71,0.91; 1.0,1.0">
-                                          <p:stCondLst>
-                                            <p:cond delay="0"/>
-                                          </p:stCondLst>
-                                        </p:cTn>
-                                        <p:tgtEl>
-                                          <p:spTgt spid="7">
-                                            <p:txEl>
-                                              <p:pRg st="0" end="0"/>
-                                            </p:txEl>
-                                          </p:spTgt>
-                                        </p:tgtEl>
-                                        <p:attrNameLst>
-                                          <p:attrName>ppt_x</p:attrName>
-                                        </p:attrNameLst>
-                                      </p:cBhvr>
-                                      <p:tavLst>
-                                        <p:tav tm="0">
-                                          <p:val>
-                                            <p:strVal val="#ppt_x-0.25"/>
-                                          </p:val>
-                                        </p:tav>
-                                        <p:tav tm="100000">
-                                          <p:val>
-                                            <p:strVal val="#ppt_x"/>
-                                          </p:val>
-                                        </p:tav>
-                                      </p:tavLst>
-                                    </p:anim>
-                                    <p:anim calcmode="lin" valueType="num">
-                                      <p:cBhvr>
-                                        <p:cTn id="9" dur="664" tmFilter="0.0,0.0; 0.25,0.07; 0.50,0.2; 0.75,0.467; 1.0,1.0">
-                                          <p:stCondLst>
-                                            <p:cond delay="0"/>
-                                          </p:stCondLst>
-                                        </p:cTn>
-                                        <p:tgtEl>
-                                          <p:spTgt spid="7">
-                                            <p:txEl>
-                                              <p:pRg st="0" end="0"/>
-                                            </p:txEl>
-                                          </p:spTgt>
-                                        </p:tgtEl>
-                                        <p:attrNameLst>
-                                          <p:attrName>ppt_y</p:attrName>
-                                        </p:attrNameLst>
-                                      </p:cBhvr>
-                                      <p:tavLst>
-                                        <p:tav tm="0" fmla="#ppt_y-sin(pi*$)/3">
-                                          <p:val>
-                                            <p:fltVal val="0.5"/>
-                                          </p:val>
-                                        </p:tav>
-                                        <p:tav tm="100000">
-                                          <p:val>
-                                            <p:fltVal val="1"/>
-                                          </p:val>
-                                        </p:tav>
-                                      </p:tavLst>
-                                    </p:anim>
-                                    <p:anim calcmode="lin" valueType="num">
-                                      <p:cBhvr>
-                                        <p:cTn id="10" dur="664" tmFilter="0, 0; 0.125,0.2665; 0.25,0.4; 0.375,0.465; 0.5,0.5;  0.625,0.535; 0.75,0.6; 0.875,0.7335; 1,1">
-                                          <p:stCondLst>
-                                            <p:cond delay="664"/>
-                                          </p:stCondLst>
-                                        </p:cTn>
-                                        <p:tgtEl>
-                                          <p:spTgt spid="7">
-                                            <p:txEl>
-                                              <p:pRg st="0" end="0"/>
-                                            </p:txEl>
-                                          </p:spTgt>
-                                        </p:tgtEl>
-                                        <p:attrNameLst>
-                                          <p:attrName>ppt_y</p:attrName>
-                                        </p:attrNameLst>
-                                      </p:cBhvr>
-                                      <p:tavLst>
-                                        <p:tav tm="0" fmla="#ppt_y-sin(pi*$)/9">
-                                          <p:val>
-                                            <p:fltVal val="0"/>
-                                          </p:val>
-                                        </p:tav>
-                                        <p:tav tm="100000">
-                                          <p:val>
-                                            <p:fltVal val="1"/>
-                                          </p:val>
-                                        </p:tav>
-                                      </p:tavLst>
-                                    </p:anim>
-                                    <p:anim calcmode="lin" valueType="num">
-                                      <p:cBhvr>
-                                        <p:cTn id="11" dur="332" tmFilter="0, 0; 0.125,0.2665; 0.25,0.4; 0.375,0.465; 0.5,0.5;  0.625,0.535; 0.75,0.6; 0.875,0.7335; 1,1">
-                                          <p:stCondLst>
-                                            <p:cond delay="1324"/>
-                                          </p:stCondLst>
-                                        </p:cTn>
-                                        <p:tgtEl>
-                                          <p:spTgt spid="7">
-                                            <p:txEl>
-                                              <p:pRg st="0" end="0"/>
-                                            </p:txEl>
-                                          </p:spTgt>
-                                        </p:tgtEl>
-                                        <p:attrNameLst>
-                                          <p:attrName>ppt_y</p:attrName>
-                                        </p:attrNameLst>
-                                      </p:cBhvr>
-                                      <p:tavLst>
-                                        <p:tav tm="0" fmla="#ppt_y-sin(pi*$)/27">
-                                          <p:val>
-                                            <p:fltVal val="0"/>
-                                          </p:val>
-                                        </p:tav>
-                                        <p:tav tm="100000">
-                                          <p:val>
-                                            <p:fltVal val="1"/>
-                                          </p:val>
-                                        </p:tav>
-                                      </p:tavLst>
-                                    </p:anim>
-                                    <p:anim calcmode="lin" valueType="num">
-                                      <p:cBhvr>
-                                        <p:cTn id="12" dur="164" tmFilter="0, 0; 0.125,0.2665; 0.25,0.4; 0.375,0.465; 0.5,0.5;  0.625,0.535; 0.75,0.6; 0.875,0.7335; 1,1">
-                                          <p:stCondLst>
-                                            <p:cond delay="1656"/>
-                                          </p:stCondLst>
-                                        </p:cTn>
-                                        <p:tgtEl>
-                                          <p:spTgt spid="7">
-                                            <p:txEl>
-                                              <p:pRg st="0" end="0"/>
-                                            </p:txEl>
-                                          </p:spTgt>
-                                        </p:tgtEl>
-                                        <p:attrNameLst>
-                                          <p:attrName>ppt_y</p:attrName>
-                                        </p:attrNameLst>
-                                      </p:cBhvr>
-                                      <p:tavLst>
-                                        <p:tav tm="0" fmla="#ppt_y-sin(pi*$)/81">
-                                          <p:val>
-                                            <p:fltVal val="0"/>
-                                          </p:val>
-                                        </p:tav>
-                                        <p:tav tm="100000">
-                                          <p:val>
-                                            <p:fltVal val="1"/>
-                                          </p:val>
-                                        </p:tav>
-                                      </p:tavLst>
-                                    </p:anim>
-                                    <p:animScale>
-                                      <p:cBhvr>
-                                        <p:cTn id="13" dur="26">
-                                          <p:stCondLst>
-                                            <p:cond delay="650"/>
-                                          </p:stCondLst>
-                                        </p:cTn>
-                                        <p:tgtEl>
-                                          <p:spTgt spid="7">
-                                            <p:txEl>
-                                              <p:pRg st="0" end="0"/>
-                                            </p:txEl>
-                                          </p:spTgt>
-                                        </p:tgtEl>
-                                      </p:cBhvr>
-                                      <p:to x="100000" y="60000"/>
-                                    </p:animScale>
-                                    <p:animScale>
-                                      <p:cBhvr>
-                                        <p:cTn id="14" dur="166" decel="50000">
-                                          <p:stCondLst>
-                                            <p:cond delay="676"/>
-                                          </p:stCondLst>
-                                        </p:cTn>
-                                        <p:tgtEl>
-                                          <p:spTgt spid="7">
-                                            <p:txEl>
-                                              <p:pRg st="0" end="0"/>
-                                            </p:txEl>
-                                          </p:spTgt>
-                                        </p:tgtEl>
-                                      </p:cBhvr>
-                                      <p:to x="100000" y="100000"/>
-                                    </p:animScale>
-                                    <p:animScale>
-                                      <p:cBhvr>
-                                        <p:cTn id="15" dur="26">
-                                          <p:stCondLst>
-                                            <p:cond delay="1312"/>
-                                          </p:stCondLst>
-                                        </p:cTn>
-                                        <p:tgtEl>
-                                          <p:spTgt spid="7">
-                                            <p:txEl>
-                                              <p:pRg st="0" end="0"/>
-                                            </p:txEl>
-                                          </p:spTgt>
-                                        </p:tgtEl>
-                                      </p:cBhvr>
-                                      <p:to x="100000" y="80000"/>
-                                    </p:animScale>
-                                    <p:animScale>
-                                      <p:cBhvr>
-                                        <p:cTn id="16" dur="166" decel="50000">
-                                          <p:stCondLst>
-                                            <p:cond delay="1338"/>
-                                          </p:stCondLst>
-                                        </p:cTn>
-                                        <p:tgtEl>
-                                          <p:spTgt spid="7">
-                                            <p:txEl>
-                                              <p:pRg st="0" end="0"/>
-                                            </p:txEl>
-                                          </p:spTgt>
-                                        </p:tgtEl>
-                                      </p:cBhvr>
-                                      <p:to x="100000" y="100000"/>
-                                    </p:animScale>
-                                    <p:animScale>
-                                      <p:cBhvr>
-                                        <p:cTn id="17" dur="26">
-                                          <p:stCondLst>
-                                            <p:cond delay="1642"/>
-                                          </p:stCondLst>
-                                        </p:cTn>
-                                        <p:tgtEl>
-                                          <p:spTgt spid="7">
-                                            <p:txEl>
-                                              <p:pRg st="0" end="0"/>
-                                            </p:txEl>
-                                          </p:spTgt>
-                                        </p:tgtEl>
-                                      </p:cBhvr>
-                                      <p:to x="100000" y="90000"/>
-                                    </p:animScale>
-                                    <p:animScale>
-                                      <p:cBhvr>
-                                        <p:cTn id="18" dur="166" decel="50000">
-                                          <p:stCondLst>
-                                            <p:cond delay="1668"/>
-                                          </p:stCondLst>
-                                        </p:cTn>
-                                        <p:tgtEl>
-                                          <p:spTgt spid="7">
-                                            <p:txEl>
-                                              <p:pRg st="0" end="0"/>
-                                            </p:txEl>
-                                          </p:spTgt>
-                                        </p:tgtEl>
-                                      </p:cBhvr>
-                                      <p:to x="100000" y="100000"/>
-                                    </p:animScale>
-                                    <p:animScale>
-                                      <p:cBhvr>
-                                        <p:cTn id="19" dur="26">
-                                          <p:stCondLst>
-                                            <p:cond delay="1808"/>
-                                          </p:stCondLst>
-                                        </p:cTn>
-                                        <p:tgtEl>
-                                          <p:spTgt spid="7">
-                                            <p:txEl>
-                                              <p:pRg st="0" end="0"/>
-                                            </p:txEl>
-                                          </p:spTgt>
-                                        </p:tgtEl>
-                                      </p:cBhvr>
-                                      <p:to x="100000" y="95000"/>
-                                    </p:animScale>
-                                    <p:animScale>
-                                      <p:cBhvr>
-                                        <p:cTn id="20" dur="166" decel="50000">
-                                          <p:stCondLst>
-                                            <p:cond delay="1834"/>
-                                          </p:stCondLst>
-                                        </p:cTn>
-                                        <p:tgtEl>
-                                          <p:spTgt spid="7">
-                                            <p:txEl>
-                                              <p:pRg st="0" end="0"/>
-                                            </p:txEl>
-                                          </p:spTgt>
-                                        </p:tgtEl>
-                                      </p:cBhvr>
-                                      <p:to x="100000" y="100000"/>
-                                    </p:animScale>
-                                  </p:childTnLst>
-                                </p:cTn>
-                              </p:par>
-                            </p:childTnLst>
-                          </p:cTn>
-                        </p:par>
-                      </p:childTnLst>
-                    </p:cTn>
-                  </p:par>
-                  <p:par>
-                    <p:cTn id="21" fill="hold">
-                      <p:stCondLst>
-                        <p:cond delay="indefinite"/>
-                      </p:stCondLst>
-                      <p:childTnLst>
-                        <p:par>
-                          <p:cTn id="22" fill="hold">
-                            <p:stCondLst>
-                              <p:cond delay="0"/>
-                            </p:stCondLst>
-                            <p:childTnLst>
-                              <p:par>
-                                <p:cTn id="23" presetID="26" presetClass="entr" presetSubtype="0" fill="hold" nodeType="clickEffect" nodePh="1">
-                                  <p:stCondLst>
-                                    <p:cond delay="0"/>
-                                  </p:stCondLst>
-                                  <p:endCondLst>
-                                    <p:cond evt="begin" delay="0">
-                                      <p:tn val="23"/>
-                                    </p:cond>
-                                  </p:endCondLst>
-                                  <p:childTnLst>
-                                    <p:set>
-                                      <p:cBhvr>
-                                        <p:cTn id="24" dur="1" fill="hold">
-                                          <p:stCondLst>
-                                            <p:cond delay="0"/>
-                                          </p:stCondLst>
-                                        </p:cTn>
-                                        <p:tgtEl>
-                                          <p:spTgt spid="9">
-                                            <p:txEl>
-                                              <p:pRg st="0" end="0"/>
-                                            </p:txEl>
-                                          </p:spTgt>
-                                        </p:tgtEl>
-                                        <p:attrNameLst>
-                                          <p:attrName>style.visibility</p:attrName>
-                                        </p:attrNameLst>
-                                      </p:cBhvr>
-                                      <p:to>
-                                        <p:strVal val="visible"/>
-                                      </p:to>
-                                    </p:set>
-                                    <p:animEffect transition="in" filter="wipe(down)">
-                                      <p:cBhvr>
-                                        <p:cTn id="25" dur="580">
-                                          <p:stCondLst>
-                                            <p:cond delay="0"/>
-                                          </p:stCondLst>
-                                        </p:cTn>
-                                        <p:tgtEl>
-                                          <p:spTgt spid="9">
-                                            <p:txEl>
-                                              <p:pRg st="0" end="0"/>
-                                            </p:txEl>
-                                          </p:spTgt>
-                                        </p:tgtEl>
-                                      </p:cBhvr>
-                                    </p:animEffect>
-                                    <p:anim calcmode="lin" valueType="num">
-                                      <p:cBhvr>
-                                        <p:cTn id="26" dur="1822" tmFilter="0,0; 0.14,0.36; 0.43,0.73; 0.71,0.91; 1.0,1.0">
-                                          <p:stCondLst>
-                                            <p:cond delay="0"/>
-                                          </p:stCondLst>
-                                        </p:cTn>
-                                        <p:tgtEl>
-                                          <p:spTgt spid="9">
-                                            <p:txEl>
-                                              <p:pRg st="0" end="0"/>
-                                            </p:txEl>
-                                          </p:spTgt>
-                                        </p:tgtEl>
-                                        <p:attrNameLst>
-                                          <p:attrName>ppt_x</p:attrName>
-                                        </p:attrNameLst>
-                                      </p:cBhvr>
-                                      <p:tavLst>
-                                        <p:tav tm="0">
-                                          <p:val>
-                                            <p:strVal val="#ppt_x-0.25"/>
-                                          </p:val>
-                                        </p:tav>
-                                        <p:tav tm="100000">
-                                          <p:val>
-                                            <p:strVal val="#ppt_x"/>
-                                          </p:val>
-                                        </p:tav>
-                                      </p:tavLst>
-                                    </p:anim>
-                                    <p:anim calcmode="lin" valueType="num">
-                                      <p:cBhvr>
-                                        <p:cTn id="27" dur="664" tmFilter="0.0,0.0; 0.25,0.07; 0.50,0.2; 0.75,0.467; 1.0,1.0">
-                                          <p:stCondLst>
-                                            <p:cond delay="0"/>
-                                          </p:stCondLst>
-                                        </p:cTn>
-                                        <p:tgtEl>
-                                          <p:spTgt spid="9">
-                                            <p:txEl>
-                                              <p:pRg st="0" end="0"/>
-                                            </p:txEl>
-                                          </p:spTgt>
-                                        </p:tgtEl>
-                                        <p:attrNameLst>
-                                          <p:attrName>ppt_y</p:attrName>
-                                        </p:attrNameLst>
-                                      </p:cBhvr>
-                                      <p:tavLst>
-                                        <p:tav tm="0" fmla="#ppt_y-sin(pi*$)/3">
-                                          <p:val>
-                                            <p:fltVal val="0.5"/>
-                                          </p:val>
-                                        </p:tav>
-                                        <p:tav tm="100000">
-                                          <p:val>
-                                            <p:fltVal val="1"/>
-                                          </p:val>
-                                        </p:tav>
-                                      </p:tavLst>
-                                    </p:anim>
-                                    <p:anim calcmode="lin" valueType="num">
-                                      <p:cBhvr>
-                                        <p:cTn id="28" dur="664" tmFilter="0, 0; 0.125,0.2665; 0.25,0.4; 0.375,0.465; 0.5,0.5;  0.625,0.535; 0.75,0.6; 0.875,0.7335; 1,1">
-                                          <p:stCondLst>
-                                            <p:cond delay="664"/>
-                                          </p:stCondLst>
-                                        </p:cTn>
-                                        <p:tgtEl>
-                                          <p:spTgt spid="9">
-                                            <p:txEl>
-                                              <p:pRg st="0" end="0"/>
-                                            </p:txEl>
-                                          </p:spTgt>
-                                        </p:tgtEl>
-                                        <p:attrNameLst>
-                                          <p:attrName>ppt_y</p:attrName>
-                                        </p:attrNameLst>
-                                      </p:cBhvr>
-                                      <p:tavLst>
-                                        <p:tav tm="0" fmla="#ppt_y-sin(pi*$)/9">
-                                          <p:val>
-                                            <p:fltVal val="0"/>
-                                          </p:val>
-                                        </p:tav>
-                                        <p:tav tm="100000">
-                                          <p:val>
-                                            <p:fltVal val="1"/>
-                                          </p:val>
-                                        </p:tav>
-                                      </p:tavLst>
-                                    </p:anim>
-                                    <p:anim calcmode="lin" valueType="num">
-                                      <p:cBhvr>
-                                        <p:cTn id="29" dur="332" tmFilter="0, 0; 0.125,0.2665; 0.25,0.4; 0.375,0.465; 0.5,0.5;  0.625,0.535; 0.75,0.6; 0.875,0.7335; 1,1">
-                                          <p:stCondLst>
-                                            <p:cond delay="1324"/>
-                                          </p:stCondLst>
-                                        </p:cTn>
-                                        <p:tgtEl>
-                                          <p:spTgt spid="9">
-                                            <p:txEl>
-                                              <p:pRg st="0" end="0"/>
-                                            </p:txEl>
-                                          </p:spTgt>
-                                        </p:tgtEl>
-                                        <p:attrNameLst>
-                                          <p:attrName>ppt_y</p:attrName>
-                                        </p:attrNameLst>
-                                      </p:cBhvr>
-                                      <p:tavLst>
-                                        <p:tav tm="0" fmla="#ppt_y-sin(pi*$)/27">
-                                          <p:val>
-                                            <p:fltVal val="0"/>
-                                          </p:val>
-                                        </p:tav>
-                                        <p:tav tm="100000">
-                                          <p:val>
-                                            <p:fltVal val="1"/>
-                                          </p:val>
-                                        </p:tav>
-                                      </p:tavLst>
-                                    </p:anim>
-                                    <p:anim calcmode="lin" valueType="num">
-                                      <p:cBhvr>
-                                        <p:cTn id="30" dur="164" tmFilter="0, 0; 0.125,0.2665; 0.25,0.4; 0.375,0.465; 0.5,0.5;  0.625,0.535; 0.75,0.6; 0.875,0.7335; 1,1">
-                                          <p:stCondLst>
-                                            <p:cond delay="1656"/>
-                                          </p:stCondLst>
-                                        </p:cTn>
-                                        <p:tgtEl>
-                                          <p:spTgt spid="9">
-                                            <p:txEl>
-                                              <p:pRg st="0" end="0"/>
-                                            </p:txEl>
-                                          </p:spTgt>
-                                        </p:tgtEl>
-                                        <p:attrNameLst>
-                                          <p:attrName>ppt_y</p:attrName>
-                                        </p:attrNameLst>
-                                      </p:cBhvr>
-                                      <p:tavLst>
-                                        <p:tav tm="0" fmla="#ppt_y-sin(pi*$)/81">
-                                          <p:val>
-                                            <p:fltVal val="0"/>
-                                          </p:val>
-                                        </p:tav>
-                                        <p:tav tm="100000">
-                                          <p:val>
-                                            <p:fltVal val="1"/>
-                                          </p:val>
-                                        </p:tav>
-                                      </p:tavLst>
-                                    </p:anim>
-                                    <p:animScale>
-                                      <p:cBhvr>
-                                        <p:cTn id="31" dur="26">
-                                          <p:stCondLst>
-                                            <p:cond delay="650"/>
-                                          </p:stCondLst>
-                                        </p:cTn>
-                                        <p:tgtEl>
-                                          <p:spTgt spid="9">
-                                            <p:txEl>
-                                              <p:pRg st="0" end="0"/>
-                                            </p:txEl>
-                                          </p:spTgt>
-                                        </p:tgtEl>
-                                      </p:cBhvr>
-                                      <p:to x="100000" y="60000"/>
-                                    </p:animScale>
-                                    <p:animScale>
-                                      <p:cBhvr>
-                                        <p:cTn id="32" dur="166" decel="50000">
-                                          <p:stCondLst>
-                                            <p:cond delay="676"/>
-                                          </p:stCondLst>
-                                        </p:cTn>
-                                        <p:tgtEl>
-                                          <p:spTgt spid="9">
-                                            <p:txEl>
-                                              <p:pRg st="0" end="0"/>
-                                            </p:txEl>
-                                          </p:spTgt>
-                                        </p:tgtEl>
-                                      </p:cBhvr>
-                                      <p:to x="100000" y="100000"/>
-                                    </p:animScale>
-                                    <p:animScale>
-                                      <p:cBhvr>
-                                        <p:cTn id="33" dur="26">
-                                          <p:stCondLst>
-                                            <p:cond delay="1312"/>
-                                          </p:stCondLst>
-                                        </p:cTn>
-                                        <p:tgtEl>
-                                          <p:spTgt spid="9">
-                                            <p:txEl>
-                                              <p:pRg st="0" end="0"/>
-                                            </p:txEl>
-                                          </p:spTgt>
-                                        </p:tgtEl>
-                                      </p:cBhvr>
-                                      <p:to x="100000" y="80000"/>
-                                    </p:animScale>
-                                    <p:animScale>
-                                      <p:cBhvr>
-                                        <p:cTn id="34" dur="166" decel="50000">
-                                          <p:stCondLst>
-                                            <p:cond delay="1338"/>
-                                          </p:stCondLst>
-                                        </p:cTn>
-                                        <p:tgtEl>
-                                          <p:spTgt spid="9">
-                                            <p:txEl>
-                                              <p:pRg st="0" end="0"/>
-                                            </p:txEl>
-                                          </p:spTgt>
-                                        </p:tgtEl>
-                                      </p:cBhvr>
-                                      <p:to x="100000" y="100000"/>
-                                    </p:animScale>
-                                    <p:animScale>
-                                      <p:cBhvr>
-                                        <p:cTn id="35" dur="26">
-                                          <p:stCondLst>
-                                            <p:cond delay="1642"/>
-                                          </p:stCondLst>
-                                        </p:cTn>
-                                        <p:tgtEl>
-                                          <p:spTgt spid="9">
-                                            <p:txEl>
-                                              <p:pRg st="0" end="0"/>
-                                            </p:txEl>
-                                          </p:spTgt>
-                                        </p:tgtEl>
-                                      </p:cBhvr>
-                                      <p:to x="100000" y="90000"/>
-                                    </p:animScale>
-                                    <p:animScale>
-                                      <p:cBhvr>
-                                        <p:cTn id="36" dur="166" decel="50000">
-                                          <p:stCondLst>
-                                            <p:cond delay="1668"/>
-                                          </p:stCondLst>
-                                        </p:cTn>
-                                        <p:tgtEl>
-                                          <p:spTgt spid="9">
-                                            <p:txEl>
-                                              <p:pRg st="0" end="0"/>
-                                            </p:txEl>
-                                          </p:spTgt>
-                                        </p:tgtEl>
-                                      </p:cBhvr>
-                                      <p:to x="100000" y="100000"/>
-                                    </p:animScale>
-                                    <p:animScale>
-                                      <p:cBhvr>
-                                        <p:cTn id="37" dur="26">
-                                          <p:stCondLst>
-                                            <p:cond delay="1808"/>
-                                          </p:stCondLst>
-                                        </p:cTn>
-                                        <p:tgtEl>
-                                          <p:spTgt spid="9">
-                                            <p:txEl>
-                                              <p:pRg st="0" end="0"/>
-                                            </p:txEl>
-                                          </p:spTgt>
-                                        </p:tgtEl>
-                                      </p:cBhvr>
-                                      <p:to x="100000" y="95000"/>
-                                    </p:animScale>
-                                    <p:animScale>
-                                      <p:cBhvr>
-                                        <p:cTn id="38" dur="166" decel="50000">
-                                          <p:stCondLst>
-                                            <p:cond delay="1834"/>
-                                          </p:stCondLst>
-                                        </p:cTn>
-                                        <p:tgtEl>
-                                          <p:spTgt spid="9">
-                                            <p:txEl>
-                                              <p:pRg st="0" end="0"/>
-                                            </p:txEl>
-                                          </p:spTgt>
-                                        </p:tgtEl>
-                                      </p:cBhvr>
-                                      <p:to x="100000" y="100000"/>
-                                    </p:animScale>
-                                  </p:childTnLst>
-                                </p:cTn>
-                              </p:par>
-                            </p:childTnLst>
-                          </p:cTn>
-                        </p:par>
-                      </p:childTnLst>
-                    </p:cTn>
-                  </p:par>
-                </p:childTnLst>
-              </p:cTn>
-              <p:prevCondLst>
-                <p:cond evt="onPrev" delay="0">
-                  <p:tgtEl>
-                    <p:sldTgt/>
-                  </p:tgtEl>
-                </p:cond>
-              </p:prevCondLst>
-              <p:nextCondLst>
-                <p:cond evt="onNext" delay="0">
-                  <p:tgtEl>
-                    <p:sldTgt/>
-                  </p:tgtEl>
-                </p:cond>
-              </p:nextCondLst>
-            </p:seq>
-          </p:childTnLst>
-        </p:cTn>
+        <p:cTn id="1" dur="indefinite" restart="never" nodeType="tmRoot"/>
       </p:par>
     </p:tnLst>
   </p:timing>
@@ -17869,391 +17124,7 @@
   <p:timing>
     <p:tnLst>
       <p:par>
-        <p:cTn id="1" dur="indefinite" restart="never" nodeType="tmRoot">
-          <p:childTnLst>
-            <p:seq concurrent="1" nextAc="seek">
-              <p:cTn id="2" dur="indefinite" nodeType="mainSeq">
-                <p:childTnLst>
-                  <p:par>
-                    <p:cTn id="3" fill="hold">
-                      <p:stCondLst>
-                        <p:cond delay="indefinite"/>
-                      </p:stCondLst>
-                      <p:childTnLst>
-                        <p:par>
-                          <p:cTn id="4" fill="hold">
-                            <p:stCondLst>
-                              <p:cond delay="0"/>
-                            </p:stCondLst>
-                            <p:childTnLst>
-                              <p:par>
-                                <p:cTn id="5" presetID="26" presetClass="entr" presetSubtype="0" fill="hold" nodeType="clickEffect" nodePh="1">
-                                  <p:stCondLst>
-                                    <p:cond delay="0"/>
-                                  </p:stCondLst>
-                                  <p:endCondLst>
-                                    <p:cond evt="begin" delay="0">
-                                      <p:tn val="5"/>
-                                    </p:cond>
-                                  </p:endCondLst>
-                                  <p:childTnLst>
-                                    <p:set>
-                                      <p:cBhvr>
-                                        <p:cTn id="6" dur="1" fill="hold">
-                                          <p:stCondLst>
-                                            <p:cond delay="0"/>
-                                          </p:stCondLst>
-                                        </p:cTn>
-                                        <p:tgtEl>
-                                          <p:spTgt spid="7">
-                                            <p:txEl>
-                                              <p:pRg st="0" end="0"/>
-                                            </p:txEl>
-                                          </p:spTgt>
-                                        </p:tgtEl>
-                                        <p:attrNameLst>
-                                          <p:attrName>style.visibility</p:attrName>
-                                        </p:attrNameLst>
-                                      </p:cBhvr>
-                                      <p:to>
-                                        <p:strVal val="visible"/>
-                                      </p:to>
-                                    </p:set>
-                                    <p:animEffect transition="in" filter="wipe(down)">
-                                      <p:cBhvr>
-                                        <p:cTn id="7" dur="580">
-                                          <p:stCondLst>
-                                            <p:cond delay="0"/>
-                                          </p:stCondLst>
-                                        </p:cTn>
-                                        <p:tgtEl>
-                                          <p:spTgt spid="7">
-                                            <p:txEl>
-                                              <p:pRg st="0" end="0"/>
-                                            </p:txEl>
-                                          </p:spTgt>
-                                        </p:tgtEl>
-                                      </p:cBhvr>
-                                    </p:animEffect>
-                                    <p:anim calcmode="lin" valueType="num">
-                                      <p:cBhvr>
-                                        <p:cTn id="8" dur="1822" tmFilter="0,0; 0.14,0.36; 0.43,0.73; 0.71,0.91; 1.0,1.0">
-                                          <p:stCondLst>
-                                            <p:cond delay="0"/>
-                                          </p:stCondLst>
-                                        </p:cTn>
-                                        <p:tgtEl>
-                                          <p:spTgt spid="7">
-                                            <p:txEl>
-                                              <p:pRg st="0" end="0"/>
-                                            </p:txEl>
-                                          </p:spTgt>
-                                        </p:tgtEl>
-                                        <p:attrNameLst>
-                                          <p:attrName>ppt_x</p:attrName>
-                                        </p:attrNameLst>
-                                      </p:cBhvr>
-                                      <p:tavLst>
-                                        <p:tav tm="0">
-                                          <p:val>
-                                            <p:strVal val="#ppt_x-0.25"/>
-                                          </p:val>
-                                        </p:tav>
-                                        <p:tav tm="100000">
-                                          <p:val>
-                                            <p:strVal val="#ppt_x"/>
-                                          </p:val>
-                                        </p:tav>
-                                      </p:tavLst>
-                                    </p:anim>
-                                    <p:anim calcmode="lin" valueType="num">
-                                      <p:cBhvr>
-                                        <p:cTn id="9" dur="664" tmFilter="0.0,0.0; 0.25,0.07; 0.50,0.2; 0.75,0.467; 1.0,1.0">
-                                          <p:stCondLst>
-                                            <p:cond delay="0"/>
-                                          </p:stCondLst>
-                                        </p:cTn>
-                                        <p:tgtEl>
-                                          <p:spTgt spid="7">
-                                            <p:txEl>
-                                              <p:pRg st="0" end="0"/>
-                                            </p:txEl>
-                                          </p:spTgt>
-                                        </p:tgtEl>
-                                        <p:attrNameLst>
-                                          <p:attrName>ppt_y</p:attrName>
-                                        </p:attrNameLst>
-                                      </p:cBhvr>
-                                      <p:tavLst>
-                                        <p:tav tm="0" fmla="#ppt_y-sin(pi*$)/3">
-                                          <p:val>
-                                            <p:fltVal val="0.5"/>
-                                          </p:val>
-                                        </p:tav>
-                                        <p:tav tm="100000">
-                                          <p:val>
-                                            <p:fltVal val="1"/>
-                                          </p:val>
-                                        </p:tav>
-                                      </p:tavLst>
-                                    </p:anim>
-                                    <p:anim calcmode="lin" valueType="num">
-                                      <p:cBhvr>
-                                        <p:cTn id="10" dur="664" tmFilter="0, 0; 0.125,0.2665; 0.25,0.4; 0.375,0.465; 0.5,0.5;  0.625,0.535; 0.75,0.6; 0.875,0.7335; 1,1">
-                                          <p:stCondLst>
-                                            <p:cond delay="664"/>
-                                          </p:stCondLst>
-                                        </p:cTn>
-                                        <p:tgtEl>
-                                          <p:spTgt spid="7">
-                                            <p:txEl>
-                                              <p:pRg st="0" end="0"/>
-                                            </p:txEl>
-                                          </p:spTgt>
-                                        </p:tgtEl>
-                                        <p:attrNameLst>
-                                          <p:attrName>ppt_y</p:attrName>
-                                        </p:attrNameLst>
-                                      </p:cBhvr>
-                                      <p:tavLst>
-                                        <p:tav tm="0" fmla="#ppt_y-sin(pi*$)/9">
-                                          <p:val>
-                                            <p:fltVal val="0"/>
-                                          </p:val>
-                                        </p:tav>
-                                        <p:tav tm="100000">
-                                          <p:val>
-                                            <p:fltVal val="1"/>
-                                          </p:val>
-                                        </p:tav>
-                                      </p:tavLst>
-                                    </p:anim>
-                                    <p:anim calcmode="lin" valueType="num">
-                                      <p:cBhvr>
-                                        <p:cTn id="11" dur="332" tmFilter="0, 0; 0.125,0.2665; 0.25,0.4; 0.375,0.465; 0.5,0.5;  0.625,0.535; 0.75,0.6; 0.875,0.7335; 1,1">
-                                          <p:stCondLst>
-                                            <p:cond delay="1324"/>
-                                          </p:stCondLst>
-                                        </p:cTn>
-                                        <p:tgtEl>
-                                          <p:spTgt spid="7">
-                                            <p:txEl>
-                                              <p:pRg st="0" end="0"/>
-                                            </p:txEl>
-                                          </p:spTgt>
-                                        </p:tgtEl>
-                                        <p:attrNameLst>
-                                          <p:attrName>ppt_y</p:attrName>
-                                        </p:attrNameLst>
-                                      </p:cBhvr>
-                                      <p:tavLst>
-                                        <p:tav tm="0" fmla="#ppt_y-sin(pi*$)/27">
-                                          <p:val>
-                                            <p:fltVal val="0"/>
-                                          </p:val>
-                                        </p:tav>
-                                        <p:tav tm="100000">
-                                          <p:val>
-                                            <p:fltVal val="1"/>
-                                          </p:val>
-                                        </p:tav>
-                                      </p:tavLst>
-                                    </p:anim>
-                                    <p:anim calcmode="lin" valueType="num">
-                                      <p:cBhvr>
-                                        <p:cTn id="12" dur="164" tmFilter="0, 0; 0.125,0.2665; 0.25,0.4; 0.375,0.465; 0.5,0.5;  0.625,0.535; 0.75,0.6; 0.875,0.7335; 1,1">
-                                          <p:stCondLst>
-                                            <p:cond delay="1656"/>
-                                          </p:stCondLst>
-                                        </p:cTn>
-                                        <p:tgtEl>
-                                          <p:spTgt spid="7">
-                                            <p:txEl>
-                                              <p:pRg st="0" end="0"/>
-                                            </p:txEl>
-                                          </p:spTgt>
-                                        </p:tgtEl>
-                                        <p:attrNameLst>
-                                          <p:attrName>ppt_y</p:attrName>
-                                        </p:attrNameLst>
-                                      </p:cBhvr>
-                                      <p:tavLst>
-                                        <p:tav tm="0" fmla="#ppt_y-sin(pi*$)/81">
-                                          <p:val>
-                                            <p:fltVal val="0"/>
-                                          </p:val>
-                                        </p:tav>
-                                        <p:tav tm="100000">
-                                          <p:val>
-                                            <p:fltVal val="1"/>
-                                          </p:val>
-                                        </p:tav>
-                                      </p:tavLst>
-                                    </p:anim>
-                                    <p:animScale>
-                                      <p:cBhvr>
-                                        <p:cTn id="13" dur="26">
-                                          <p:stCondLst>
-                                            <p:cond delay="650"/>
-                                          </p:stCondLst>
-                                        </p:cTn>
-                                        <p:tgtEl>
-                                          <p:spTgt spid="7">
-                                            <p:txEl>
-                                              <p:pRg st="0" end="0"/>
-                                            </p:txEl>
-                                          </p:spTgt>
-                                        </p:tgtEl>
-                                      </p:cBhvr>
-                                      <p:to x="100000" y="60000"/>
-                                    </p:animScale>
-                                    <p:animScale>
-                                      <p:cBhvr>
-                                        <p:cTn id="14" dur="166" decel="50000">
-                                          <p:stCondLst>
-                                            <p:cond delay="676"/>
-                                          </p:stCondLst>
-                                        </p:cTn>
-                                        <p:tgtEl>
-                                          <p:spTgt spid="7">
-                                            <p:txEl>
-                                              <p:pRg st="0" end="0"/>
-                                            </p:txEl>
-                                          </p:spTgt>
-                                        </p:tgtEl>
-                                      </p:cBhvr>
-                                      <p:to x="100000" y="100000"/>
-                                    </p:animScale>
-                                    <p:animScale>
-                                      <p:cBhvr>
-                                        <p:cTn id="15" dur="26">
-                                          <p:stCondLst>
-                                            <p:cond delay="1312"/>
-                                          </p:stCondLst>
-                                        </p:cTn>
-                                        <p:tgtEl>
-                                          <p:spTgt spid="7">
-                                            <p:txEl>
-                                              <p:pRg st="0" end="0"/>
-                                            </p:txEl>
-                                          </p:spTgt>
-                                        </p:tgtEl>
-                                      </p:cBhvr>
-                                      <p:to x="100000" y="80000"/>
-                                    </p:animScale>
-                                    <p:animScale>
-                                      <p:cBhvr>
-                                        <p:cTn id="16" dur="166" decel="50000">
-                                          <p:stCondLst>
-                                            <p:cond delay="1338"/>
-                                          </p:stCondLst>
-                                        </p:cTn>
-                                        <p:tgtEl>
-                                          <p:spTgt spid="7">
-                                            <p:txEl>
-                                              <p:pRg st="0" end="0"/>
-                                            </p:txEl>
-                                          </p:spTgt>
-                                        </p:tgtEl>
-                                      </p:cBhvr>
-                                      <p:to x="100000" y="100000"/>
-                                    </p:animScale>
-                                    <p:animScale>
-                                      <p:cBhvr>
-                                        <p:cTn id="17" dur="26">
-                                          <p:stCondLst>
-                                            <p:cond delay="1642"/>
-                                          </p:stCondLst>
-                                        </p:cTn>
-                                        <p:tgtEl>
-                                          <p:spTgt spid="7">
-                                            <p:txEl>
-                                              <p:pRg st="0" end="0"/>
-                                            </p:txEl>
-                                          </p:spTgt>
-                                        </p:tgtEl>
-                                      </p:cBhvr>
-                                      <p:to x="100000" y="90000"/>
-                                    </p:animScale>
-                                    <p:animScale>
-                                      <p:cBhvr>
-                                        <p:cTn id="18" dur="166" decel="50000">
-                                          <p:stCondLst>
-                                            <p:cond delay="1668"/>
-                                          </p:stCondLst>
-                                        </p:cTn>
-                                        <p:tgtEl>
-                                          <p:spTgt spid="7">
-                                            <p:txEl>
-                                              <p:pRg st="0" end="0"/>
-                                            </p:txEl>
-                                          </p:spTgt>
-                                        </p:tgtEl>
-                                      </p:cBhvr>
-                                      <p:to x="100000" y="100000"/>
-                                    </p:animScale>
-                                    <p:animScale>
-                                      <p:cBhvr>
-                                        <p:cTn id="19" dur="26">
-                                          <p:stCondLst>
-                                            <p:cond delay="1808"/>
-                                          </p:stCondLst>
-                                        </p:cTn>
-                                        <p:tgtEl>
-                                          <p:spTgt spid="7">
-                                            <p:txEl>
-                                              <p:pRg st="0" end="0"/>
-                                            </p:txEl>
-                                          </p:spTgt>
-                                        </p:tgtEl>
-                                      </p:cBhvr>
-                                      <p:to x="100000" y="95000"/>
-                                    </p:animScale>
-                                    <p:animScale>
-                                      <p:cBhvr>
-                                        <p:cTn id="20" dur="166" decel="50000">
-                                          <p:stCondLst>
-                                            <p:cond delay="1834"/>
-                                          </p:stCondLst>
-                                        </p:cTn>
-                                        <p:tgtEl>
-                                          <p:spTgt spid="7">
-                                            <p:txEl>
-                                              <p:pRg st="0" end="0"/>
-                                            </p:txEl>
-                                          </p:spTgt>
-                                        </p:tgtEl>
-                                      </p:cBhvr>
-                                      <p:to x="100000" y="100000"/>
-                                    </p:animScale>
-                                  </p:childTnLst>
-                                </p:cTn>
-                              </p:par>
-                            </p:childTnLst>
-                          </p:cTn>
-                        </p:par>
-                      </p:childTnLst>
-                    </p:cTn>
-                  </p:par>
-                </p:childTnLst>
-              </p:cTn>
-              <p:prevCondLst>
-                <p:cond evt="onPrev" delay="0">
-                  <p:tgtEl>
-                    <p:sldTgt/>
-                  </p:tgtEl>
-                </p:cond>
-              </p:prevCondLst>
-              <p:nextCondLst>
-                <p:cond evt="onNext" delay="0">
-                  <p:tgtEl>
-                    <p:sldTgt/>
-                  </p:tgtEl>
-                </p:cond>
-              </p:nextCondLst>
-            </p:seq>
-          </p:childTnLst>
-        </p:cTn>
+        <p:cTn id="1" dur="indefinite" restart="never" nodeType="tmRoot"/>
       </p:par>
     </p:tnLst>
   </p:timing>
@@ -18870,391 +17741,7 @@
   <p:timing>
     <p:tnLst>
       <p:par>
-        <p:cTn id="1" dur="indefinite" restart="never" nodeType="tmRoot">
-          <p:childTnLst>
-            <p:seq concurrent="1" nextAc="seek">
-              <p:cTn id="2" dur="indefinite" nodeType="mainSeq">
-                <p:childTnLst>
-                  <p:par>
-                    <p:cTn id="3" fill="hold">
-                      <p:stCondLst>
-                        <p:cond delay="indefinite"/>
-                      </p:stCondLst>
-                      <p:childTnLst>
-                        <p:par>
-                          <p:cTn id="4" fill="hold">
-                            <p:stCondLst>
-                              <p:cond delay="0"/>
-                            </p:stCondLst>
-                            <p:childTnLst>
-                              <p:par>
-                                <p:cTn id="5" presetID="26" presetClass="entr" presetSubtype="0" fill="hold" nodeType="clickEffect" nodePh="1">
-                                  <p:stCondLst>
-                                    <p:cond delay="0"/>
-                                  </p:stCondLst>
-                                  <p:endCondLst>
-                                    <p:cond evt="begin" delay="0">
-                                      <p:tn val="5"/>
-                                    </p:cond>
-                                  </p:endCondLst>
-                                  <p:childTnLst>
-                                    <p:set>
-                                      <p:cBhvr>
-                                        <p:cTn id="6" dur="1" fill="hold">
-                                          <p:stCondLst>
-                                            <p:cond delay="0"/>
-                                          </p:stCondLst>
-                                        </p:cTn>
-                                        <p:tgtEl>
-                                          <p:spTgt spid="7">
-                                            <p:txEl>
-                                              <p:pRg st="0" end="0"/>
-                                            </p:txEl>
-                                          </p:spTgt>
-                                        </p:tgtEl>
-                                        <p:attrNameLst>
-                                          <p:attrName>style.visibility</p:attrName>
-                                        </p:attrNameLst>
-                                      </p:cBhvr>
-                                      <p:to>
-                                        <p:strVal val="visible"/>
-                                      </p:to>
-                                    </p:set>
-                                    <p:animEffect transition="in" filter="wipe(down)">
-                                      <p:cBhvr>
-                                        <p:cTn id="7" dur="580">
-                                          <p:stCondLst>
-                                            <p:cond delay="0"/>
-                                          </p:stCondLst>
-                                        </p:cTn>
-                                        <p:tgtEl>
-                                          <p:spTgt spid="7">
-                                            <p:txEl>
-                                              <p:pRg st="0" end="0"/>
-                                            </p:txEl>
-                                          </p:spTgt>
-                                        </p:tgtEl>
-                                      </p:cBhvr>
-                                    </p:animEffect>
-                                    <p:anim calcmode="lin" valueType="num">
-                                      <p:cBhvr>
-                                        <p:cTn id="8" dur="1822" tmFilter="0,0; 0.14,0.36; 0.43,0.73; 0.71,0.91; 1.0,1.0">
-                                          <p:stCondLst>
-                                            <p:cond delay="0"/>
-                                          </p:stCondLst>
-                                        </p:cTn>
-                                        <p:tgtEl>
-                                          <p:spTgt spid="7">
-                                            <p:txEl>
-                                              <p:pRg st="0" end="0"/>
-                                            </p:txEl>
-                                          </p:spTgt>
-                                        </p:tgtEl>
-                                        <p:attrNameLst>
-                                          <p:attrName>ppt_x</p:attrName>
-                                        </p:attrNameLst>
-                                      </p:cBhvr>
-                                      <p:tavLst>
-                                        <p:tav tm="0">
-                                          <p:val>
-                                            <p:strVal val="#ppt_x-0.25"/>
-                                          </p:val>
-                                        </p:tav>
-                                        <p:tav tm="100000">
-                                          <p:val>
-                                            <p:strVal val="#ppt_x"/>
-                                          </p:val>
-                                        </p:tav>
-                                      </p:tavLst>
-                                    </p:anim>
-                                    <p:anim calcmode="lin" valueType="num">
-                                      <p:cBhvr>
-                                        <p:cTn id="9" dur="664" tmFilter="0.0,0.0; 0.25,0.07; 0.50,0.2; 0.75,0.467; 1.0,1.0">
-                                          <p:stCondLst>
-                                            <p:cond delay="0"/>
-                                          </p:stCondLst>
-                                        </p:cTn>
-                                        <p:tgtEl>
-                                          <p:spTgt spid="7">
-                                            <p:txEl>
-                                              <p:pRg st="0" end="0"/>
-                                            </p:txEl>
-                                          </p:spTgt>
-                                        </p:tgtEl>
-                                        <p:attrNameLst>
-                                          <p:attrName>ppt_y</p:attrName>
-                                        </p:attrNameLst>
-                                      </p:cBhvr>
-                                      <p:tavLst>
-                                        <p:tav tm="0" fmla="#ppt_y-sin(pi*$)/3">
-                                          <p:val>
-                                            <p:fltVal val="0.5"/>
-                                          </p:val>
-                                        </p:tav>
-                                        <p:tav tm="100000">
-                                          <p:val>
-                                            <p:fltVal val="1"/>
-                                          </p:val>
-                                        </p:tav>
-                                      </p:tavLst>
-                                    </p:anim>
-                                    <p:anim calcmode="lin" valueType="num">
-                                      <p:cBhvr>
-                                        <p:cTn id="10" dur="664" tmFilter="0, 0; 0.125,0.2665; 0.25,0.4; 0.375,0.465; 0.5,0.5;  0.625,0.535; 0.75,0.6; 0.875,0.7335; 1,1">
-                                          <p:stCondLst>
-                                            <p:cond delay="664"/>
-                                          </p:stCondLst>
-                                        </p:cTn>
-                                        <p:tgtEl>
-                                          <p:spTgt spid="7">
-                                            <p:txEl>
-                                              <p:pRg st="0" end="0"/>
-                                            </p:txEl>
-                                          </p:spTgt>
-                                        </p:tgtEl>
-                                        <p:attrNameLst>
-                                          <p:attrName>ppt_y</p:attrName>
-                                        </p:attrNameLst>
-                                      </p:cBhvr>
-                                      <p:tavLst>
-                                        <p:tav tm="0" fmla="#ppt_y-sin(pi*$)/9">
-                                          <p:val>
-                                            <p:fltVal val="0"/>
-                                          </p:val>
-                                        </p:tav>
-                                        <p:tav tm="100000">
-                                          <p:val>
-                                            <p:fltVal val="1"/>
-                                          </p:val>
-                                        </p:tav>
-                                      </p:tavLst>
-                                    </p:anim>
-                                    <p:anim calcmode="lin" valueType="num">
-                                      <p:cBhvr>
-                                        <p:cTn id="11" dur="332" tmFilter="0, 0; 0.125,0.2665; 0.25,0.4; 0.375,0.465; 0.5,0.5;  0.625,0.535; 0.75,0.6; 0.875,0.7335; 1,1">
-                                          <p:stCondLst>
-                                            <p:cond delay="1324"/>
-                                          </p:stCondLst>
-                                        </p:cTn>
-                                        <p:tgtEl>
-                                          <p:spTgt spid="7">
-                                            <p:txEl>
-                                              <p:pRg st="0" end="0"/>
-                                            </p:txEl>
-                                          </p:spTgt>
-                                        </p:tgtEl>
-                                        <p:attrNameLst>
-                                          <p:attrName>ppt_y</p:attrName>
-                                        </p:attrNameLst>
-                                      </p:cBhvr>
-                                      <p:tavLst>
-                                        <p:tav tm="0" fmla="#ppt_y-sin(pi*$)/27">
-                                          <p:val>
-                                            <p:fltVal val="0"/>
-                                          </p:val>
-                                        </p:tav>
-                                        <p:tav tm="100000">
-                                          <p:val>
-                                            <p:fltVal val="1"/>
-                                          </p:val>
-                                        </p:tav>
-                                      </p:tavLst>
-                                    </p:anim>
-                                    <p:anim calcmode="lin" valueType="num">
-                                      <p:cBhvr>
-                                        <p:cTn id="12" dur="164" tmFilter="0, 0; 0.125,0.2665; 0.25,0.4; 0.375,0.465; 0.5,0.5;  0.625,0.535; 0.75,0.6; 0.875,0.7335; 1,1">
-                                          <p:stCondLst>
-                                            <p:cond delay="1656"/>
-                                          </p:stCondLst>
-                                        </p:cTn>
-                                        <p:tgtEl>
-                                          <p:spTgt spid="7">
-                                            <p:txEl>
-                                              <p:pRg st="0" end="0"/>
-                                            </p:txEl>
-                                          </p:spTgt>
-                                        </p:tgtEl>
-                                        <p:attrNameLst>
-                                          <p:attrName>ppt_y</p:attrName>
-                                        </p:attrNameLst>
-                                      </p:cBhvr>
-                                      <p:tavLst>
-                                        <p:tav tm="0" fmla="#ppt_y-sin(pi*$)/81">
-                                          <p:val>
-                                            <p:fltVal val="0"/>
-                                          </p:val>
-                                        </p:tav>
-                                        <p:tav tm="100000">
-                                          <p:val>
-                                            <p:fltVal val="1"/>
-                                          </p:val>
-                                        </p:tav>
-                                      </p:tavLst>
-                                    </p:anim>
-                                    <p:animScale>
-                                      <p:cBhvr>
-                                        <p:cTn id="13" dur="26">
-                                          <p:stCondLst>
-                                            <p:cond delay="650"/>
-                                          </p:stCondLst>
-                                        </p:cTn>
-                                        <p:tgtEl>
-                                          <p:spTgt spid="7">
-                                            <p:txEl>
-                                              <p:pRg st="0" end="0"/>
-                                            </p:txEl>
-                                          </p:spTgt>
-                                        </p:tgtEl>
-                                      </p:cBhvr>
-                                      <p:to x="100000" y="60000"/>
-                                    </p:animScale>
-                                    <p:animScale>
-                                      <p:cBhvr>
-                                        <p:cTn id="14" dur="166" decel="50000">
-                                          <p:stCondLst>
-                                            <p:cond delay="676"/>
-                                          </p:stCondLst>
-                                        </p:cTn>
-                                        <p:tgtEl>
-                                          <p:spTgt spid="7">
-                                            <p:txEl>
-                                              <p:pRg st="0" end="0"/>
-                                            </p:txEl>
-                                          </p:spTgt>
-                                        </p:tgtEl>
-                                      </p:cBhvr>
-                                      <p:to x="100000" y="100000"/>
-                                    </p:animScale>
-                                    <p:animScale>
-                                      <p:cBhvr>
-                                        <p:cTn id="15" dur="26">
-                                          <p:stCondLst>
-                                            <p:cond delay="1312"/>
-                                          </p:stCondLst>
-                                        </p:cTn>
-                                        <p:tgtEl>
-                                          <p:spTgt spid="7">
-                                            <p:txEl>
-                                              <p:pRg st="0" end="0"/>
-                                            </p:txEl>
-                                          </p:spTgt>
-                                        </p:tgtEl>
-                                      </p:cBhvr>
-                                      <p:to x="100000" y="80000"/>
-                                    </p:animScale>
-                                    <p:animScale>
-                                      <p:cBhvr>
-                                        <p:cTn id="16" dur="166" decel="50000">
-                                          <p:stCondLst>
-                                            <p:cond delay="1338"/>
-                                          </p:stCondLst>
-                                        </p:cTn>
-                                        <p:tgtEl>
-                                          <p:spTgt spid="7">
-                                            <p:txEl>
-                                              <p:pRg st="0" end="0"/>
-                                            </p:txEl>
-                                          </p:spTgt>
-                                        </p:tgtEl>
-                                      </p:cBhvr>
-                                      <p:to x="100000" y="100000"/>
-                                    </p:animScale>
-                                    <p:animScale>
-                                      <p:cBhvr>
-                                        <p:cTn id="17" dur="26">
-                                          <p:stCondLst>
-                                            <p:cond delay="1642"/>
-                                          </p:stCondLst>
-                                        </p:cTn>
-                                        <p:tgtEl>
-                                          <p:spTgt spid="7">
-                                            <p:txEl>
-                                              <p:pRg st="0" end="0"/>
-                                            </p:txEl>
-                                          </p:spTgt>
-                                        </p:tgtEl>
-                                      </p:cBhvr>
-                                      <p:to x="100000" y="90000"/>
-                                    </p:animScale>
-                                    <p:animScale>
-                                      <p:cBhvr>
-                                        <p:cTn id="18" dur="166" decel="50000">
-                                          <p:stCondLst>
-                                            <p:cond delay="1668"/>
-                                          </p:stCondLst>
-                                        </p:cTn>
-                                        <p:tgtEl>
-                                          <p:spTgt spid="7">
-                                            <p:txEl>
-                                              <p:pRg st="0" end="0"/>
-                                            </p:txEl>
-                                          </p:spTgt>
-                                        </p:tgtEl>
-                                      </p:cBhvr>
-                                      <p:to x="100000" y="100000"/>
-                                    </p:animScale>
-                                    <p:animScale>
-                                      <p:cBhvr>
-                                        <p:cTn id="19" dur="26">
-                                          <p:stCondLst>
-                                            <p:cond delay="1808"/>
-                                          </p:stCondLst>
-                                        </p:cTn>
-                                        <p:tgtEl>
-                                          <p:spTgt spid="7">
-                                            <p:txEl>
-                                              <p:pRg st="0" end="0"/>
-                                            </p:txEl>
-                                          </p:spTgt>
-                                        </p:tgtEl>
-                                      </p:cBhvr>
-                                      <p:to x="100000" y="95000"/>
-                                    </p:animScale>
-                                    <p:animScale>
-                                      <p:cBhvr>
-                                        <p:cTn id="20" dur="166" decel="50000">
-                                          <p:stCondLst>
-                                            <p:cond delay="1834"/>
-                                          </p:stCondLst>
-                                        </p:cTn>
-                                        <p:tgtEl>
-                                          <p:spTgt spid="7">
-                                            <p:txEl>
-                                              <p:pRg st="0" end="0"/>
-                                            </p:txEl>
-                                          </p:spTgt>
-                                        </p:tgtEl>
-                                      </p:cBhvr>
-                                      <p:to x="100000" y="100000"/>
-                                    </p:animScale>
-                                  </p:childTnLst>
-                                </p:cTn>
-                              </p:par>
-                            </p:childTnLst>
-                          </p:cTn>
-                        </p:par>
-                      </p:childTnLst>
-                    </p:cTn>
-                  </p:par>
-                </p:childTnLst>
-              </p:cTn>
-              <p:prevCondLst>
-                <p:cond evt="onPrev" delay="0">
-                  <p:tgtEl>
-                    <p:sldTgt/>
-                  </p:tgtEl>
-                </p:cond>
-              </p:prevCondLst>
-              <p:nextCondLst>
-                <p:cond evt="onNext" delay="0">
-                  <p:tgtEl>
-                    <p:sldTgt/>
-                  </p:tgtEl>
-                </p:cond>
-              </p:nextCondLst>
-            </p:seq>
-          </p:childTnLst>
-        </p:cTn>
+        <p:cTn id="1" dur="indefinite" restart="never" nodeType="tmRoot"/>
       </p:par>
     </p:tnLst>
   </p:timing>
@@ -19882,391 +18369,7 @@
   <p:timing>
     <p:tnLst>
       <p:par>
-        <p:cTn id="1" dur="indefinite" restart="never" nodeType="tmRoot">
-          <p:childTnLst>
-            <p:seq concurrent="1" nextAc="seek">
-              <p:cTn id="2" dur="indefinite" nodeType="mainSeq">
-                <p:childTnLst>
-                  <p:par>
-                    <p:cTn id="3" fill="hold">
-                      <p:stCondLst>
-                        <p:cond delay="indefinite"/>
-                      </p:stCondLst>
-                      <p:childTnLst>
-                        <p:par>
-                          <p:cTn id="4" fill="hold">
-                            <p:stCondLst>
-                              <p:cond delay="0"/>
-                            </p:stCondLst>
-                            <p:childTnLst>
-                              <p:par>
-                                <p:cTn id="5" presetID="26" presetClass="entr" presetSubtype="0" fill="hold" nodeType="clickEffect" nodePh="1">
-                                  <p:stCondLst>
-                                    <p:cond delay="0"/>
-                                  </p:stCondLst>
-                                  <p:endCondLst>
-                                    <p:cond evt="begin" delay="0">
-                                      <p:tn val="5"/>
-                                    </p:cond>
-                                  </p:endCondLst>
-                                  <p:childTnLst>
-                                    <p:set>
-                                      <p:cBhvr>
-                                        <p:cTn id="6" dur="1" fill="hold">
-                                          <p:stCondLst>
-                                            <p:cond delay="0"/>
-                                          </p:stCondLst>
-                                        </p:cTn>
-                                        <p:tgtEl>
-                                          <p:spTgt spid="7">
-                                            <p:txEl>
-                                              <p:pRg st="0" end="0"/>
-                                            </p:txEl>
-                                          </p:spTgt>
-                                        </p:tgtEl>
-                                        <p:attrNameLst>
-                                          <p:attrName>style.visibility</p:attrName>
-                                        </p:attrNameLst>
-                                      </p:cBhvr>
-                                      <p:to>
-                                        <p:strVal val="visible"/>
-                                      </p:to>
-                                    </p:set>
-                                    <p:animEffect transition="in" filter="wipe(down)">
-                                      <p:cBhvr>
-                                        <p:cTn id="7" dur="580">
-                                          <p:stCondLst>
-                                            <p:cond delay="0"/>
-                                          </p:stCondLst>
-                                        </p:cTn>
-                                        <p:tgtEl>
-                                          <p:spTgt spid="7">
-                                            <p:txEl>
-                                              <p:pRg st="0" end="0"/>
-                                            </p:txEl>
-                                          </p:spTgt>
-                                        </p:tgtEl>
-                                      </p:cBhvr>
-                                    </p:animEffect>
-                                    <p:anim calcmode="lin" valueType="num">
-                                      <p:cBhvr>
-                                        <p:cTn id="8" dur="1822" tmFilter="0,0; 0.14,0.36; 0.43,0.73; 0.71,0.91; 1.0,1.0">
-                                          <p:stCondLst>
-                                            <p:cond delay="0"/>
-                                          </p:stCondLst>
-                                        </p:cTn>
-                                        <p:tgtEl>
-                                          <p:spTgt spid="7">
-                                            <p:txEl>
-                                              <p:pRg st="0" end="0"/>
-                                            </p:txEl>
-                                          </p:spTgt>
-                                        </p:tgtEl>
-                                        <p:attrNameLst>
-                                          <p:attrName>ppt_x</p:attrName>
-                                        </p:attrNameLst>
-                                      </p:cBhvr>
-                                      <p:tavLst>
-                                        <p:tav tm="0">
-                                          <p:val>
-                                            <p:strVal val="#ppt_x-0.25"/>
-                                          </p:val>
-                                        </p:tav>
-                                        <p:tav tm="100000">
-                                          <p:val>
-                                            <p:strVal val="#ppt_x"/>
-                                          </p:val>
-                                        </p:tav>
-                                      </p:tavLst>
-                                    </p:anim>
-                                    <p:anim calcmode="lin" valueType="num">
-                                      <p:cBhvr>
-                                        <p:cTn id="9" dur="664" tmFilter="0.0,0.0; 0.25,0.07; 0.50,0.2; 0.75,0.467; 1.0,1.0">
-                                          <p:stCondLst>
-                                            <p:cond delay="0"/>
-                                          </p:stCondLst>
-                                        </p:cTn>
-                                        <p:tgtEl>
-                                          <p:spTgt spid="7">
-                                            <p:txEl>
-                                              <p:pRg st="0" end="0"/>
-                                            </p:txEl>
-                                          </p:spTgt>
-                                        </p:tgtEl>
-                                        <p:attrNameLst>
-                                          <p:attrName>ppt_y</p:attrName>
-                                        </p:attrNameLst>
-                                      </p:cBhvr>
-                                      <p:tavLst>
-                                        <p:tav tm="0" fmla="#ppt_y-sin(pi*$)/3">
-                                          <p:val>
-                                            <p:fltVal val="0.5"/>
-                                          </p:val>
-                                        </p:tav>
-                                        <p:tav tm="100000">
-                                          <p:val>
-                                            <p:fltVal val="1"/>
-                                          </p:val>
-                                        </p:tav>
-                                      </p:tavLst>
-                                    </p:anim>
-                                    <p:anim calcmode="lin" valueType="num">
-                                      <p:cBhvr>
-                                        <p:cTn id="10" dur="664" tmFilter="0, 0; 0.125,0.2665; 0.25,0.4; 0.375,0.465; 0.5,0.5;  0.625,0.535; 0.75,0.6; 0.875,0.7335; 1,1">
-                                          <p:stCondLst>
-                                            <p:cond delay="664"/>
-                                          </p:stCondLst>
-                                        </p:cTn>
-                                        <p:tgtEl>
-                                          <p:spTgt spid="7">
-                                            <p:txEl>
-                                              <p:pRg st="0" end="0"/>
-                                            </p:txEl>
-                                          </p:spTgt>
-                                        </p:tgtEl>
-                                        <p:attrNameLst>
-                                          <p:attrName>ppt_y</p:attrName>
-                                        </p:attrNameLst>
-                                      </p:cBhvr>
-                                      <p:tavLst>
-                                        <p:tav tm="0" fmla="#ppt_y-sin(pi*$)/9">
-                                          <p:val>
-                                            <p:fltVal val="0"/>
-                                          </p:val>
-                                        </p:tav>
-                                        <p:tav tm="100000">
-                                          <p:val>
-                                            <p:fltVal val="1"/>
-                                          </p:val>
-                                        </p:tav>
-                                      </p:tavLst>
-                                    </p:anim>
-                                    <p:anim calcmode="lin" valueType="num">
-                                      <p:cBhvr>
-                                        <p:cTn id="11" dur="332" tmFilter="0, 0; 0.125,0.2665; 0.25,0.4; 0.375,0.465; 0.5,0.5;  0.625,0.535; 0.75,0.6; 0.875,0.7335; 1,1">
-                                          <p:stCondLst>
-                                            <p:cond delay="1324"/>
-                                          </p:stCondLst>
-                                        </p:cTn>
-                                        <p:tgtEl>
-                                          <p:spTgt spid="7">
-                                            <p:txEl>
-                                              <p:pRg st="0" end="0"/>
-                                            </p:txEl>
-                                          </p:spTgt>
-                                        </p:tgtEl>
-                                        <p:attrNameLst>
-                                          <p:attrName>ppt_y</p:attrName>
-                                        </p:attrNameLst>
-                                      </p:cBhvr>
-                                      <p:tavLst>
-                                        <p:tav tm="0" fmla="#ppt_y-sin(pi*$)/27">
-                                          <p:val>
-                                            <p:fltVal val="0"/>
-                                          </p:val>
-                                        </p:tav>
-                                        <p:tav tm="100000">
-                                          <p:val>
-                                            <p:fltVal val="1"/>
-                                          </p:val>
-                                        </p:tav>
-                                      </p:tavLst>
-                                    </p:anim>
-                                    <p:anim calcmode="lin" valueType="num">
-                                      <p:cBhvr>
-                                        <p:cTn id="12" dur="164" tmFilter="0, 0; 0.125,0.2665; 0.25,0.4; 0.375,0.465; 0.5,0.5;  0.625,0.535; 0.75,0.6; 0.875,0.7335; 1,1">
-                                          <p:stCondLst>
-                                            <p:cond delay="1656"/>
-                                          </p:stCondLst>
-                                        </p:cTn>
-                                        <p:tgtEl>
-                                          <p:spTgt spid="7">
-                                            <p:txEl>
-                                              <p:pRg st="0" end="0"/>
-                                            </p:txEl>
-                                          </p:spTgt>
-                                        </p:tgtEl>
-                                        <p:attrNameLst>
-                                          <p:attrName>ppt_y</p:attrName>
-                                        </p:attrNameLst>
-                                      </p:cBhvr>
-                                      <p:tavLst>
-                                        <p:tav tm="0" fmla="#ppt_y-sin(pi*$)/81">
-                                          <p:val>
-                                            <p:fltVal val="0"/>
-                                          </p:val>
-                                        </p:tav>
-                                        <p:tav tm="100000">
-                                          <p:val>
-                                            <p:fltVal val="1"/>
-                                          </p:val>
-                                        </p:tav>
-                                      </p:tavLst>
-                                    </p:anim>
-                                    <p:animScale>
-                                      <p:cBhvr>
-                                        <p:cTn id="13" dur="26">
-                                          <p:stCondLst>
-                                            <p:cond delay="650"/>
-                                          </p:stCondLst>
-                                        </p:cTn>
-                                        <p:tgtEl>
-                                          <p:spTgt spid="7">
-                                            <p:txEl>
-                                              <p:pRg st="0" end="0"/>
-                                            </p:txEl>
-                                          </p:spTgt>
-                                        </p:tgtEl>
-                                      </p:cBhvr>
-                                      <p:to x="100000" y="60000"/>
-                                    </p:animScale>
-                                    <p:animScale>
-                                      <p:cBhvr>
-                                        <p:cTn id="14" dur="166" decel="50000">
-                                          <p:stCondLst>
-                                            <p:cond delay="676"/>
-                                          </p:stCondLst>
-                                        </p:cTn>
-                                        <p:tgtEl>
-                                          <p:spTgt spid="7">
-                                            <p:txEl>
-                                              <p:pRg st="0" end="0"/>
-                                            </p:txEl>
-                                          </p:spTgt>
-                                        </p:tgtEl>
-                                      </p:cBhvr>
-                                      <p:to x="100000" y="100000"/>
-                                    </p:animScale>
-                                    <p:animScale>
-                                      <p:cBhvr>
-                                        <p:cTn id="15" dur="26">
-                                          <p:stCondLst>
-                                            <p:cond delay="1312"/>
-                                          </p:stCondLst>
-                                        </p:cTn>
-                                        <p:tgtEl>
-                                          <p:spTgt spid="7">
-                                            <p:txEl>
-                                              <p:pRg st="0" end="0"/>
-                                            </p:txEl>
-                                          </p:spTgt>
-                                        </p:tgtEl>
-                                      </p:cBhvr>
-                                      <p:to x="100000" y="80000"/>
-                                    </p:animScale>
-                                    <p:animScale>
-                                      <p:cBhvr>
-                                        <p:cTn id="16" dur="166" decel="50000">
-                                          <p:stCondLst>
-                                            <p:cond delay="1338"/>
-                                          </p:stCondLst>
-                                        </p:cTn>
-                                        <p:tgtEl>
-                                          <p:spTgt spid="7">
-                                            <p:txEl>
-                                              <p:pRg st="0" end="0"/>
-                                            </p:txEl>
-                                          </p:spTgt>
-                                        </p:tgtEl>
-                                      </p:cBhvr>
-                                      <p:to x="100000" y="100000"/>
-                                    </p:animScale>
-                                    <p:animScale>
-                                      <p:cBhvr>
-                                        <p:cTn id="17" dur="26">
-                                          <p:stCondLst>
-                                            <p:cond delay="1642"/>
-                                          </p:stCondLst>
-                                        </p:cTn>
-                                        <p:tgtEl>
-                                          <p:spTgt spid="7">
-                                            <p:txEl>
-                                              <p:pRg st="0" end="0"/>
-                                            </p:txEl>
-                                          </p:spTgt>
-                                        </p:tgtEl>
-                                      </p:cBhvr>
-                                      <p:to x="100000" y="90000"/>
-                                    </p:animScale>
-                                    <p:animScale>
-                                      <p:cBhvr>
-                                        <p:cTn id="18" dur="166" decel="50000">
-                                          <p:stCondLst>
-                                            <p:cond delay="1668"/>
-                                          </p:stCondLst>
-                                        </p:cTn>
-                                        <p:tgtEl>
-                                          <p:spTgt spid="7">
-                                            <p:txEl>
-                                              <p:pRg st="0" end="0"/>
-                                            </p:txEl>
-                                          </p:spTgt>
-                                        </p:tgtEl>
-                                      </p:cBhvr>
-                                      <p:to x="100000" y="100000"/>
-                                    </p:animScale>
-                                    <p:animScale>
-                                      <p:cBhvr>
-                                        <p:cTn id="19" dur="26">
-                                          <p:stCondLst>
-                                            <p:cond delay="1808"/>
-                                          </p:stCondLst>
-                                        </p:cTn>
-                                        <p:tgtEl>
-                                          <p:spTgt spid="7">
-                                            <p:txEl>
-                                              <p:pRg st="0" end="0"/>
-                                            </p:txEl>
-                                          </p:spTgt>
-                                        </p:tgtEl>
-                                      </p:cBhvr>
-                                      <p:to x="100000" y="95000"/>
-                                    </p:animScale>
-                                    <p:animScale>
-                                      <p:cBhvr>
-                                        <p:cTn id="20" dur="166" decel="50000">
-                                          <p:stCondLst>
-                                            <p:cond delay="1834"/>
-                                          </p:stCondLst>
-                                        </p:cTn>
-                                        <p:tgtEl>
-                                          <p:spTgt spid="7">
-                                            <p:txEl>
-                                              <p:pRg st="0" end="0"/>
-                                            </p:txEl>
-                                          </p:spTgt>
-                                        </p:tgtEl>
-                                      </p:cBhvr>
-                                      <p:to x="100000" y="100000"/>
-                                    </p:animScale>
-                                  </p:childTnLst>
-                                </p:cTn>
-                              </p:par>
-                            </p:childTnLst>
-                          </p:cTn>
-                        </p:par>
-                      </p:childTnLst>
-                    </p:cTn>
-                  </p:par>
-                </p:childTnLst>
-              </p:cTn>
-              <p:prevCondLst>
-                <p:cond evt="onPrev" delay="0">
-                  <p:tgtEl>
-                    <p:sldTgt/>
-                  </p:tgtEl>
-                </p:cond>
-              </p:prevCondLst>
-              <p:nextCondLst>
-                <p:cond evt="onNext" delay="0">
-                  <p:tgtEl>
-                    <p:sldTgt/>
-                  </p:tgtEl>
-                </p:cond>
-              </p:nextCondLst>
-            </p:seq>
-          </p:childTnLst>
-        </p:cTn>
+        <p:cTn id="1" dur="indefinite" restart="never" nodeType="tmRoot"/>
       </p:par>
     </p:tnLst>
   </p:timing>
@@ -20940,391 +19043,7 @@
   <p:timing>
     <p:tnLst>
       <p:par>
-        <p:cTn id="1" dur="indefinite" restart="never" nodeType="tmRoot">
-          <p:childTnLst>
-            <p:seq concurrent="1" nextAc="seek">
-              <p:cTn id="2" dur="indefinite" nodeType="mainSeq">
-                <p:childTnLst>
-                  <p:par>
-                    <p:cTn id="3" fill="hold">
-                      <p:stCondLst>
-                        <p:cond delay="indefinite"/>
-                      </p:stCondLst>
-                      <p:childTnLst>
-                        <p:par>
-                          <p:cTn id="4" fill="hold">
-                            <p:stCondLst>
-                              <p:cond delay="0"/>
-                            </p:stCondLst>
-                            <p:childTnLst>
-                              <p:par>
-                                <p:cTn id="5" presetID="26" presetClass="entr" presetSubtype="0" fill="hold" nodeType="clickEffect" nodePh="1">
-                                  <p:stCondLst>
-                                    <p:cond delay="0"/>
-                                  </p:stCondLst>
-                                  <p:endCondLst>
-                                    <p:cond evt="begin" delay="0">
-                                      <p:tn val="5"/>
-                                    </p:cond>
-                                  </p:endCondLst>
-                                  <p:childTnLst>
-                                    <p:set>
-                                      <p:cBhvr>
-                                        <p:cTn id="6" dur="1" fill="hold">
-                                          <p:stCondLst>
-                                            <p:cond delay="0"/>
-                                          </p:stCondLst>
-                                        </p:cTn>
-                                        <p:tgtEl>
-                                          <p:spTgt spid="7">
-                                            <p:txEl>
-                                              <p:pRg st="0" end="0"/>
-                                            </p:txEl>
-                                          </p:spTgt>
-                                        </p:tgtEl>
-                                        <p:attrNameLst>
-                                          <p:attrName>style.visibility</p:attrName>
-                                        </p:attrNameLst>
-                                      </p:cBhvr>
-                                      <p:to>
-                                        <p:strVal val="visible"/>
-                                      </p:to>
-                                    </p:set>
-                                    <p:animEffect transition="in" filter="wipe(down)">
-                                      <p:cBhvr>
-                                        <p:cTn id="7" dur="580">
-                                          <p:stCondLst>
-                                            <p:cond delay="0"/>
-                                          </p:stCondLst>
-                                        </p:cTn>
-                                        <p:tgtEl>
-                                          <p:spTgt spid="7">
-                                            <p:txEl>
-                                              <p:pRg st="0" end="0"/>
-                                            </p:txEl>
-                                          </p:spTgt>
-                                        </p:tgtEl>
-                                      </p:cBhvr>
-                                    </p:animEffect>
-                                    <p:anim calcmode="lin" valueType="num">
-                                      <p:cBhvr>
-                                        <p:cTn id="8" dur="1822" tmFilter="0,0; 0.14,0.36; 0.43,0.73; 0.71,0.91; 1.0,1.0">
-                                          <p:stCondLst>
-                                            <p:cond delay="0"/>
-                                          </p:stCondLst>
-                                        </p:cTn>
-                                        <p:tgtEl>
-                                          <p:spTgt spid="7">
-                                            <p:txEl>
-                                              <p:pRg st="0" end="0"/>
-                                            </p:txEl>
-                                          </p:spTgt>
-                                        </p:tgtEl>
-                                        <p:attrNameLst>
-                                          <p:attrName>ppt_x</p:attrName>
-                                        </p:attrNameLst>
-                                      </p:cBhvr>
-                                      <p:tavLst>
-                                        <p:tav tm="0">
-                                          <p:val>
-                                            <p:strVal val="#ppt_x-0.25"/>
-                                          </p:val>
-                                        </p:tav>
-                                        <p:tav tm="100000">
-                                          <p:val>
-                                            <p:strVal val="#ppt_x"/>
-                                          </p:val>
-                                        </p:tav>
-                                      </p:tavLst>
-                                    </p:anim>
-                                    <p:anim calcmode="lin" valueType="num">
-                                      <p:cBhvr>
-                                        <p:cTn id="9" dur="664" tmFilter="0.0,0.0; 0.25,0.07; 0.50,0.2; 0.75,0.467; 1.0,1.0">
-                                          <p:stCondLst>
-                                            <p:cond delay="0"/>
-                                          </p:stCondLst>
-                                        </p:cTn>
-                                        <p:tgtEl>
-                                          <p:spTgt spid="7">
-                                            <p:txEl>
-                                              <p:pRg st="0" end="0"/>
-                                            </p:txEl>
-                                          </p:spTgt>
-                                        </p:tgtEl>
-                                        <p:attrNameLst>
-                                          <p:attrName>ppt_y</p:attrName>
-                                        </p:attrNameLst>
-                                      </p:cBhvr>
-                                      <p:tavLst>
-                                        <p:tav tm="0" fmla="#ppt_y-sin(pi*$)/3">
-                                          <p:val>
-                                            <p:fltVal val="0.5"/>
-                                          </p:val>
-                                        </p:tav>
-                                        <p:tav tm="100000">
-                                          <p:val>
-                                            <p:fltVal val="1"/>
-                                          </p:val>
-                                        </p:tav>
-                                      </p:tavLst>
-                                    </p:anim>
-                                    <p:anim calcmode="lin" valueType="num">
-                                      <p:cBhvr>
-                                        <p:cTn id="10" dur="664" tmFilter="0, 0; 0.125,0.2665; 0.25,0.4; 0.375,0.465; 0.5,0.5;  0.625,0.535; 0.75,0.6; 0.875,0.7335; 1,1">
-                                          <p:stCondLst>
-                                            <p:cond delay="664"/>
-                                          </p:stCondLst>
-                                        </p:cTn>
-                                        <p:tgtEl>
-                                          <p:spTgt spid="7">
-                                            <p:txEl>
-                                              <p:pRg st="0" end="0"/>
-                                            </p:txEl>
-                                          </p:spTgt>
-                                        </p:tgtEl>
-                                        <p:attrNameLst>
-                                          <p:attrName>ppt_y</p:attrName>
-                                        </p:attrNameLst>
-                                      </p:cBhvr>
-                                      <p:tavLst>
-                                        <p:tav tm="0" fmla="#ppt_y-sin(pi*$)/9">
-                                          <p:val>
-                                            <p:fltVal val="0"/>
-                                          </p:val>
-                                        </p:tav>
-                                        <p:tav tm="100000">
-                                          <p:val>
-                                            <p:fltVal val="1"/>
-                                          </p:val>
-                                        </p:tav>
-                                      </p:tavLst>
-                                    </p:anim>
-                                    <p:anim calcmode="lin" valueType="num">
-                                      <p:cBhvr>
-                                        <p:cTn id="11" dur="332" tmFilter="0, 0; 0.125,0.2665; 0.25,0.4; 0.375,0.465; 0.5,0.5;  0.625,0.535; 0.75,0.6; 0.875,0.7335; 1,1">
-                                          <p:stCondLst>
-                                            <p:cond delay="1324"/>
-                                          </p:stCondLst>
-                                        </p:cTn>
-                                        <p:tgtEl>
-                                          <p:spTgt spid="7">
-                                            <p:txEl>
-                                              <p:pRg st="0" end="0"/>
-                                            </p:txEl>
-                                          </p:spTgt>
-                                        </p:tgtEl>
-                                        <p:attrNameLst>
-                                          <p:attrName>ppt_y</p:attrName>
-                                        </p:attrNameLst>
-                                      </p:cBhvr>
-                                      <p:tavLst>
-                                        <p:tav tm="0" fmla="#ppt_y-sin(pi*$)/27">
-                                          <p:val>
-                                            <p:fltVal val="0"/>
-                                          </p:val>
-                                        </p:tav>
-                                        <p:tav tm="100000">
-                                          <p:val>
-                                            <p:fltVal val="1"/>
-                                          </p:val>
-                                        </p:tav>
-                                      </p:tavLst>
-                                    </p:anim>
-                                    <p:anim calcmode="lin" valueType="num">
-                                      <p:cBhvr>
-                                        <p:cTn id="12" dur="164" tmFilter="0, 0; 0.125,0.2665; 0.25,0.4; 0.375,0.465; 0.5,0.5;  0.625,0.535; 0.75,0.6; 0.875,0.7335; 1,1">
-                                          <p:stCondLst>
-                                            <p:cond delay="1656"/>
-                                          </p:stCondLst>
-                                        </p:cTn>
-                                        <p:tgtEl>
-                                          <p:spTgt spid="7">
-                                            <p:txEl>
-                                              <p:pRg st="0" end="0"/>
-                                            </p:txEl>
-                                          </p:spTgt>
-                                        </p:tgtEl>
-                                        <p:attrNameLst>
-                                          <p:attrName>ppt_y</p:attrName>
-                                        </p:attrNameLst>
-                                      </p:cBhvr>
-                                      <p:tavLst>
-                                        <p:tav tm="0" fmla="#ppt_y-sin(pi*$)/81">
-                                          <p:val>
-                                            <p:fltVal val="0"/>
-                                          </p:val>
-                                        </p:tav>
-                                        <p:tav tm="100000">
-                                          <p:val>
-                                            <p:fltVal val="1"/>
-                                          </p:val>
-                                        </p:tav>
-                                      </p:tavLst>
-                                    </p:anim>
-                                    <p:animScale>
-                                      <p:cBhvr>
-                                        <p:cTn id="13" dur="26">
-                                          <p:stCondLst>
-                                            <p:cond delay="650"/>
-                                          </p:stCondLst>
-                                        </p:cTn>
-                                        <p:tgtEl>
-                                          <p:spTgt spid="7">
-                                            <p:txEl>
-                                              <p:pRg st="0" end="0"/>
-                                            </p:txEl>
-                                          </p:spTgt>
-                                        </p:tgtEl>
-                                      </p:cBhvr>
-                                      <p:to x="100000" y="60000"/>
-                                    </p:animScale>
-                                    <p:animScale>
-                                      <p:cBhvr>
-                                        <p:cTn id="14" dur="166" decel="50000">
-                                          <p:stCondLst>
-                                            <p:cond delay="676"/>
-                                          </p:stCondLst>
-                                        </p:cTn>
-                                        <p:tgtEl>
-                                          <p:spTgt spid="7">
-                                            <p:txEl>
-                                              <p:pRg st="0" end="0"/>
-                                            </p:txEl>
-                                          </p:spTgt>
-                                        </p:tgtEl>
-                                      </p:cBhvr>
-                                      <p:to x="100000" y="100000"/>
-                                    </p:animScale>
-                                    <p:animScale>
-                                      <p:cBhvr>
-                                        <p:cTn id="15" dur="26">
-                                          <p:stCondLst>
-                                            <p:cond delay="1312"/>
-                                          </p:stCondLst>
-                                        </p:cTn>
-                                        <p:tgtEl>
-                                          <p:spTgt spid="7">
-                                            <p:txEl>
-                                              <p:pRg st="0" end="0"/>
-                                            </p:txEl>
-                                          </p:spTgt>
-                                        </p:tgtEl>
-                                      </p:cBhvr>
-                                      <p:to x="100000" y="80000"/>
-                                    </p:animScale>
-                                    <p:animScale>
-                                      <p:cBhvr>
-                                        <p:cTn id="16" dur="166" decel="50000">
-                                          <p:stCondLst>
-                                            <p:cond delay="1338"/>
-                                          </p:stCondLst>
-                                        </p:cTn>
-                                        <p:tgtEl>
-                                          <p:spTgt spid="7">
-                                            <p:txEl>
-                                              <p:pRg st="0" end="0"/>
-                                            </p:txEl>
-                                          </p:spTgt>
-                                        </p:tgtEl>
-                                      </p:cBhvr>
-                                      <p:to x="100000" y="100000"/>
-                                    </p:animScale>
-                                    <p:animScale>
-                                      <p:cBhvr>
-                                        <p:cTn id="17" dur="26">
-                                          <p:stCondLst>
-                                            <p:cond delay="1642"/>
-                                          </p:stCondLst>
-                                        </p:cTn>
-                                        <p:tgtEl>
-                                          <p:spTgt spid="7">
-                                            <p:txEl>
-                                              <p:pRg st="0" end="0"/>
-                                            </p:txEl>
-                                          </p:spTgt>
-                                        </p:tgtEl>
-                                      </p:cBhvr>
-                                      <p:to x="100000" y="90000"/>
-                                    </p:animScale>
-                                    <p:animScale>
-                                      <p:cBhvr>
-                                        <p:cTn id="18" dur="166" decel="50000">
-                                          <p:stCondLst>
-                                            <p:cond delay="1668"/>
-                                          </p:stCondLst>
-                                        </p:cTn>
-                                        <p:tgtEl>
-                                          <p:spTgt spid="7">
-                                            <p:txEl>
-                                              <p:pRg st="0" end="0"/>
-                                            </p:txEl>
-                                          </p:spTgt>
-                                        </p:tgtEl>
-                                      </p:cBhvr>
-                                      <p:to x="100000" y="100000"/>
-                                    </p:animScale>
-                                    <p:animScale>
-                                      <p:cBhvr>
-                                        <p:cTn id="19" dur="26">
-                                          <p:stCondLst>
-                                            <p:cond delay="1808"/>
-                                          </p:stCondLst>
-                                        </p:cTn>
-                                        <p:tgtEl>
-                                          <p:spTgt spid="7">
-                                            <p:txEl>
-                                              <p:pRg st="0" end="0"/>
-                                            </p:txEl>
-                                          </p:spTgt>
-                                        </p:tgtEl>
-                                      </p:cBhvr>
-                                      <p:to x="100000" y="95000"/>
-                                    </p:animScale>
-                                    <p:animScale>
-                                      <p:cBhvr>
-                                        <p:cTn id="20" dur="166" decel="50000">
-                                          <p:stCondLst>
-                                            <p:cond delay="1834"/>
-                                          </p:stCondLst>
-                                        </p:cTn>
-                                        <p:tgtEl>
-                                          <p:spTgt spid="7">
-                                            <p:txEl>
-                                              <p:pRg st="0" end="0"/>
-                                            </p:txEl>
-                                          </p:spTgt>
-                                        </p:tgtEl>
-                                      </p:cBhvr>
-                                      <p:to x="100000" y="100000"/>
-                                    </p:animScale>
-                                  </p:childTnLst>
-                                </p:cTn>
-                              </p:par>
-                            </p:childTnLst>
-                          </p:cTn>
-                        </p:par>
-                      </p:childTnLst>
-                    </p:cTn>
-                  </p:par>
-                </p:childTnLst>
-              </p:cTn>
-              <p:prevCondLst>
-                <p:cond evt="onPrev" delay="0">
-                  <p:tgtEl>
-                    <p:sldTgt/>
-                  </p:tgtEl>
-                </p:cond>
-              </p:prevCondLst>
-              <p:nextCondLst>
-                <p:cond evt="onNext" delay="0">
-                  <p:tgtEl>
-                    <p:sldTgt/>
-                  </p:tgtEl>
-                </p:cond>
-              </p:nextCondLst>
-            </p:seq>
-          </p:childTnLst>
-        </p:cTn>
+        <p:cTn id="1" dur="indefinite" restart="never" nodeType="tmRoot"/>
       </p:par>
     </p:tnLst>
   </p:timing>
@@ -22525,396 +20244,7 @@
   <p:timing>
     <p:tnLst>
       <p:par>
-        <p:cTn id="1" dur="indefinite" restart="never" nodeType="tmRoot">
-          <p:childTnLst>
-            <p:seq concurrent="1" nextAc="seek">
-              <p:cTn id="2" dur="indefinite" nodeType="mainSeq">
-                <p:childTnLst>
-                  <p:par>
-                    <p:cTn id="3" fill="hold">
-                      <p:stCondLst>
-                        <p:cond delay="indefinite"/>
-                      </p:stCondLst>
-                      <p:childTnLst>
-                        <p:par>
-                          <p:cTn id="4" fill="hold">
-                            <p:stCondLst>
-                              <p:cond delay="0"/>
-                            </p:stCondLst>
-                            <p:childTnLst>
-                              <p:par>
-                                <p:cTn id="5" presetID="14" presetClass="entr" presetSubtype="10" fill="hold" nodeType="clickEffect">
-                                  <p:stCondLst>
-                                    <p:cond delay="0"/>
-                                  </p:stCondLst>
-                                  <p:childTnLst>
-                                    <p:set>
-                                      <p:cBhvr>
-                                        <p:cTn id="6" dur="1" fill="hold">
-                                          <p:stCondLst>
-                                            <p:cond delay="0"/>
-                                          </p:stCondLst>
-                                        </p:cTn>
-                                        <p:tgtEl>
-                                          <p:spTgt spid="3">
-                                            <p:txEl>
-                                              <p:pRg st="8" end="8"/>
-                                            </p:txEl>
-                                          </p:spTgt>
-                                        </p:tgtEl>
-                                        <p:attrNameLst>
-                                          <p:attrName>style.visibility</p:attrName>
-                                        </p:attrNameLst>
-                                      </p:cBhvr>
-                                      <p:to>
-                                        <p:strVal val="visible"/>
-                                      </p:to>
-                                    </p:set>
-                                    <p:animEffect transition="in" filter="randombar(horizontal)">
-                                      <p:cBhvr>
-                                        <p:cTn id="7" dur="500"/>
-                                        <p:tgtEl>
-                                          <p:spTgt spid="3">
-                                            <p:txEl>
-                                              <p:pRg st="8" end="8"/>
-                                            </p:txEl>
-                                          </p:spTgt>
-                                        </p:tgtEl>
-                                      </p:cBhvr>
-                                    </p:animEffect>
-                                  </p:childTnLst>
-                                </p:cTn>
-                              </p:par>
-                            </p:childTnLst>
-                          </p:cTn>
-                        </p:par>
-                      </p:childTnLst>
-                    </p:cTn>
-                  </p:par>
-                  <p:par>
-                    <p:cTn id="8" fill="hold">
-                      <p:stCondLst>
-                        <p:cond delay="indefinite"/>
-                      </p:stCondLst>
-                      <p:childTnLst>
-                        <p:par>
-                          <p:cTn id="9" fill="hold">
-                            <p:stCondLst>
-                              <p:cond delay="0"/>
-                            </p:stCondLst>
-                            <p:childTnLst>
-                              <p:par>
-                                <p:cTn id="10" presetID="14" presetClass="entr" presetSubtype="10" fill="hold" nodeType="clickEffect">
-                                  <p:stCondLst>
-                                    <p:cond delay="0"/>
-                                  </p:stCondLst>
-                                  <p:childTnLst>
-                                    <p:set>
-                                      <p:cBhvr>
-                                        <p:cTn id="11" dur="1" fill="hold">
-                                          <p:stCondLst>
-                                            <p:cond delay="0"/>
-                                          </p:stCondLst>
-                                        </p:cTn>
-                                        <p:tgtEl>
-                                          <p:spTgt spid="3">
-                                            <p:txEl>
-                                              <p:pRg st="10" end="10"/>
-                                            </p:txEl>
-                                          </p:spTgt>
-                                        </p:tgtEl>
-                                        <p:attrNameLst>
-                                          <p:attrName>style.visibility</p:attrName>
-                                        </p:attrNameLst>
-                                      </p:cBhvr>
-                                      <p:to>
-                                        <p:strVal val="visible"/>
-                                      </p:to>
-                                    </p:set>
-                                    <p:animEffect transition="in" filter="randombar(horizontal)">
-                                      <p:cBhvr>
-                                        <p:cTn id="12" dur="500"/>
-                                        <p:tgtEl>
-                                          <p:spTgt spid="3">
-                                            <p:txEl>
-                                              <p:pRg st="10" end="10"/>
-                                            </p:txEl>
-                                          </p:spTgt>
-                                        </p:tgtEl>
-                                      </p:cBhvr>
-                                    </p:animEffect>
-                                  </p:childTnLst>
-                                </p:cTn>
-                              </p:par>
-                            </p:childTnLst>
-                          </p:cTn>
-                        </p:par>
-                      </p:childTnLst>
-                    </p:cTn>
-                  </p:par>
-                  <p:par>
-                    <p:cTn id="13" fill="hold">
-                      <p:stCondLst>
-                        <p:cond delay="indefinite"/>
-                      </p:stCondLst>
-                      <p:childTnLst>
-                        <p:par>
-                          <p:cTn id="14" fill="hold">
-                            <p:stCondLst>
-                              <p:cond delay="0"/>
-                            </p:stCondLst>
-                            <p:childTnLst>
-                              <p:par>
-                                <p:cTn id="15" presetID="14" presetClass="entr" presetSubtype="10" fill="hold" nodeType="clickEffect">
-                                  <p:stCondLst>
-                                    <p:cond delay="0"/>
-                                  </p:stCondLst>
-                                  <p:childTnLst>
-                                    <p:set>
-                                      <p:cBhvr>
-                                        <p:cTn id="16" dur="1" fill="hold">
-                                          <p:stCondLst>
-                                            <p:cond delay="0"/>
-                                          </p:stCondLst>
-                                        </p:cTn>
-                                        <p:tgtEl>
-                                          <p:spTgt spid="3">
-                                            <p:txEl>
-                                              <p:pRg st="0" end="0"/>
-                                            </p:txEl>
-                                          </p:spTgt>
-                                        </p:tgtEl>
-                                        <p:attrNameLst>
-                                          <p:attrName>style.visibility</p:attrName>
-                                        </p:attrNameLst>
-                                      </p:cBhvr>
-                                      <p:to>
-                                        <p:strVal val="visible"/>
-                                      </p:to>
-                                    </p:set>
-                                    <p:animEffect transition="in" filter="randombar(horizontal)">
-                                      <p:cBhvr>
-                                        <p:cTn id="17" dur="500"/>
-                                        <p:tgtEl>
-                                          <p:spTgt spid="3">
-                                            <p:txEl>
-                                              <p:pRg st="0" end="0"/>
-                                            </p:txEl>
-                                          </p:spTgt>
-                                        </p:tgtEl>
-                                      </p:cBhvr>
-                                    </p:animEffect>
-                                  </p:childTnLst>
-                                </p:cTn>
-                              </p:par>
-                            </p:childTnLst>
-                          </p:cTn>
-                        </p:par>
-                      </p:childTnLst>
-                    </p:cTn>
-                  </p:par>
-                  <p:par>
-                    <p:cTn id="18" fill="hold">
-                      <p:stCondLst>
-                        <p:cond delay="indefinite"/>
-                      </p:stCondLst>
-                      <p:childTnLst>
-                        <p:par>
-                          <p:cTn id="19" fill="hold">
-                            <p:stCondLst>
-                              <p:cond delay="0"/>
-                            </p:stCondLst>
-                            <p:childTnLst>
-                              <p:par>
-                                <p:cTn id="20" presetID="14" presetClass="entr" presetSubtype="10" fill="hold" nodeType="clickEffect">
-                                  <p:stCondLst>
-                                    <p:cond delay="0"/>
-                                  </p:stCondLst>
-                                  <p:childTnLst>
-                                    <p:set>
-                                      <p:cBhvr>
-                                        <p:cTn id="21" dur="1" fill="hold">
-                                          <p:stCondLst>
-                                            <p:cond delay="0"/>
-                                          </p:stCondLst>
-                                        </p:cTn>
-                                        <p:tgtEl>
-                                          <p:spTgt spid="3">
-                                            <p:txEl>
-                                              <p:pRg st="2" end="2"/>
-                                            </p:txEl>
-                                          </p:spTgt>
-                                        </p:tgtEl>
-                                        <p:attrNameLst>
-                                          <p:attrName>style.visibility</p:attrName>
-                                        </p:attrNameLst>
-                                      </p:cBhvr>
-                                      <p:to>
-                                        <p:strVal val="visible"/>
-                                      </p:to>
-                                    </p:set>
-                                    <p:animEffect transition="in" filter="randombar(horizontal)">
-                                      <p:cBhvr>
-                                        <p:cTn id="22" dur="500"/>
-                                        <p:tgtEl>
-                                          <p:spTgt spid="3">
-                                            <p:txEl>
-                                              <p:pRg st="2" end="2"/>
-                                            </p:txEl>
-                                          </p:spTgt>
-                                        </p:tgtEl>
-                                      </p:cBhvr>
-                                    </p:animEffect>
-                                  </p:childTnLst>
-                                </p:cTn>
-                              </p:par>
-                            </p:childTnLst>
-                          </p:cTn>
-                        </p:par>
-                      </p:childTnLst>
-                    </p:cTn>
-                  </p:par>
-                  <p:par>
-                    <p:cTn id="23" fill="hold">
-                      <p:stCondLst>
-                        <p:cond delay="indefinite"/>
-                      </p:stCondLst>
-                      <p:childTnLst>
-                        <p:par>
-                          <p:cTn id="24" fill="hold">
-                            <p:stCondLst>
-                              <p:cond delay="0"/>
-                            </p:stCondLst>
-                            <p:childTnLst>
-                              <p:par>
-                                <p:cTn id="25" presetID="14" presetClass="entr" presetSubtype="10" fill="hold" nodeType="clickEffect">
-                                  <p:stCondLst>
-                                    <p:cond delay="0"/>
-                                  </p:stCondLst>
-                                  <p:childTnLst>
-                                    <p:set>
-                                      <p:cBhvr>
-                                        <p:cTn id="26" dur="1" fill="hold">
-                                          <p:stCondLst>
-                                            <p:cond delay="0"/>
-                                          </p:stCondLst>
-                                        </p:cTn>
-                                        <p:tgtEl>
-                                          <p:spTgt spid="3">
-                                            <p:txEl>
-                                              <p:pRg st="4" end="4"/>
-                                            </p:txEl>
-                                          </p:spTgt>
-                                        </p:tgtEl>
-                                        <p:attrNameLst>
-                                          <p:attrName>style.visibility</p:attrName>
-                                        </p:attrNameLst>
-                                      </p:cBhvr>
-                                      <p:to>
-                                        <p:strVal val="visible"/>
-                                      </p:to>
-                                    </p:set>
-                                    <p:animEffect transition="in" filter="randombar(horizontal)">
-                                      <p:cBhvr>
-                                        <p:cTn id="27" dur="500"/>
-                                        <p:tgtEl>
-                                          <p:spTgt spid="3">
-                                            <p:txEl>
-                                              <p:pRg st="4" end="4"/>
-                                            </p:txEl>
-                                          </p:spTgt>
-                                        </p:tgtEl>
-                                      </p:cBhvr>
-                                    </p:animEffect>
-                                  </p:childTnLst>
-                                </p:cTn>
-                              </p:par>
-                            </p:childTnLst>
-                          </p:cTn>
-                        </p:par>
-                      </p:childTnLst>
-                    </p:cTn>
-                  </p:par>
-                  <p:par>
-                    <p:cTn id="28" fill="hold">
-                      <p:stCondLst>
-                        <p:cond delay="indefinite"/>
-                      </p:stCondLst>
-                      <p:childTnLst>
-                        <p:par>
-                          <p:cTn id="29" fill="hold">
-                            <p:stCondLst>
-                              <p:cond delay="0"/>
-                            </p:stCondLst>
-                            <p:childTnLst>
-                              <p:par>
-                                <p:cTn id="30" presetID="14" presetClass="entr" presetSubtype="10" fill="hold" nodeType="clickEffect">
-                                  <p:stCondLst>
-                                    <p:cond delay="0"/>
-                                  </p:stCondLst>
-                                  <p:childTnLst>
-                                    <p:set>
-                                      <p:cBhvr>
-                                        <p:cTn id="31" dur="1" fill="hold">
-                                          <p:stCondLst>
-                                            <p:cond delay="0"/>
-                                          </p:stCondLst>
-                                        </p:cTn>
-                                        <p:tgtEl>
-                                          <p:spTgt spid="3">
-                                            <p:txEl>
-                                              <p:pRg st="6" end="6"/>
-                                            </p:txEl>
-                                          </p:spTgt>
-                                        </p:tgtEl>
-                                        <p:attrNameLst>
-                                          <p:attrName>style.visibility</p:attrName>
-                                        </p:attrNameLst>
-                                      </p:cBhvr>
-                                      <p:to>
-                                        <p:strVal val="visible"/>
-                                      </p:to>
-                                    </p:set>
-                                    <p:animEffect transition="in" filter="randombar(horizontal)">
-                                      <p:cBhvr>
-                                        <p:cTn id="32" dur="500"/>
-                                        <p:tgtEl>
-                                          <p:spTgt spid="3">
-                                            <p:txEl>
-                                              <p:pRg st="6" end="6"/>
-                                            </p:txEl>
-                                          </p:spTgt>
-                                        </p:tgtEl>
-                                      </p:cBhvr>
-                                    </p:animEffect>
-                                  </p:childTnLst>
-                                </p:cTn>
-                              </p:par>
-                            </p:childTnLst>
-                          </p:cTn>
-                        </p:par>
-                      </p:childTnLst>
-                    </p:cTn>
-                  </p:par>
-                </p:childTnLst>
-              </p:cTn>
-              <p:prevCondLst>
-                <p:cond evt="onPrev" delay="0">
-                  <p:tgtEl>
-                    <p:sldTgt/>
-                  </p:tgtEl>
-                </p:cond>
-              </p:prevCondLst>
-              <p:nextCondLst>
-                <p:cond evt="onNext" delay="0">
-                  <p:tgtEl>
-                    <p:sldTgt/>
-                  </p:tgtEl>
-                </p:cond>
-              </p:nextCondLst>
-            </p:seq>
-          </p:childTnLst>
-        </p:cTn>
+        <p:cTn id="1" dur="indefinite" restart="never" nodeType="tmRoot"/>
       </p:par>
     </p:tnLst>
   </p:timing>
@@ -23184,91 +20514,7 @@
   <p:timing>
     <p:tnLst>
       <p:par>
-        <p:cTn id="1" dur="indefinite" restart="never" nodeType="tmRoot">
-          <p:childTnLst>
-            <p:seq concurrent="1" nextAc="seek">
-              <p:cTn id="2" dur="indefinite" nodeType="mainSeq">
-                <p:childTnLst>
-                  <p:par>
-                    <p:cTn id="3" fill="hold">
-                      <p:stCondLst>
-                        <p:cond delay="indefinite"/>
-                      </p:stCondLst>
-                      <p:childTnLst>
-                        <p:par>
-                          <p:cTn id="4" fill="hold">
-                            <p:stCondLst>
-                              <p:cond delay="0"/>
-                            </p:stCondLst>
-                            <p:childTnLst>
-                              <p:par>
-                                <p:cTn id="5" presetID="22" presetClass="entr" presetSubtype="4" fill="hold" nodeType="clickEffect">
-                                  <p:stCondLst>
-                                    <p:cond delay="0"/>
-                                  </p:stCondLst>
-                                  <p:childTnLst>
-                                    <p:set>
-                                      <p:cBhvr>
-                                        <p:cTn id="6" dur="1" fill="hold">
-                                          <p:stCondLst>
-                                            <p:cond delay="0"/>
-                                          </p:stCondLst>
-                                        </p:cTn>
-                                        <p:tgtEl>
-                                          <p:spTgt spid="3">
-                                            <p:txEl>
-                                              <p:pRg st="0" end="0"/>
-                                            </p:txEl>
-                                          </p:spTgt>
-                                        </p:tgtEl>
-                                        <p:attrNameLst>
-                                          <p:attrName>style.visibility</p:attrName>
-                                        </p:attrNameLst>
-                                      </p:cBhvr>
-                                      <p:to>
-                                        <p:strVal val="visible"/>
-                                      </p:to>
-                                    </p:set>
-                                    <p:animEffect transition="in" filter="wipe(down)">
-                                      <p:cBhvr>
-                                        <p:cTn id="7" dur="500"/>
-                                        <p:tgtEl>
-                                          <p:spTgt spid="3">
-                                            <p:txEl>
-                                              <p:pRg st="0" end="0"/>
-                                            </p:txEl>
-                                          </p:spTgt>
-                                        </p:tgtEl>
-                                      </p:cBhvr>
-                                    </p:animEffect>
-                                  </p:childTnLst>
-                                </p:cTn>
-                              </p:par>
-                            </p:childTnLst>
-                          </p:cTn>
-                        </p:par>
-                      </p:childTnLst>
-                    </p:cTn>
-                  </p:par>
-                </p:childTnLst>
-              </p:cTn>
-              <p:prevCondLst>
-                <p:cond evt="onPrev" delay="0">
-                  <p:tgtEl>
-                    <p:sldTgt/>
-                  </p:tgtEl>
-                </p:cond>
-              </p:prevCondLst>
-              <p:nextCondLst>
-                <p:cond evt="onNext" delay="0">
-                  <p:tgtEl>
-                    <p:sldTgt/>
-                  </p:tgtEl>
-                </p:cond>
-              </p:nextCondLst>
-            </p:seq>
-          </p:childTnLst>
-        </p:cTn>
+        <p:cTn id="1" dur="indefinite" restart="never" nodeType="tmRoot"/>
       </p:par>
     </p:tnLst>
   </p:timing>
@@ -23756,2522 +21002,7 @@
   <p:timing>
     <p:tnLst>
       <p:par>
-        <p:cTn id="1" dur="indefinite" restart="never" nodeType="tmRoot">
-          <p:childTnLst>
-            <p:seq concurrent="1" nextAc="seek">
-              <p:cTn id="2" dur="indefinite" nodeType="mainSeq">
-                <p:childTnLst>
-                  <p:par>
-                    <p:cTn id="3" fill="hold">
-                      <p:stCondLst>
-                        <p:cond delay="indefinite"/>
-                      </p:stCondLst>
-                      <p:childTnLst>
-                        <p:par>
-                          <p:cTn id="4" fill="hold">
-                            <p:stCondLst>
-                              <p:cond delay="0"/>
-                            </p:stCondLst>
-                            <p:childTnLst>
-                              <p:par>
-                                <p:cTn id="5" presetID="26" presetClass="entr" presetSubtype="0" fill="hold" nodeType="clickEffect">
-                                  <p:stCondLst>
-                                    <p:cond delay="0"/>
-                                  </p:stCondLst>
-                                  <p:childTnLst>
-                                    <p:set>
-                                      <p:cBhvr>
-                                        <p:cTn id="6" dur="1" fill="hold">
-                                          <p:stCondLst>
-                                            <p:cond delay="0"/>
-                                          </p:stCondLst>
-                                        </p:cTn>
-                                        <p:tgtEl>
-                                          <p:spTgt spid="7">
-                                            <p:txEl>
-                                              <p:pRg st="0" end="0"/>
-                                            </p:txEl>
-                                          </p:spTgt>
-                                        </p:tgtEl>
-                                        <p:attrNameLst>
-                                          <p:attrName>style.visibility</p:attrName>
-                                        </p:attrNameLst>
-                                      </p:cBhvr>
-                                      <p:to>
-                                        <p:strVal val="visible"/>
-                                      </p:to>
-                                    </p:set>
-                                    <p:animEffect transition="in" filter="wipe(down)">
-                                      <p:cBhvr>
-                                        <p:cTn id="7" dur="580">
-                                          <p:stCondLst>
-                                            <p:cond delay="0"/>
-                                          </p:stCondLst>
-                                        </p:cTn>
-                                        <p:tgtEl>
-                                          <p:spTgt spid="7">
-                                            <p:txEl>
-                                              <p:pRg st="0" end="0"/>
-                                            </p:txEl>
-                                          </p:spTgt>
-                                        </p:tgtEl>
-                                      </p:cBhvr>
-                                    </p:animEffect>
-                                    <p:anim calcmode="lin" valueType="num">
-                                      <p:cBhvr>
-                                        <p:cTn id="8" dur="1822" tmFilter="0,0; 0.14,0.36; 0.43,0.73; 0.71,0.91; 1.0,1.0">
-                                          <p:stCondLst>
-                                            <p:cond delay="0"/>
-                                          </p:stCondLst>
-                                        </p:cTn>
-                                        <p:tgtEl>
-                                          <p:spTgt spid="7">
-                                            <p:txEl>
-                                              <p:pRg st="0" end="0"/>
-                                            </p:txEl>
-                                          </p:spTgt>
-                                        </p:tgtEl>
-                                        <p:attrNameLst>
-                                          <p:attrName>ppt_x</p:attrName>
-                                        </p:attrNameLst>
-                                      </p:cBhvr>
-                                      <p:tavLst>
-                                        <p:tav tm="0">
-                                          <p:val>
-                                            <p:strVal val="#ppt_x-0.25"/>
-                                          </p:val>
-                                        </p:tav>
-                                        <p:tav tm="100000">
-                                          <p:val>
-                                            <p:strVal val="#ppt_x"/>
-                                          </p:val>
-                                        </p:tav>
-                                      </p:tavLst>
-                                    </p:anim>
-                                    <p:anim calcmode="lin" valueType="num">
-                                      <p:cBhvr>
-                                        <p:cTn id="9" dur="664" tmFilter="0.0,0.0; 0.25,0.07; 0.50,0.2; 0.75,0.467; 1.0,1.0">
-                                          <p:stCondLst>
-                                            <p:cond delay="0"/>
-                                          </p:stCondLst>
-                                        </p:cTn>
-                                        <p:tgtEl>
-                                          <p:spTgt spid="7">
-                                            <p:txEl>
-                                              <p:pRg st="0" end="0"/>
-                                            </p:txEl>
-                                          </p:spTgt>
-                                        </p:tgtEl>
-                                        <p:attrNameLst>
-                                          <p:attrName>ppt_y</p:attrName>
-                                        </p:attrNameLst>
-                                      </p:cBhvr>
-                                      <p:tavLst>
-                                        <p:tav tm="0" fmla="#ppt_y-sin(pi*$)/3">
-                                          <p:val>
-                                            <p:fltVal val="0.5"/>
-                                          </p:val>
-                                        </p:tav>
-                                        <p:tav tm="100000">
-                                          <p:val>
-                                            <p:fltVal val="1"/>
-                                          </p:val>
-                                        </p:tav>
-                                      </p:tavLst>
-                                    </p:anim>
-                                    <p:anim calcmode="lin" valueType="num">
-                                      <p:cBhvr>
-                                        <p:cTn id="10" dur="664" tmFilter="0, 0; 0.125,0.2665; 0.25,0.4; 0.375,0.465; 0.5,0.5;  0.625,0.535; 0.75,0.6; 0.875,0.7335; 1,1">
-                                          <p:stCondLst>
-                                            <p:cond delay="664"/>
-                                          </p:stCondLst>
-                                        </p:cTn>
-                                        <p:tgtEl>
-                                          <p:spTgt spid="7">
-                                            <p:txEl>
-                                              <p:pRg st="0" end="0"/>
-                                            </p:txEl>
-                                          </p:spTgt>
-                                        </p:tgtEl>
-                                        <p:attrNameLst>
-                                          <p:attrName>ppt_y</p:attrName>
-                                        </p:attrNameLst>
-                                      </p:cBhvr>
-                                      <p:tavLst>
-                                        <p:tav tm="0" fmla="#ppt_y-sin(pi*$)/9">
-                                          <p:val>
-                                            <p:fltVal val="0"/>
-                                          </p:val>
-                                        </p:tav>
-                                        <p:tav tm="100000">
-                                          <p:val>
-                                            <p:fltVal val="1"/>
-                                          </p:val>
-                                        </p:tav>
-                                      </p:tavLst>
-                                    </p:anim>
-                                    <p:anim calcmode="lin" valueType="num">
-                                      <p:cBhvr>
-                                        <p:cTn id="11" dur="332" tmFilter="0, 0; 0.125,0.2665; 0.25,0.4; 0.375,0.465; 0.5,0.5;  0.625,0.535; 0.75,0.6; 0.875,0.7335; 1,1">
-                                          <p:stCondLst>
-                                            <p:cond delay="1324"/>
-                                          </p:stCondLst>
-                                        </p:cTn>
-                                        <p:tgtEl>
-                                          <p:spTgt spid="7">
-                                            <p:txEl>
-                                              <p:pRg st="0" end="0"/>
-                                            </p:txEl>
-                                          </p:spTgt>
-                                        </p:tgtEl>
-                                        <p:attrNameLst>
-                                          <p:attrName>ppt_y</p:attrName>
-                                        </p:attrNameLst>
-                                      </p:cBhvr>
-                                      <p:tavLst>
-                                        <p:tav tm="0" fmla="#ppt_y-sin(pi*$)/27">
-                                          <p:val>
-                                            <p:fltVal val="0"/>
-                                          </p:val>
-                                        </p:tav>
-                                        <p:tav tm="100000">
-                                          <p:val>
-                                            <p:fltVal val="1"/>
-                                          </p:val>
-                                        </p:tav>
-                                      </p:tavLst>
-                                    </p:anim>
-                                    <p:anim calcmode="lin" valueType="num">
-                                      <p:cBhvr>
-                                        <p:cTn id="12" dur="164" tmFilter="0, 0; 0.125,0.2665; 0.25,0.4; 0.375,0.465; 0.5,0.5;  0.625,0.535; 0.75,0.6; 0.875,0.7335; 1,1">
-                                          <p:stCondLst>
-                                            <p:cond delay="1656"/>
-                                          </p:stCondLst>
-                                        </p:cTn>
-                                        <p:tgtEl>
-                                          <p:spTgt spid="7">
-                                            <p:txEl>
-                                              <p:pRg st="0" end="0"/>
-                                            </p:txEl>
-                                          </p:spTgt>
-                                        </p:tgtEl>
-                                        <p:attrNameLst>
-                                          <p:attrName>ppt_y</p:attrName>
-                                        </p:attrNameLst>
-                                      </p:cBhvr>
-                                      <p:tavLst>
-                                        <p:tav tm="0" fmla="#ppt_y-sin(pi*$)/81">
-                                          <p:val>
-                                            <p:fltVal val="0"/>
-                                          </p:val>
-                                        </p:tav>
-                                        <p:tav tm="100000">
-                                          <p:val>
-                                            <p:fltVal val="1"/>
-                                          </p:val>
-                                        </p:tav>
-                                      </p:tavLst>
-                                    </p:anim>
-                                    <p:animScale>
-                                      <p:cBhvr>
-                                        <p:cTn id="13" dur="26">
-                                          <p:stCondLst>
-                                            <p:cond delay="650"/>
-                                          </p:stCondLst>
-                                        </p:cTn>
-                                        <p:tgtEl>
-                                          <p:spTgt spid="7">
-                                            <p:txEl>
-                                              <p:pRg st="0" end="0"/>
-                                            </p:txEl>
-                                          </p:spTgt>
-                                        </p:tgtEl>
-                                      </p:cBhvr>
-                                      <p:to x="100000" y="60000"/>
-                                    </p:animScale>
-                                    <p:animScale>
-                                      <p:cBhvr>
-                                        <p:cTn id="14" dur="166" decel="50000">
-                                          <p:stCondLst>
-                                            <p:cond delay="676"/>
-                                          </p:stCondLst>
-                                        </p:cTn>
-                                        <p:tgtEl>
-                                          <p:spTgt spid="7">
-                                            <p:txEl>
-                                              <p:pRg st="0" end="0"/>
-                                            </p:txEl>
-                                          </p:spTgt>
-                                        </p:tgtEl>
-                                      </p:cBhvr>
-                                      <p:to x="100000" y="100000"/>
-                                    </p:animScale>
-                                    <p:animScale>
-                                      <p:cBhvr>
-                                        <p:cTn id="15" dur="26">
-                                          <p:stCondLst>
-                                            <p:cond delay="1312"/>
-                                          </p:stCondLst>
-                                        </p:cTn>
-                                        <p:tgtEl>
-                                          <p:spTgt spid="7">
-                                            <p:txEl>
-                                              <p:pRg st="0" end="0"/>
-                                            </p:txEl>
-                                          </p:spTgt>
-                                        </p:tgtEl>
-                                      </p:cBhvr>
-                                      <p:to x="100000" y="80000"/>
-                                    </p:animScale>
-                                    <p:animScale>
-                                      <p:cBhvr>
-                                        <p:cTn id="16" dur="166" decel="50000">
-                                          <p:stCondLst>
-                                            <p:cond delay="1338"/>
-                                          </p:stCondLst>
-                                        </p:cTn>
-                                        <p:tgtEl>
-                                          <p:spTgt spid="7">
-                                            <p:txEl>
-                                              <p:pRg st="0" end="0"/>
-                                            </p:txEl>
-                                          </p:spTgt>
-                                        </p:tgtEl>
-                                      </p:cBhvr>
-                                      <p:to x="100000" y="100000"/>
-                                    </p:animScale>
-                                    <p:animScale>
-                                      <p:cBhvr>
-                                        <p:cTn id="17" dur="26">
-                                          <p:stCondLst>
-                                            <p:cond delay="1642"/>
-                                          </p:stCondLst>
-                                        </p:cTn>
-                                        <p:tgtEl>
-                                          <p:spTgt spid="7">
-                                            <p:txEl>
-                                              <p:pRg st="0" end="0"/>
-                                            </p:txEl>
-                                          </p:spTgt>
-                                        </p:tgtEl>
-                                      </p:cBhvr>
-                                      <p:to x="100000" y="90000"/>
-                                    </p:animScale>
-                                    <p:animScale>
-                                      <p:cBhvr>
-                                        <p:cTn id="18" dur="166" decel="50000">
-                                          <p:stCondLst>
-                                            <p:cond delay="1668"/>
-                                          </p:stCondLst>
-                                        </p:cTn>
-                                        <p:tgtEl>
-                                          <p:spTgt spid="7">
-                                            <p:txEl>
-                                              <p:pRg st="0" end="0"/>
-                                            </p:txEl>
-                                          </p:spTgt>
-                                        </p:tgtEl>
-                                      </p:cBhvr>
-                                      <p:to x="100000" y="100000"/>
-                                    </p:animScale>
-                                    <p:animScale>
-                                      <p:cBhvr>
-                                        <p:cTn id="19" dur="26">
-                                          <p:stCondLst>
-                                            <p:cond delay="1808"/>
-                                          </p:stCondLst>
-                                        </p:cTn>
-                                        <p:tgtEl>
-                                          <p:spTgt spid="7">
-                                            <p:txEl>
-                                              <p:pRg st="0" end="0"/>
-                                            </p:txEl>
-                                          </p:spTgt>
-                                        </p:tgtEl>
-                                      </p:cBhvr>
-                                      <p:to x="100000" y="95000"/>
-                                    </p:animScale>
-                                    <p:animScale>
-                                      <p:cBhvr>
-                                        <p:cTn id="20" dur="166" decel="50000">
-                                          <p:stCondLst>
-                                            <p:cond delay="1834"/>
-                                          </p:stCondLst>
-                                        </p:cTn>
-                                        <p:tgtEl>
-                                          <p:spTgt spid="7">
-                                            <p:txEl>
-                                              <p:pRg st="0" end="0"/>
-                                            </p:txEl>
-                                          </p:spTgt>
-                                        </p:tgtEl>
-                                      </p:cBhvr>
-                                      <p:to x="100000" y="100000"/>
-                                    </p:animScale>
-                                  </p:childTnLst>
-                                </p:cTn>
-                              </p:par>
-                            </p:childTnLst>
-                          </p:cTn>
-                        </p:par>
-                      </p:childTnLst>
-                    </p:cTn>
-                  </p:par>
-                  <p:par>
-                    <p:cTn id="21" fill="hold">
-                      <p:stCondLst>
-                        <p:cond delay="indefinite"/>
-                      </p:stCondLst>
-                      <p:childTnLst>
-                        <p:par>
-                          <p:cTn id="22" fill="hold">
-                            <p:stCondLst>
-                              <p:cond delay="0"/>
-                            </p:stCondLst>
-                            <p:childTnLst>
-                              <p:par>
-                                <p:cTn id="23" presetID="26" presetClass="entr" presetSubtype="0" fill="hold" nodeType="clickEffect">
-                                  <p:stCondLst>
-                                    <p:cond delay="0"/>
-                                  </p:stCondLst>
-                                  <p:childTnLst>
-                                    <p:set>
-                                      <p:cBhvr>
-                                        <p:cTn id="24" dur="1" fill="hold">
-                                          <p:stCondLst>
-                                            <p:cond delay="0"/>
-                                          </p:stCondLst>
-                                        </p:cTn>
-                                        <p:tgtEl>
-                                          <p:spTgt spid="7">
-                                            <p:txEl>
-                                              <p:pRg st="1" end="1"/>
-                                            </p:txEl>
-                                          </p:spTgt>
-                                        </p:tgtEl>
-                                        <p:attrNameLst>
-                                          <p:attrName>style.visibility</p:attrName>
-                                        </p:attrNameLst>
-                                      </p:cBhvr>
-                                      <p:to>
-                                        <p:strVal val="visible"/>
-                                      </p:to>
-                                    </p:set>
-                                    <p:animEffect transition="in" filter="wipe(down)">
-                                      <p:cBhvr>
-                                        <p:cTn id="25" dur="580">
-                                          <p:stCondLst>
-                                            <p:cond delay="0"/>
-                                          </p:stCondLst>
-                                        </p:cTn>
-                                        <p:tgtEl>
-                                          <p:spTgt spid="7">
-                                            <p:txEl>
-                                              <p:pRg st="1" end="1"/>
-                                            </p:txEl>
-                                          </p:spTgt>
-                                        </p:tgtEl>
-                                      </p:cBhvr>
-                                    </p:animEffect>
-                                    <p:anim calcmode="lin" valueType="num">
-                                      <p:cBhvr>
-                                        <p:cTn id="26" dur="1822" tmFilter="0,0; 0.14,0.36; 0.43,0.73; 0.71,0.91; 1.0,1.0">
-                                          <p:stCondLst>
-                                            <p:cond delay="0"/>
-                                          </p:stCondLst>
-                                        </p:cTn>
-                                        <p:tgtEl>
-                                          <p:spTgt spid="7">
-                                            <p:txEl>
-                                              <p:pRg st="1" end="1"/>
-                                            </p:txEl>
-                                          </p:spTgt>
-                                        </p:tgtEl>
-                                        <p:attrNameLst>
-                                          <p:attrName>ppt_x</p:attrName>
-                                        </p:attrNameLst>
-                                      </p:cBhvr>
-                                      <p:tavLst>
-                                        <p:tav tm="0">
-                                          <p:val>
-                                            <p:strVal val="#ppt_x-0.25"/>
-                                          </p:val>
-                                        </p:tav>
-                                        <p:tav tm="100000">
-                                          <p:val>
-                                            <p:strVal val="#ppt_x"/>
-                                          </p:val>
-                                        </p:tav>
-                                      </p:tavLst>
-                                    </p:anim>
-                                    <p:anim calcmode="lin" valueType="num">
-                                      <p:cBhvr>
-                                        <p:cTn id="27" dur="664" tmFilter="0.0,0.0; 0.25,0.07; 0.50,0.2; 0.75,0.467; 1.0,1.0">
-                                          <p:stCondLst>
-                                            <p:cond delay="0"/>
-                                          </p:stCondLst>
-                                        </p:cTn>
-                                        <p:tgtEl>
-                                          <p:spTgt spid="7">
-                                            <p:txEl>
-                                              <p:pRg st="1" end="1"/>
-                                            </p:txEl>
-                                          </p:spTgt>
-                                        </p:tgtEl>
-                                        <p:attrNameLst>
-                                          <p:attrName>ppt_y</p:attrName>
-                                        </p:attrNameLst>
-                                      </p:cBhvr>
-                                      <p:tavLst>
-                                        <p:tav tm="0" fmla="#ppt_y-sin(pi*$)/3">
-                                          <p:val>
-                                            <p:fltVal val="0.5"/>
-                                          </p:val>
-                                        </p:tav>
-                                        <p:tav tm="100000">
-                                          <p:val>
-                                            <p:fltVal val="1"/>
-                                          </p:val>
-                                        </p:tav>
-                                      </p:tavLst>
-                                    </p:anim>
-                                    <p:anim calcmode="lin" valueType="num">
-                                      <p:cBhvr>
-                                        <p:cTn id="28" dur="664" tmFilter="0, 0; 0.125,0.2665; 0.25,0.4; 0.375,0.465; 0.5,0.5;  0.625,0.535; 0.75,0.6; 0.875,0.7335; 1,1">
-                                          <p:stCondLst>
-                                            <p:cond delay="664"/>
-                                          </p:stCondLst>
-                                        </p:cTn>
-                                        <p:tgtEl>
-                                          <p:spTgt spid="7">
-                                            <p:txEl>
-                                              <p:pRg st="1" end="1"/>
-                                            </p:txEl>
-                                          </p:spTgt>
-                                        </p:tgtEl>
-                                        <p:attrNameLst>
-                                          <p:attrName>ppt_y</p:attrName>
-                                        </p:attrNameLst>
-                                      </p:cBhvr>
-                                      <p:tavLst>
-                                        <p:tav tm="0" fmla="#ppt_y-sin(pi*$)/9">
-                                          <p:val>
-                                            <p:fltVal val="0"/>
-                                          </p:val>
-                                        </p:tav>
-                                        <p:tav tm="100000">
-                                          <p:val>
-                                            <p:fltVal val="1"/>
-                                          </p:val>
-                                        </p:tav>
-                                      </p:tavLst>
-                                    </p:anim>
-                                    <p:anim calcmode="lin" valueType="num">
-                                      <p:cBhvr>
-                                        <p:cTn id="29" dur="332" tmFilter="0, 0; 0.125,0.2665; 0.25,0.4; 0.375,0.465; 0.5,0.5;  0.625,0.535; 0.75,0.6; 0.875,0.7335; 1,1">
-                                          <p:stCondLst>
-                                            <p:cond delay="1324"/>
-                                          </p:stCondLst>
-                                        </p:cTn>
-                                        <p:tgtEl>
-                                          <p:spTgt spid="7">
-                                            <p:txEl>
-                                              <p:pRg st="1" end="1"/>
-                                            </p:txEl>
-                                          </p:spTgt>
-                                        </p:tgtEl>
-                                        <p:attrNameLst>
-                                          <p:attrName>ppt_y</p:attrName>
-                                        </p:attrNameLst>
-                                      </p:cBhvr>
-                                      <p:tavLst>
-                                        <p:tav tm="0" fmla="#ppt_y-sin(pi*$)/27">
-                                          <p:val>
-                                            <p:fltVal val="0"/>
-                                          </p:val>
-                                        </p:tav>
-                                        <p:tav tm="100000">
-                                          <p:val>
-                                            <p:fltVal val="1"/>
-                                          </p:val>
-                                        </p:tav>
-                                      </p:tavLst>
-                                    </p:anim>
-                                    <p:anim calcmode="lin" valueType="num">
-                                      <p:cBhvr>
-                                        <p:cTn id="30" dur="164" tmFilter="0, 0; 0.125,0.2665; 0.25,0.4; 0.375,0.465; 0.5,0.5;  0.625,0.535; 0.75,0.6; 0.875,0.7335; 1,1">
-                                          <p:stCondLst>
-                                            <p:cond delay="1656"/>
-                                          </p:stCondLst>
-                                        </p:cTn>
-                                        <p:tgtEl>
-                                          <p:spTgt spid="7">
-                                            <p:txEl>
-                                              <p:pRg st="1" end="1"/>
-                                            </p:txEl>
-                                          </p:spTgt>
-                                        </p:tgtEl>
-                                        <p:attrNameLst>
-                                          <p:attrName>ppt_y</p:attrName>
-                                        </p:attrNameLst>
-                                      </p:cBhvr>
-                                      <p:tavLst>
-                                        <p:tav tm="0" fmla="#ppt_y-sin(pi*$)/81">
-                                          <p:val>
-                                            <p:fltVal val="0"/>
-                                          </p:val>
-                                        </p:tav>
-                                        <p:tav tm="100000">
-                                          <p:val>
-                                            <p:fltVal val="1"/>
-                                          </p:val>
-                                        </p:tav>
-                                      </p:tavLst>
-                                    </p:anim>
-                                    <p:animScale>
-                                      <p:cBhvr>
-                                        <p:cTn id="31" dur="26">
-                                          <p:stCondLst>
-                                            <p:cond delay="650"/>
-                                          </p:stCondLst>
-                                        </p:cTn>
-                                        <p:tgtEl>
-                                          <p:spTgt spid="7">
-                                            <p:txEl>
-                                              <p:pRg st="1" end="1"/>
-                                            </p:txEl>
-                                          </p:spTgt>
-                                        </p:tgtEl>
-                                      </p:cBhvr>
-                                      <p:to x="100000" y="60000"/>
-                                    </p:animScale>
-                                    <p:animScale>
-                                      <p:cBhvr>
-                                        <p:cTn id="32" dur="166" decel="50000">
-                                          <p:stCondLst>
-                                            <p:cond delay="676"/>
-                                          </p:stCondLst>
-                                        </p:cTn>
-                                        <p:tgtEl>
-                                          <p:spTgt spid="7">
-                                            <p:txEl>
-                                              <p:pRg st="1" end="1"/>
-                                            </p:txEl>
-                                          </p:spTgt>
-                                        </p:tgtEl>
-                                      </p:cBhvr>
-                                      <p:to x="100000" y="100000"/>
-                                    </p:animScale>
-                                    <p:animScale>
-                                      <p:cBhvr>
-                                        <p:cTn id="33" dur="26">
-                                          <p:stCondLst>
-                                            <p:cond delay="1312"/>
-                                          </p:stCondLst>
-                                        </p:cTn>
-                                        <p:tgtEl>
-                                          <p:spTgt spid="7">
-                                            <p:txEl>
-                                              <p:pRg st="1" end="1"/>
-                                            </p:txEl>
-                                          </p:spTgt>
-                                        </p:tgtEl>
-                                      </p:cBhvr>
-                                      <p:to x="100000" y="80000"/>
-                                    </p:animScale>
-                                    <p:animScale>
-                                      <p:cBhvr>
-                                        <p:cTn id="34" dur="166" decel="50000">
-                                          <p:stCondLst>
-                                            <p:cond delay="1338"/>
-                                          </p:stCondLst>
-                                        </p:cTn>
-                                        <p:tgtEl>
-                                          <p:spTgt spid="7">
-                                            <p:txEl>
-                                              <p:pRg st="1" end="1"/>
-                                            </p:txEl>
-                                          </p:spTgt>
-                                        </p:tgtEl>
-                                      </p:cBhvr>
-                                      <p:to x="100000" y="100000"/>
-                                    </p:animScale>
-                                    <p:animScale>
-                                      <p:cBhvr>
-                                        <p:cTn id="35" dur="26">
-                                          <p:stCondLst>
-                                            <p:cond delay="1642"/>
-                                          </p:stCondLst>
-                                        </p:cTn>
-                                        <p:tgtEl>
-                                          <p:spTgt spid="7">
-                                            <p:txEl>
-                                              <p:pRg st="1" end="1"/>
-                                            </p:txEl>
-                                          </p:spTgt>
-                                        </p:tgtEl>
-                                      </p:cBhvr>
-                                      <p:to x="100000" y="90000"/>
-                                    </p:animScale>
-                                    <p:animScale>
-                                      <p:cBhvr>
-                                        <p:cTn id="36" dur="166" decel="50000">
-                                          <p:stCondLst>
-                                            <p:cond delay="1668"/>
-                                          </p:stCondLst>
-                                        </p:cTn>
-                                        <p:tgtEl>
-                                          <p:spTgt spid="7">
-                                            <p:txEl>
-                                              <p:pRg st="1" end="1"/>
-                                            </p:txEl>
-                                          </p:spTgt>
-                                        </p:tgtEl>
-                                      </p:cBhvr>
-                                      <p:to x="100000" y="100000"/>
-                                    </p:animScale>
-                                    <p:animScale>
-                                      <p:cBhvr>
-                                        <p:cTn id="37" dur="26">
-                                          <p:stCondLst>
-                                            <p:cond delay="1808"/>
-                                          </p:stCondLst>
-                                        </p:cTn>
-                                        <p:tgtEl>
-                                          <p:spTgt spid="7">
-                                            <p:txEl>
-                                              <p:pRg st="1" end="1"/>
-                                            </p:txEl>
-                                          </p:spTgt>
-                                        </p:tgtEl>
-                                      </p:cBhvr>
-                                      <p:to x="100000" y="95000"/>
-                                    </p:animScale>
-                                    <p:animScale>
-                                      <p:cBhvr>
-                                        <p:cTn id="38" dur="166" decel="50000">
-                                          <p:stCondLst>
-                                            <p:cond delay="1834"/>
-                                          </p:stCondLst>
-                                        </p:cTn>
-                                        <p:tgtEl>
-                                          <p:spTgt spid="7">
-                                            <p:txEl>
-                                              <p:pRg st="1" end="1"/>
-                                            </p:txEl>
-                                          </p:spTgt>
-                                        </p:tgtEl>
-                                      </p:cBhvr>
-                                      <p:to x="100000" y="100000"/>
-                                    </p:animScale>
-                                  </p:childTnLst>
-                                </p:cTn>
-                              </p:par>
-                            </p:childTnLst>
-                          </p:cTn>
-                        </p:par>
-                      </p:childTnLst>
-                    </p:cTn>
-                  </p:par>
-                  <p:par>
-                    <p:cTn id="39" fill="hold">
-                      <p:stCondLst>
-                        <p:cond delay="indefinite"/>
-                      </p:stCondLst>
-                      <p:childTnLst>
-                        <p:par>
-                          <p:cTn id="40" fill="hold">
-                            <p:stCondLst>
-                              <p:cond delay="0"/>
-                            </p:stCondLst>
-                            <p:childTnLst>
-                              <p:par>
-                                <p:cTn id="41" presetID="26" presetClass="entr" presetSubtype="0" fill="hold" nodeType="clickEffect">
-                                  <p:stCondLst>
-                                    <p:cond delay="0"/>
-                                  </p:stCondLst>
-                                  <p:childTnLst>
-                                    <p:set>
-                                      <p:cBhvr>
-                                        <p:cTn id="42" dur="1" fill="hold">
-                                          <p:stCondLst>
-                                            <p:cond delay="0"/>
-                                          </p:stCondLst>
-                                        </p:cTn>
-                                        <p:tgtEl>
-                                          <p:spTgt spid="7">
-                                            <p:txEl>
-                                              <p:pRg st="3" end="3"/>
-                                            </p:txEl>
-                                          </p:spTgt>
-                                        </p:tgtEl>
-                                        <p:attrNameLst>
-                                          <p:attrName>style.visibility</p:attrName>
-                                        </p:attrNameLst>
-                                      </p:cBhvr>
-                                      <p:to>
-                                        <p:strVal val="visible"/>
-                                      </p:to>
-                                    </p:set>
-                                    <p:animEffect transition="in" filter="wipe(down)">
-                                      <p:cBhvr>
-                                        <p:cTn id="43" dur="580">
-                                          <p:stCondLst>
-                                            <p:cond delay="0"/>
-                                          </p:stCondLst>
-                                        </p:cTn>
-                                        <p:tgtEl>
-                                          <p:spTgt spid="7">
-                                            <p:txEl>
-                                              <p:pRg st="3" end="3"/>
-                                            </p:txEl>
-                                          </p:spTgt>
-                                        </p:tgtEl>
-                                      </p:cBhvr>
-                                    </p:animEffect>
-                                    <p:anim calcmode="lin" valueType="num">
-                                      <p:cBhvr>
-                                        <p:cTn id="44" dur="1822" tmFilter="0,0; 0.14,0.36; 0.43,0.73; 0.71,0.91; 1.0,1.0">
-                                          <p:stCondLst>
-                                            <p:cond delay="0"/>
-                                          </p:stCondLst>
-                                        </p:cTn>
-                                        <p:tgtEl>
-                                          <p:spTgt spid="7">
-                                            <p:txEl>
-                                              <p:pRg st="3" end="3"/>
-                                            </p:txEl>
-                                          </p:spTgt>
-                                        </p:tgtEl>
-                                        <p:attrNameLst>
-                                          <p:attrName>ppt_x</p:attrName>
-                                        </p:attrNameLst>
-                                      </p:cBhvr>
-                                      <p:tavLst>
-                                        <p:tav tm="0">
-                                          <p:val>
-                                            <p:strVal val="#ppt_x-0.25"/>
-                                          </p:val>
-                                        </p:tav>
-                                        <p:tav tm="100000">
-                                          <p:val>
-                                            <p:strVal val="#ppt_x"/>
-                                          </p:val>
-                                        </p:tav>
-                                      </p:tavLst>
-                                    </p:anim>
-                                    <p:anim calcmode="lin" valueType="num">
-                                      <p:cBhvr>
-                                        <p:cTn id="45" dur="664" tmFilter="0.0,0.0; 0.25,0.07; 0.50,0.2; 0.75,0.467; 1.0,1.0">
-                                          <p:stCondLst>
-                                            <p:cond delay="0"/>
-                                          </p:stCondLst>
-                                        </p:cTn>
-                                        <p:tgtEl>
-                                          <p:spTgt spid="7">
-                                            <p:txEl>
-                                              <p:pRg st="3" end="3"/>
-                                            </p:txEl>
-                                          </p:spTgt>
-                                        </p:tgtEl>
-                                        <p:attrNameLst>
-                                          <p:attrName>ppt_y</p:attrName>
-                                        </p:attrNameLst>
-                                      </p:cBhvr>
-                                      <p:tavLst>
-                                        <p:tav tm="0" fmla="#ppt_y-sin(pi*$)/3">
-                                          <p:val>
-                                            <p:fltVal val="0.5"/>
-                                          </p:val>
-                                        </p:tav>
-                                        <p:tav tm="100000">
-                                          <p:val>
-                                            <p:fltVal val="1"/>
-                                          </p:val>
-                                        </p:tav>
-                                      </p:tavLst>
-                                    </p:anim>
-                                    <p:anim calcmode="lin" valueType="num">
-                                      <p:cBhvr>
-                                        <p:cTn id="46" dur="664" tmFilter="0, 0; 0.125,0.2665; 0.25,0.4; 0.375,0.465; 0.5,0.5;  0.625,0.535; 0.75,0.6; 0.875,0.7335; 1,1">
-                                          <p:stCondLst>
-                                            <p:cond delay="664"/>
-                                          </p:stCondLst>
-                                        </p:cTn>
-                                        <p:tgtEl>
-                                          <p:spTgt spid="7">
-                                            <p:txEl>
-                                              <p:pRg st="3" end="3"/>
-                                            </p:txEl>
-                                          </p:spTgt>
-                                        </p:tgtEl>
-                                        <p:attrNameLst>
-                                          <p:attrName>ppt_y</p:attrName>
-                                        </p:attrNameLst>
-                                      </p:cBhvr>
-                                      <p:tavLst>
-                                        <p:tav tm="0" fmla="#ppt_y-sin(pi*$)/9">
-                                          <p:val>
-                                            <p:fltVal val="0"/>
-                                          </p:val>
-                                        </p:tav>
-                                        <p:tav tm="100000">
-                                          <p:val>
-                                            <p:fltVal val="1"/>
-                                          </p:val>
-                                        </p:tav>
-                                      </p:tavLst>
-                                    </p:anim>
-                                    <p:anim calcmode="lin" valueType="num">
-                                      <p:cBhvr>
-                                        <p:cTn id="47" dur="332" tmFilter="0, 0; 0.125,0.2665; 0.25,0.4; 0.375,0.465; 0.5,0.5;  0.625,0.535; 0.75,0.6; 0.875,0.7335; 1,1">
-                                          <p:stCondLst>
-                                            <p:cond delay="1324"/>
-                                          </p:stCondLst>
-                                        </p:cTn>
-                                        <p:tgtEl>
-                                          <p:spTgt spid="7">
-                                            <p:txEl>
-                                              <p:pRg st="3" end="3"/>
-                                            </p:txEl>
-                                          </p:spTgt>
-                                        </p:tgtEl>
-                                        <p:attrNameLst>
-                                          <p:attrName>ppt_y</p:attrName>
-                                        </p:attrNameLst>
-                                      </p:cBhvr>
-                                      <p:tavLst>
-                                        <p:tav tm="0" fmla="#ppt_y-sin(pi*$)/27">
-                                          <p:val>
-                                            <p:fltVal val="0"/>
-                                          </p:val>
-                                        </p:tav>
-                                        <p:tav tm="100000">
-                                          <p:val>
-                                            <p:fltVal val="1"/>
-                                          </p:val>
-                                        </p:tav>
-                                      </p:tavLst>
-                                    </p:anim>
-                                    <p:anim calcmode="lin" valueType="num">
-                                      <p:cBhvr>
-                                        <p:cTn id="48" dur="164" tmFilter="0, 0; 0.125,0.2665; 0.25,0.4; 0.375,0.465; 0.5,0.5;  0.625,0.535; 0.75,0.6; 0.875,0.7335; 1,1">
-                                          <p:stCondLst>
-                                            <p:cond delay="1656"/>
-                                          </p:stCondLst>
-                                        </p:cTn>
-                                        <p:tgtEl>
-                                          <p:spTgt spid="7">
-                                            <p:txEl>
-                                              <p:pRg st="3" end="3"/>
-                                            </p:txEl>
-                                          </p:spTgt>
-                                        </p:tgtEl>
-                                        <p:attrNameLst>
-                                          <p:attrName>ppt_y</p:attrName>
-                                        </p:attrNameLst>
-                                      </p:cBhvr>
-                                      <p:tavLst>
-                                        <p:tav tm="0" fmla="#ppt_y-sin(pi*$)/81">
-                                          <p:val>
-                                            <p:fltVal val="0"/>
-                                          </p:val>
-                                        </p:tav>
-                                        <p:tav tm="100000">
-                                          <p:val>
-                                            <p:fltVal val="1"/>
-                                          </p:val>
-                                        </p:tav>
-                                      </p:tavLst>
-                                    </p:anim>
-                                    <p:animScale>
-                                      <p:cBhvr>
-                                        <p:cTn id="49" dur="26">
-                                          <p:stCondLst>
-                                            <p:cond delay="650"/>
-                                          </p:stCondLst>
-                                        </p:cTn>
-                                        <p:tgtEl>
-                                          <p:spTgt spid="7">
-                                            <p:txEl>
-                                              <p:pRg st="3" end="3"/>
-                                            </p:txEl>
-                                          </p:spTgt>
-                                        </p:tgtEl>
-                                      </p:cBhvr>
-                                      <p:to x="100000" y="60000"/>
-                                    </p:animScale>
-                                    <p:animScale>
-                                      <p:cBhvr>
-                                        <p:cTn id="50" dur="166" decel="50000">
-                                          <p:stCondLst>
-                                            <p:cond delay="676"/>
-                                          </p:stCondLst>
-                                        </p:cTn>
-                                        <p:tgtEl>
-                                          <p:spTgt spid="7">
-                                            <p:txEl>
-                                              <p:pRg st="3" end="3"/>
-                                            </p:txEl>
-                                          </p:spTgt>
-                                        </p:tgtEl>
-                                      </p:cBhvr>
-                                      <p:to x="100000" y="100000"/>
-                                    </p:animScale>
-                                    <p:animScale>
-                                      <p:cBhvr>
-                                        <p:cTn id="51" dur="26">
-                                          <p:stCondLst>
-                                            <p:cond delay="1312"/>
-                                          </p:stCondLst>
-                                        </p:cTn>
-                                        <p:tgtEl>
-                                          <p:spTgt spid="7">
-                                            <p:txEl>
-                                              <p:pRg st="3" end="3"/>
-                                            </p:txEl>
-                                          </p:spTgt>
-                                        </p:tgtEl>
-                                      </p:cBhvr>
-                                      <p:to x="100000" y="80000"/>
-                                    </p:animScale>
-                                    <p:animScale>
-                                      <p:cBhvr>
-                                        <p:cTn id="52" dur="166" decel="50000">
-                                          <p:stCondLst>
-                                            <p:cond delay="1338"/>
-                                          </p:stCondLst>
-                                        </p:cTn>
-                                        <p:tgtEl>
-                                          <p:spTgt spid="7">
-                                            <p:txEl>
-                                              <p:pRg st="3" end="3"/>
-                                            </p:txEl>
-                                          </p:spTgt>
-                                        </p:tgtEl>
-                                      </p:cBhvr>
-                                      <p:to x="100000" y="100000"/>
-                                    </p:animScale>
-                                    <p:animScale>
-                                      <p:cBhvr>
-                                        <p:cTn id="53" dur="26">
-                                          <p:stCondLst>
-                                            <p:cond delay="1642"/>
-                                          </p:stCondLst>
-                                        </p:cTn>
-                                        <p:tgtEl>
-                                          <p:spTgt spid="7">
-                                            <p:txEl>
-                                              <p:pRg st="3" end="3"/>
-                                            </p:txEl>
-                                          </p:spTgt>
-                                        </p:tgtEl>
-                                      </p:cBhvr>
-                                      <p:to x="100000" y="90000"/>
-                                    </p:animScale>
-                                    <p:animScale>
-                                      <p:cBhvr>
-                                        <p:cTn id="54" dur="166" decel="50000">
-                                          <p:stCondLst>
-                                            <p:cond delay="1668"/>
-                                          </p:stCondLst>
-                                        </p:cTn>
-                                        <p:tgtEl>
-                                          <p:spTgt spid="7">
-                                            <p:txEl>
-                                              <p:pRg st="3" end="3"/>
-                                            </p:txEl>
-                                          </p:spTgt>
-                                        </p:tgtEl>
-                                      </p:cBhvr>
-                                      <p:to x="100000" y="100000"/>
-                                    </p:animScale>
-                                    <p:animScale>
-                                      <p:cBhvr>
-                                        <p:cTn id="55" dur="26">
-                                          <p:stCondLst>
-                                            <p:cond delay="1808"/>
-                                          </p:stCondLst>
-                                        </p:cTn>
-                                        <p:tgtEl>
-                                          <p:spTgt spid="7">
-                                            <p:txEl>
-                                              <p:pRg st="3" end="3"/>
-                                            </p:txEl>
-                                          </p:spTgt>
-                                        </p:tgtEl>
-                                      </p:cBhvr>
-                                      <p:to x="100000" y="95000"/>
-                                    </p:animScale>
-                                    <p:animScale>
-                                      <p:cBhvr>
-                                        <p:cTn id="56" dur="166" decel="50000">
-                                          <p:stCondLst>
-                                            <p:cond delay="1834"/>
-                                          </p:stCondLst>
-                                        </p:cTn>
-                                        <p:tgtEl>
-                                          <p:spTgt spid="7">
-                                            <p:txEl>
-                                              <p:pRg st="3" end="3"/>
-                                            </p:txEl>
-                                          </p:spTgt>
-                                        </p:tgtEl>
-                                      </p:cBhvr>
-                                      <p:to x="100000" y="100000"/>
-                                    </p:animScale>
-                                  </p:childTnLst>
-                                </p:cTn>
-                              </p:par>
-                            </p:childTnLst>
-                          </p:cTn>
-                        </p:par>
-                      </p:childTnLst>
-                    </p:cTn>
-                  </p:par>
-                  <p:par>
-                    <p:cTn id="57" fill="hold">
-                      <p:stCondLst>
-                        <p:cond delay="indefinite"/>
-                      </p:stCondLst>
-                      <p:childTnLst>
-                        <p:par>
-                          <p:cTn id="58" fill="hold">
-                            <p:stCondLst>
-                              <p:cond delay="0"/>
-                            </p:stCondLst>
-                            <p:childTnLst>
-                              <p:par>
-                                <p:cTn id="59" presetID="26" presetClass="entr" presetSubtype="0" fill="hold" nodeType="clickEffect">
-                                  <p:stCondLst>
-                                    <p:cond delay="0"/>
-                                  </p:stCondLst>
-                                  <p:childTnLst>
-                                    <p:set>
-                                      <p:cBhvr>
-                                        <p:cTn id="60" dur="1" fill="hold">
-                                          <p:stCondLst>
-                                            <p:cond delay="0"/>
-                                          </p:stCondLst>
-                                        </p:cTn>
-                                        <p:tgtEl>
-                                          <p:spTgt spid="7">
-                                            <p:txEl>
-                                              <p:pRg st="5" end="5"/>
-                                            </p:txEl>
-                                          </p:spTgt>
-                                        </p:tgtEl>
-                                        <p:attrNameLst>
-                                          <p:attrName>style.visibility</p:attrName>
-                                        </p:attrNameLst>
-                                      </p:cBhvr>
-                                      <p:to>
-                                        <p:strVal val="visible"/>
-                                      </p:to>
-                                    </p:set>
-                                    <p:animEffect transition="in" filter="wipe(down)">
-                                      <p:cBhvr>
-                                        <p:cTn id="61" dur="580">
-                                          <p:stCondLst>
-                                            <p:cond delay="0"/>
-                                          </p:stCondLst>
-                                        </p:cTn>
-                                        <p:tgtEl>
-                                          <p:spTgt spid="7">
-                                            <p:txEl>
-                                              <p:pRg st="5" end="5"/>
-                                            </p:txEl>
-                                          </p:spTgt>
-                                        </p:tgtEl>
-                                      </p:cBhvr>
-                                    </p:animEffect>
-                                    <p:anim calcmode="lin" valueType="num">
-                                      <p:cBhvr>
-                                        <p:cTn id="62" dur="1822" tmFilter="0,0; 0.14,0.36; 0.43,0.73; 0.71,0.91; 1.0,1.0">
-                                          <p:stCondLst>
-                                            <p:cond delay="0"/>
-                                          </p:stCondLst>
-                                        </p:cTn>
-                                        <p:tgtEl>
-                                          <p:spTgt spid="7">
-                                            <p:txEl>
-                                              <p:pRg st="5" end="5"/>
-                                            </p:txEl>
-                                          </p:spTgt>
-                                        </p:tgtEl>
-                                        <p:attrNameLst>
-                                          <p:attrName>ppt_x</p:attrName>
-                                        </p:attrNameLst>
-                                      </p:cBhvr>
-                                      <p:tavLst>
-                                        <p:tav tm="0">
-                                          <p:val>
-                                            <p:strVal val="#ppt_x-0.25"/>
-                                          </p:val>
-                                        </p:tav>
-                                        <p:tav tm="100000">
-                                          <p:val>
-                                            <p:strVal val="#ppt_x"/>
-                                          </p:val>
-                                        </p:tav>
-                                      </p:tavLst>
-                                    </p:anim>
-                                    <p:anim calcmode="lin" valueType="num">
-                                      <p:cBhvr>
-                                        <p:cTn id="63" dur="664" tmFilter="0.0,0.0; 0.25,0.07; 0.50,0.2; 0.75,0.467; 1.0,1.0">
-                                          <p:stCondLst>
-                                            <p:cond delay="0"/>
-                                          </p:stCondLst>
-                                        </p:cTn>
-                                        <p:tgtEl>
-                                          <p:spTgt spid="7">
-                                            <p:txEl>
-                                              <p:pRg st="5" end="5"/>
-                                            </p:txEl>
-                                          </p:spTgt>
-                                        </p:tgtEl>
-                                        <p:attrNameLst>
-                                          <p:attrName>ppt_y</p:attrName>
-                                        </p:attrNameLst>
-                                      </p:cBhvr>
-                                      <p:tavLst>
-                                        <p:tav tm="0" fmla="#ppt_y-sin(pi*$)/3">
-                                          <p:val>
-                                            <p:fltVal val="0.5"/>
-                                          </p:val>
-                                        </p:tav>
-                                        <p:tav tm="100000">
-                                          <p:val>
-                                            <p:fltVal val="1"/>
-                                          </p:val>
-                                        </p:tav>
-                                      </p:tavLst>
-                                    </p:anim>
-                                    <p:anim calcmode="lin" valueType="num">
-                                      <p:cBhvr>
-                                        <p:cTn id="64" dur="664" tmFilter="0, 0; 0.125,0.2665; 0.25,0.4; 0.375,0.465; 0.5,0.5;  0.625,0.535; 0.75,0.6; 0.875,0.7335; 1,1">
-                                          <p:stCondLst>
-                                            <p:cond delay="664"/>
-                                          </p:stCondLst>
-                                        </p:cTn>
-                                        <p:tgtEl>
-                                          <p:spTgt spid="7">
-                                            <p:txEl>
-                                              <p:pRg st="5" end="5"/>
-                                            </p:txEl>
-                                          </p:spTgt>
-                                        </p:tgtEl>
-                                        <p:attrNameLst>
-                                          <p:attrName>ppt_y</p:attrName>
-                                        </p:attrNameLst>
-                                      </p:cBhvr>
-                                      <p:tavLst>
-                                        <p:tav tm="0" fmla="#ppt_y-sin(pi*$)/9">
-                                          <p:val>
-                                            <p:fltVal val="0"/>
-                                          </p:val>
-                                        </p:tav>
-                                        <p:tav tm="100000">
-                                          <p:val>
-                                            <p:fltVal val="1"/>
-                                          </p:val>
-                                        </p:tav>
-                                      </p:tavLst>
-                                    </p:anim>
-                                    <p:anim calcmode="lin" valueType="num">
-                                      <p:cBhvr>
-                                        <p:cTn id="65" dur="332" tmFilter="0, 0; 0.125,0.2665; 0.25,0.4; 0.375,0.465; 0.5,0.5;  0.625,0.535; 0.75,0.6; 0.875,0.7335; 1,1">
-                                          <p:stCondLst>
-                                            <p:cond delay="1324"/>
-                                          </p:stCondLst>
-                                        </p:cTn>
-                                        <p:tgtEl>
-                                          <p:spTgt spid="7">
-                                            <p:txEl>
-                                              <p:pRg st="5" end="5"/>
-                                            </p:txEl>
-                                          </p:spTgt>
-                                        </p:tgtEl>
-                                        <p:attrNameLst>
-                                          <p:attrName>ppt_y</p:attrName>
-                                        </p:attrNameLst>
-                                      </p:cBhvr>
-                                      <p:tavLst>
-                                        <p:tav tm="0" fmla="#ppt_y-sin(pi*$)/27">
-                                          <p:val>
-                                            <p:fltVal val="0"/>
-                                          </p:val>
-                                        </p:tav>
-                                        <p:tav tm="100000">
-                                          <p:val>
-                                            <p:fltVal val="1"/>
-                                          </p:val>
-                                        </p:tav>
-                                      </p:tavLst>
-                                    </p:anim>
-                                    <p:anim calcmode="lin" valueType="num">
-                                      <p:cBhvr>
-                                        <p:cTn id="66" dur="164" tmFilter="0, 0; 0.125,0.2665; 0.25,0.4; 0.375,0.465; 0.5,0.5;  0.625,0.535; 0.75,0.6; 0.875,0.7335; 1,1">
-                                          <p:stCondLst>
-                                            <p:cond delay="1656"/>
-                                          </p:stCondLst>
-                                        </p:cTn>
-                                        <p:tgtEl>
-                                          <p:spTgt spid="7">
-                                            <p:txEl>
-                                              <p:pRg st="5" end="5"/>
-                                            </p:txEl>
-                                          </p:spTgt>
-                                        </p:tgtEl>
-                                        <p:attrNameLst>
-                                          <p:attrName>ppt_y</p:attrName>
-                                        </p:attrNameLst>
-                                      </p:cBhvr>
-                                      <p:tavLst>
-                                        <p:tav tm="0" fmla="#ppt_y-sin(pi*$)/81">
-                                          <p:val>
-                                            <p:fltVal val="0"/>
-                                          </p:val>
-                                        </p:tav>
-                                        <p:tav tm="100000">
-                                          <p:val>
-                                            <p:fltVal val="1"/>
-                                          </p:val>
-                                        </p:tav>
-                                      </p:tavLst>
-                                    </p:anim>
-                                    <p:animScale>
-                                      <p:cBhvr>
-                                        <p:cTn id="67" dur="26">
-                                          <p:stCondLst>
-                                            <p:cond delay="650"/>
-                                          </p:stCondLst>
-                                        </p:cTn>
-                                        <p:tgtEl>
-                                          <p:spTgt spid="7">
-                                            <p:txEl>
-                                              <p:pRg st="5" end="5"/>
-                                            </p:txEl>
-                                          </p:spTgt>
-                                        </p:tgtEl>
-                                      </p:cBhvr>
-                                      <p:to x="100000" y="60000"/>
-                                    </p:animScale>
-                                    <p:animScale>
-                                      <p:cBhvr>
-                                        <p:cTn id="68" dur="166" decel="50000">
-                                          <p:stCondLst>
-                                            <p:cond delay="676"/>
-                                          </p:stCondLst>
-                                        </p:cTn>
-                                        <p:tgtEl>
-                                          <p:spTgt spid="7">
-                                            <p:txEl>
-                                              <p:pRg st="5" end="5"/>
-                                            </p:txEl>
-                                          </p:spTgt>
-                                        </p:tgtEl>
-                                      </p:cBhvr>
-                                      <p:to x="100000" y="100000"/>
-                                    </p:animScale>
-                                    <p:animScale>
-                                      <p:cBhvr>
-                                        <p:cTn id="69" dur="26">
-                                          <p:stCondLst>
-                                            <p:cond delay="1312"/>
-                                          </p:stCondLst>
-                                        </p:cTn>
-                                        <p:tgtEl>
-                                          <p:spTgt spid="7">
-                                            <p:txEl>
-                                              <p:pRg st="5" end="5"/>
-                                            </p:txEl>
-                                          </p:spTgt>
-                                        </p:tgtEl>
-                                      </p:cBhvr>
-                                      <p:to x="100000" y="80000"/>
-                                    </p:animScale>
-                                    <p:animScale>
-                                      <p:cBhvr>
-                                        <p:cTn id="70" dur="166" decel="50000">
-                                          <p:stCondLst>
-                                            <p:cond delay="1338"/>
-                                          </p:stCondLst>
-                                        </p:cTn>
-                                        <p:tgtEl>
-                                          <p:spTgt spid="7">
-                                            <p:txEl>
-                                              <p:pRg st="5" end="5"/>
-                                            </p:txEl>
-                                          </p:spTgt>
-                                        </p:tgtEl>
-                                      </p:cBhvr>
-                                      <p:to x="100000" y="100000"/>
-                                    </p:animScale>
-                                    <p:animScale>
-                                      <p:cBhvr>
-                                        <p:cTn id="71" dur="26">
-                                          <p:stCondLst>
-                                            <p:cond delay="1642"/>
-                                          </p:stCondLst>
-                                        </p:cTn>
-                                        <p:tgtEl>
-                                          <p:spTgt spid="7">
-                                            <p:txEl>
-                                              <p:pRg st="5" end="5"/>
-                                            </p:txEl>
-                                          </p:spTgt>
-                                        </p:tgtEl>
-                                      </p:cBhvr>
-                                      <p:to x="100000" y="90000"/>
-                                    </p:animScale>
-                                    <p:animScale>
-                                      <p:cBhvr>
-                                        <p:cTn id="72" dur="166" decel="50000">
-                                          <p:stCondLst>
-                                            <p:cond delay="1668"/>
-                                          </p:stCondLst>
-                                        </p:cTn>
-                                        <p:tgtEl>
-                                          <p:spTgt spid="7">
-                                            <p:txEl>
-                                              <p:pRg st="5" end="5"/>
-                                            </p:txEl>
-                                          </p:spTgt>
-                                        </p:tgtEl>
-                                      </p:cBhvr>
-                                      <p:to x="100000" y="100000"/>
-                                    </p:animScale>
-                                    <p:animScale>
-                                      <p:cBhvr>
-                                        <p:cTn id="73" dur="26">
-                                          <p:stCondLst>
-                                            <p:cond delay="1808"/>
-                                          </p:stCondLst>
-                                        </p:cTn>
-                                        <p:tgtEl>
-                                          <p:spTgt spid="7">
-                                            <p:txEl>
-                                              <p:pRg st="5" end="5"/>
-                                            </p:txEl>
-                                          </p:spTgt>
-                                        </p:tgtEl>
-                                      </p:cBhvr>
-                                      <p:to x="100000" y="95000"/>
-                                    </p:animScale>
-                                    <p:animScale>
-                                      <p:cBhvr>
-                                        <p:cTn id="74" dur="166" decel="50000">
-                                          <p:stCondLst>
-                                            <p:cond delay="1834"/>
-                                          </p:stCondLst>
-                                        </p:cTn>
-                                        <p:tgtEl>
-                                          <p:spTgt spid="7">
-                                            <p:txEl>
-                                              <p:pRg st="5" end="5"/>
-                                            </p:txEl>
-                                          </p:spTgt>
-                                        </p:tgtEl>
-                                      </p:cBhvr>
-                                      <p:to x="100000" y="100000"/>
-                                    </p:animScale>
-                                  </p:childTnLst>
-                                </p:cTn>
-                              </p:par>
-                            </p:childTnLst>
-                          </p:cTn>
-                        </p:par>
-                      </p:childTnLst>
-                    </p:cTn>
-                  </p:par>
-                  <p:par>
-                    <p:cTn id="75" fill="hold">
-                      <p:stCondLst>
-                        <p:cond delay="indefinite"/>
-                      </p:stCondLst>
-                      <p:childTnLst>
-                        <p:par>
-                          <p:cTn id="76" fill="hold">
-                            <p:stCondLst>
-                              <p:cond delay="0"/>
-                            </p:stCondLst>
-                            <p:childTnLst>
-                              <p:par>
-                                <p:cTn id="77" presetID="26" presetClass="entr" presetSubtype="0" fill="hold" nodeType="clickEffect">
-                                  <p:stCondLst>
-                                    <p:cond delay="0"/>
-                                  </p:stCondLst>
-                                  <p:childTnLst>
-                                    <p:set>
-                                      <p:cBhvr>
-                                        <p:cTn id="78" dur="1" fill="hold">
-                                          <p:stCondLst>
-                                            <p:cond delay="0"/>
-                                          </p:stCondLst>
-                                        </p:cTn>
-                                        <p:tgtEl>
-                                          <p:spTgt spid="7">
-                                            <p:txEl>
-                                              <p:pRg st="7" end="7"/>
-                                            </p:txEl>
-                                          </p:spTgt>
-                                        </p:tgtEl>
-                                        <p:attrNameLst>
-                                          <p:attrName>style.visibility</p:attrName>
-                                        </p:attrNameLst>
-                                      </p:cBhvr>
-                                      <p:to>
-                                        <p:strVal val="visible"/>
-                                      </p:to>
-                                    </p:set>
-                                    <p:animEffect transition="in" filter="wipe(down)">
-                                      <p:cBhvr>
-                                        <p:cTn id="79" dur="580">
-                                          <p:stCondLst>
-                                            <p:cond delay="0"/>
-                                          </p:stCondLst>
-                                        </p:cTn>
-                                        <p:tgtEl>
-                                          <p:spTgt spid="7">
-                                            <p:txEl>
-                                              <p:pRg st="7" end="7"/>
-                                            </p:txEl>
-                                          </p:spTgt>
-                                        </p:tgtEl>
-                                      </p:cBhvr>
-                                    </p:animEffect>
-                                    <p:anim calcmode="lin" valueType="num">
-                                      <p:cBhvr>
-                                        <p:cTn id="80" dur="1822" tmFilter="0,0; 0.14,0.36; 0.43,0.73; 0.71,0.91; 1.0,1.0">
-                                          <p:stCondLst>
-                                            <p:cond delay="0"/>
-                                          </p:stCondLst>
-                                        </p:cTn>
-                                        <p:tgtEl>
-                                          <p:spTgt spid="7">
-                                            <p:txEl>
-                                              <p:pRg st="7" end="7"/>
-                                            </p:txEl>
-                                          </p:spTgt>
-                                        </p:tgtEl>
-                                        <p:attrNameLst>
-                                          <p:attrName>ppt_x</p:attrName>
-                                        </p:attrNameLst>
-                                      </p:cBhvr>
-                                      <p:tavLst>
-                                        <p:tav tm="0">
-                                          <p:val>
-                                            <p:strVal val="#ppt_x-0.25"/>
-                                          </p:val>
-                                        </p:tav>
-                                        <p:tav tm="100000">
-                                          <p:val>
-                                            <p:strVal val="#ppt_x"/>
-                                          </p:val>
-                                        </p:tav>
-                                      </p:tavLst>
-                                    </p:anim>
-                                    <p:anim calcmode="lin" valueType="num">
-                                      <p:cBhvr>
-                                        <p:cTn id="81" dur="664" tmFilter="0.0,0.0; 0.25,0.07; 0.50,0.2; 0.75,0.467; 1.0,1.0">
-                                          <p:stCondLst>
-                                            <p:cond delay="0"/>
-                                          </p:stCondLst>
-                                        </p:cTn>
-                                        <p:tgtEl>
-                                          <p:spTgt spid="7">
-                                            <p:txEl>
-                                              <p:pRg st="7" end="7"/>
-                                            </p:txEl>
-                                          </p:spTgt>
-                                        </p:tgtEl>
-                                        <p:attrNameLst>
-                                          <p:attrName>ppt_y</p:attrName>
-                                        </p:attrNameLst>
-                                      </p:cBhvr>
-                                      <p:tavLst>
-                                        <p:tav tm="0" fmla="#ppt_y-sin(pi*$)/3">
-                                          <p:val>
-                                            <p:fltVal val="0.5"/>
-                                          </p:val>
-                                        </p:tav>
-                                        <p:tav tm="100000">
-                                          <p:val>
-                                            <p:fltVal val="1"/>
-                                          </p:val>
-                                        </p:tav>
-                                      </p:tavLst>
-                                    </p:anim>
-                                    <p:anim calcmode="lin" valueType="num">
-                                      <p:cBhvr>
-                                        <p:cTn id="82" dur="664" tmFilter="0, 0; 0.125,0.2665; 0.25,0.4; 0.375,0.465; 0.5,0.5;  0.625,0.535; 0.75,0.6; 0.875,0.7335; 1,1">
-                                          <p:stCondLst>
-                                            <p:cond delay="664"/>
-                                          </p:stCondLst>
-                                        </p:cTn>
-                                        <p:tgtEl>
-                                          <p:spTgt spid="7">
-                                            <p:txEl>
-                                              <p:pRg st="7" end="7"/>
-                                            </p:txEl>
-                                          </p:spTgt>
-                                        </p:tgtEl>
-                                        <p:attrNameLst>
-                                          <p:attrName>ppt_y</p:attrName>
-                                        </p:attrNameLst>
-                                      </p:cBhvr>
-                                      <p:tavLst>
-                                        <p:tav tm="0" fmla="#ppt_y-sin(pi*$)/9">
-                                          <p:val>
-                                            <p:fltVal val="0"/>
-                                          </p:val>
-                                        </p:tav>
-                                        <p:tav tm="100000">
-                                          <p:val>
-                                            <p:fltVal val="1"/>
-                                          </p:val>
-                                        </p:tav>
-                                      </p:tavLst>
-                                    </p:anim>
-                                    <p:anim calcmode="lin" valueType="num">
-                                      <p:cBhvr>
-                                        <p:cTn id="83" dur="332" tmFilter="0, 0; 0.125,0.2665; 0.25,0.4; 0.375,0.465; 0.5,0.5;  0.625,0.535; 0.75,0.6; 0.875,0.7335; 1,1">
-                                          <p:stCondLst>
-                                            <p:cond delay="1324"/>
-                                          </p:stCondLst>
-                                        </p:cTn>
-                                        <p:tgtEl>
-                                          <p:spTgt spid="7">
-                                            <p:txEl>
-                                              <p:pRg st="7" end="7"/>
-                                            </p:txEl>
-                                          </p:spTgt>
-                                        </p:tgtEl>
-                                        <p:attrNameLst>
-                                          <p:attrName>ppt_y</p:attrName>
-                                        </p:attrNameLst>
-                                      </p:cBhvr>
-                                      <p:tavLst>
-                                        <p:tav tm="0" fmla="#ppt_y-sin(pi*$)/27">
-                                          <p:val>
-                                            <p:fltVal val="0"/>
-                                          </p:val>
-                                        </p:tav>
-                                        <p:tav tm="100000">
-                                          <p:val>
-                                            <p:fltVal val="1"/>
-                                          </p:val>
-                                        </p:tav>
-                                      </p:tavLst>
-                                    </p:anim>
-                                    <p:anim calcmode="lin" valueType="num">
-                                      <p:cBhvr>
-                                        <p:cTn id="84" dur="164" tmFilter="0, 0; 0.125,0.2665; 0.25,0.4; 0.375,0.465; 0.5,0.5;  0.625,0.535; 0.75,0.6; 0.875,0.7335; 1,1">
-                                          <p:stCondLst>
-                                            <p:cond delay="1656"/>
-                                          </p:stCondLst>
-                                        </p:cTn>
-                                        <p:tgtEl>
-                                          <p:spTgt spid="7">
-                                            <p:txEl>
-                                              <p:pRg st="7" end="7"/>
-                                            </p:txEl>
-                                          </p:spTgt>
-                                        </p:tgtEl>
-                                        <p:attrNameLst>
-                                          <p:attrName>ppt_y</p:attrName>
-                                        </p:attrNameLst>
-                                      </p:cBhvr>
-                                      <p:tavLst>
-                                        <p:tav tm="0" fmla="#ppt_y-sin(pi*$)/81">
-                                          <p:val>
-                                            <p:fltVal val="0"/>
-                                          </p:val>
-                                        </p:tav>
-                                        <p:tav tm="100000">
-                                          <p:val>
-                                            <p:fltVal val="1"/>
-                                          </p:val>
-                                        </p:tav>
-                                      </p:tavLst>
-                                    </p:anim>
-                                    <p:animScale>
-                                      <p:cBhvr>
-                                        <p:cTn id="85" dur="26">
-                                          <p:stCondLst>
-                                            <p:cond delay="650"/>
-                                          </p:stCondLst>
-                                        </p:cTn>
-                                        <p:tgtEl>
-                                          <p:spTgt spid="7">
-                                            <p:txEl>
-                                              <p:pRg st="7" end="7"/>
-                                            </p:txEl>
-                                          </p:spTgt>
-                                        </p:tgtEl>
-                                      </p:cBhvr>
-                                      <p:to x="100000" y="60000"/>
-                                    </p:animScale>
-                                    <p:animScale>
-                                      <p:cBhvr>
-                                        <p:cTn id="86" dur="166" decel="50000">
-                                          <p:stCondLst>
-                                            <p:cond delay="676"/>
-                                          </p:stCondLst>
-                                        </p:cTn>
-                                        <p:tgtEl>
-                                          <p:spTgt spid="7">
-                                            <p:txEl>
-                                              <p:pRg st="7" end="7"/>
-                                            </p:txEl>
-                                          </p:spTgt>
-                                        </p:tgtEl>
-                                      </p:cBhvr>
-                                      <p:to x="100000" y="100000"/>
-                                    </p:animScale>
-                                    <p:animScale>
-                                      <p:cBhvr>
-                                        <p:cTn id="87" dur="26">
-                                          <p:stCondLst>
-                                            <p:cond delay="1312"/>
-                                          </p:stCondLst>
-                                        </p:cTn>
-                                        <p:tgtEl>
-                                          <p:spTgt spid="7">
-                                            <p:txEl>
-                                              <p:pRg st="7" end="7"/>
-                                            </p:txEl>
-                                          </p:spTgt>
-                                        </p:tgtEl>
-                                      </p:cBhvr>
-                                      <p:to x="100000" y="80000"/>
-                                    </p:animScale>
-                                    <p:animScale>
-                                      <p:cBhvr>
-                                        <p:cTn id="88" dur="166" decel="50000">
-                                          <p:stCondLst>
-                                            <p:cond delay="1338"/>
-                                          </p:stCondLst>
-                                        </p:cTn>
-                                        <p:tgtEl>
-                                          <p:spTgt spid="7">
-                                            <p:txEl>
-                                              <p:pRg st="7" end="7"/>
-                                            </p:txEl>
-                                          </p:spTgt>
-                                        </p:tgtEl>
-                                      </p:cBhvr>
-                                      <p:to x="100000" y="100000"/>
-                                    </p:animScale>
-                                    <p:animScale>
-                                      <p:cBhvr>
-                                        <p:cTn id="89" dur="26">
-                                          <p:stCondLst>
-                                            <p:cond delay="1642"/>
-                                          </p:stCondLst>
-                                        </p:cTn>
-                                        <p:tgtEl>
-                                          <p:spTgt spid="7">
-                                            <p:txEl>
-                                              <p:pRg st="7" end="7"/>
-                                            </p:txEl>
-                                          </p:spTgt>
-                                        </p:tgtEl>
-                                      </p:cBhvr>
-                                      <p:to x="100000" y="90000"/>
-                                    </p:animScale>
-                                    <p:animScale>
-                                      <p:cBhvr>
-                                        <p:cTn id="90" dur="166" decel="50000">
-                                          <p:stCondLst>
-                                            <p:cond delay="1668"/>
-                                          </p:stCondLst>
-                                        </p:cTn>
-                                        <p:tgtEl>
-                                          <p:spTgt spid="7">
-                                            <p:txEl>
-                                              <p:pRg st="7" end="7"/>
-                                            </p:txEl>
-                                          </p:spTgt>
-                                        </p:tgtEl>
-                                      </p:cBhvr>
-                                      <p:to x="100000" y="100000"/>
-                                    </p:animScale>
-                                    <p:animScale>
-                                      <p:cBhvr>
-                                        <p:cTn id="91" dur="26">
-                                          <p:stCondLst>
-                                            <p:cond delay="1808"/>
-                                          </p:stCondLst>
-                                        </p:cTn>
-                                        <p:tgtEl>
-                                          <p:spTgt spid="7">
-                                            <p:txEl>
-                                              <p:pRg st="7" end="7"/>
-                                            </p:txEl>
-                                          </p:spTgt>
-                                        </p:tgtEl>
-                                      </p:cBhvr>
-                                      <p:to x="100000" y="95000"/>
-                                    </p:animScale>
-                                    <p:animScale>
-                                      <p:cBhvr>
-                                        <p:cTn id="92" dur="166" decel="50000">
-                                          <p:stCondLst>
-                                            <p:cond delay="1834"/>
-                                          </p:stCondLst>
-                                        </p:cTn>
-                                        <p:tgtEl>
-                                          <p:spTgt spid="7">
-                                            <p:txEl>
-                                              <p:pRg st="7" end="7"/>
-                                            </p:txEl>
-                                          </p:spTgt>
-                                        </p:tgtEl>
-                                      </p:cBhvr>
-                                      <p:to x="100000" y="100000"/>
-                                    </p:animScale>
-                                  </p:childTnLst>
-                                </p:cTn>
-                              </p:par>
-                            </p:childTnLst>
-                          </p:cTn>
-                        </p:par>
-                      </p:childTnLst>
-                    </p:cTn>
-                  </p:par>
-                  <p:par>
-                    <p:cTn id="93" fill="hold">
-                      <p:stCondLst>
-                        <p:cond delay="indefinite"/>
-                      </p:stCondLst>
-                      <p:childTnLst>
-                        <p:par>
-                          <p:cTn id="94" fill="hold">
-                            <p:stCondLst>
-                              <p:cond delay="0"/>
-                            </p:stCondLst>
-                            <p:childTnLst>
-                              <p:par>
-                                <p:cTn id="95" presetID="26" presetClass="entr" presetSubtype="0" fill="hold" nodeType="clickEffect">
-                                  <p:stCondLst>
-                                    <p:cond delay="0"/>
-                                  </p:stCondLst>
-                                  <p:childTnLst>
-                                    <p:set>
-                                      <p:cBhvr>
-                                        <p:cTn id="96" dur="1" fill="hold">
-                                          <p:stCondLst>
-                                            <p:cond delay="0"/>
-                                          </p:stCondLst>
-                                        </p:cTn>
-                                        <p:tgtEl>
-                                          <p:spTgt spid="7">
-                                            <p:txEl>
-                                              <p:pRg st="9" end="9"/>
-                                            </p:txEl>
-                                          </p:spTgt>
-                                        </p:tgtEl>
-                                        <p:attrNameLst>
-                                          <p:attrName>style.visibility</p:attrName>
-                                        </p:attrNameLst>
-                                      </p:cBhvr>
-                                      <p:to>
-                                        <p:strVal val="visible"/>
-                                      </p:to>
-                                    </p:set>
-                                    <p:animEffect transition="in" filter="wipe(down)">
-                                      <p:cBhvr>
-                                        <p:cTn id="97" dur="580">
-                                          <p:stCondLst>
-                                            <p:cond delay="0"/>
-                                          </p:stCondLst>
-                                        </p:cTn>
-                                        <p:tgtEl>
-                                          <p:spTgt spid="7">
-                                            <p:txEl>
-                                              <p:pRg st="9" end="9"/>
-                                            </p:txEl>
-                                          </p:spTgt>
-                                        </p:tgtEl>
-                                      </p:cBhvr>
-                                    </p:animEffect>
-                                    <p:anim calcmode="lin" valueType="num">
-                                      <p:cBhvr>
-                                        <p:cTn id="98" dur="1822" tmFilter="0,0; 0.14,0.36; 0.43,0.73; 0.71,0.91; 1.0,1.0">
-                                          <p:stCondLst>
-                                            <p:cond delay="0"/>
-                                          </p:stCondLst>
-                                        </p:cTn>
-                                        <p:tgtEl>
-                                          <p:spTgt spid="7">
-                                            <p:txEl>
-                                              <p:pRg st="9" end="9"/>
-                                            </p:txEl>
-                                          </p:spTgt>
-                                        </p:tgtEl>
-                                        <p:attrNameLst>
-                                          <p:attrName>ppt_x</p:attrName>
-                                        </p:attrNameLst>
-                                      </p:cBhvr>
-                                      <p:tavLst>
-                                        <p:tav tm="0">
-                                          <p:val>
-                                            <p:strVal val="#ppt_x-0.25"/>
-                                          </p:val>
-                                        </p:tav>
-                                        <p:tav tm="100000">
-                                          <p:val>
-                                            <p:strVal val="#ppt_x"/>
-                                          </p:val>
-                                        </p:tav>
-                                      </p:tavLst>
-                                    </p:anim>
-                                    <p:anim calcmode="lin" valueType="num">
-                                      <p:cBhvr>
-                                        <p:cTn id="99" dur="664" tmFilter="0.0,0.0; 0.25,0.07; 0.50,0.2; 0.75,0.467; 1.0,1.0">
-                                          <p:stCondLst>
-                                            <p:cond delay="0"/>
-                                          </p:stCondLst>
-                                        </p:cTn>
-                                        <p:tgtEl>
-                                          <p:spTgt spid="7">
-                                            <p:txEl>
-                                              <p:pRg st="9" end="9"/>
-                                            </p:txEl>
-                                          </p:spTgt>
-                                        </p:tgtEl>
-                                        <p:attrNameLst>
-                                          <p:attrName>ppt_y</p:attrName>
-                                        </p:attrNameLst>
-                                      </p:cBhvr>
-                                      <p:tavLst>
-                                        <p:tav tm="0" fmla="#ppt_y-sin(pi*$)/3">
-                                          <p:val>
-                                            <p:fltVal val="0.5"/>
-                                          </p:val>
-                                        </p:tav>
-                                        <p:tav tm="100000">
-                                          <p:val>
-                                            <p:fltVal val="1"/>
-                                          </p:val>
-                                        </p:tav>
-                                      </p:tavLst>
-                                    </p:anim>
-                                    <p:anim calcmode="lin" valueType="num">
-                                      <p:cBhvr>
-                                        <p:cTn id="100" dur="664" tmFilter="0, 0; 0.125,0.2665; 0.25,0.4; 0.375,0.465; 0.5,0.5;  0.625,0.535; 0.75,0.6; 0.875,0.7335; 1,1">
-                                          <p:stCondLst>
-                                            <p:cond delay="664"/>
-                                          </p:stCondLst>
-                                        </p:cTn>
-                                        <p:tgtEl>
-                                          <p:spTgt spid="7">
-                                            <p:txEl>
-                                              <p:pRg st="9" end="9"/>
-                                            </p:txEl>
-                                          </p:spTgt>
-                                        </p:tgtEl>
-                                        <p:attrNameLst>
-                                          <p:attrName>ppt_y</p:attrName>
-                                        </p:attrNameLst>
-                                      </p:cBhvr>
-                                      <p:tavLst>
-                                        <p:tav tm="0" fmla="#ppt_y-sin(pi*$)/9">
-                                          <p:val>
-                                            <p:fltVal val="0"/>
-                                          </p:val>
-                                        </p:tav>
-                                        <p:tav tm="100000">
-                                          <p:val>
-                                            <p:fltVal val="1"/>
-                                          </p:val>
-                                        </p:tav>
-                                      </p:tavLst>
-                                    </p:anim>
-                                    <p:anim calcmode="lin" valueType="num">
-                                      <p:cBhvr>
-                                        <p:cTn id="101" dur="332" tmFilter="0, 0; 0.125,0.2665; 0.25,0.4; 0.375,0.465; 0.5,0.5;  0.625,0.535; 0.75,0.6; 0.875,0.7335; 1,1">
-                                          <p:stCondLst>
-                                            <p:cond delay="1324"/>
-                                          </p:stCondLst>
-                                        </p:cTn>
-                                        <p:tgtEl>
-                                          <p:spTgt spid="7">
-                                            <p:txEl>
-                                              <p:pRg st="9" end="9"/>
-                                            </p:txEl>
-                                          </p:spTgt>
-                                        </p:tgtEl>
-                                        <p:attrNameLst>
-                                          <p:attrName>ppt_y</p:attrName>
-                                        </p:attrNameLst>
-                                      </p:cBhvr>
-                                      <p:tavLst>
-                                        <p:tav tm="0" fmla="#ppt_y-sin(pi*$)/27">
-                                          <p:val>
-                                            <p:fltVal val="0"/>
-                                          </p:val>
-                                        </p:tav>
-                                        <p:tav tm="100000">
-                                          <p:val>
-                                            <p:fltVal val="1"/>
-                                          </p:val>
-                                        </p:tav>
-                                      </p:tavLst>
-                                    </p:anim>
-                                    <p:anim calcmode="lin" valueType="num">
-                                      <p:cBhvr>
-                                        <p:cTn id="102" dur="164" tmFilter="0, 0; 0.125,0.2665; 0.25,0.4; 0.375,0.465; 0.5,0.5;  0.625,0.535; 0.75,0.6; 0.875,0.7335; 1,1">
-                                          <p:stCondLst>
-                                            <p:cond delay="1656"/>
-                                          </p:stCondLst>
-                                        </p:cTn>
-                                        <p:tgtEl>
-                                          <p:spTgt spid="7">
-                                            <p:txEl>
-                                              <p:pRg st="9" end="9"/>
-                                            </p:txEl>
-                                          </p:spTgt>
-                                        </p:tgtEl>
-                                        <p:attrNameLst>
-                                          <p:attrName>ppt_y</p:attrName>
-                                        </p:attrNameLst>
-                                      </p:cBhvr>
-                                      <p:tavLst>
-                                        <p:tav tm="0" fmla="#ppt_y-sin(pi*$)/81">
-                                          <p:val>
-                                            <p:fltVal val="0"/>
-                                          </p:val>
-                                        </p:tav>
-                                        <p:tav tm="100000">
-                                          <p:val>
-                                            <p:fltVal val="1"/>
-                                          </p:val>
-                                        </p:tav>
-                                      </p:tavLst>
-                                    </p:anim>
-                                    <p:animScale>
-                                      <p:cBhvr>
-                                        <p:cTn id="103" dur="26">
-                                          <p:stCondLst>
-                                            <p:cond delay="650"/>
-                                          </p:stCondLst>
-                                        </p:cTn>
-                                        <p:tgtEl>
-                                          <p:spTgt spid="7">
-                                            <p:txEl>
-                                              <p:pRg st="9" end="9"/>
-                                            </p:txEl>
-                                          </p:spTgt>
-                                        </p:tgtEl>
-                                      </p:cBhvr>
-                                      <p:to x="100000" y="60000"/>
-                                    </p:animScale>
-                                    <p:animScale>
-                                      <p:cBhvr>
-                                        <p:cTn id="104" dur="166" decel="50000">
-                                          <p:stCondLst>
-                                            <p:cond delay="676"/>
-                                          </p:stCondLst>
-                                        </p:cTn>
-                                        <p:tgtEl>
-                                          <p:spTgt spid="7">
-                                            <p:txEl>
-                                              <p:pRg st="9" end="9"/>
-                                            </p:txEl>
-                                          </p:spTgt>
-                                        </p:tgtEl>
-                                      </p:cBhvr>
-                                      <p:to x="100000" y="100000"/>
-                                    </p:animScale>
-                                    <p:animScale>
-                                      <p:cBhvr>
-                                        <p:cTn id="105" dur="26">
-                                          <p:stCondLst>
-                                            <p:cond delay="1312"/>
-                                          </p:stCondLst>
-                                        </p:cTn>
-                                        <p:tgtEl>
-                                          <p:spTgt spid="7">
-                                            <p:txEl>
-                                              <p:pRg st="9" end="9"/>
-                                            </p:txEl>
-                                          </p:spTgt>
-                                        </p:tgtEl>
-                                      </p:cBhvr>
-                                      <p:to x="100000" y="80000"/>
-                                    </p:animScale>
-                                    <p:animScale>
-                                      <p:cBhvr>
-                                        <p:cTn id="106" dur="166" decel="50000">
-                                          <p:stCondLst>
-                                            <p:cond delay="1338"/>
-                                          </p:stCondLst>
-                                        </p:cTn>
-                                        <p:tgtEl>
-                                          <p:spTgt spid="7">
-                                            <p:txEl>
-                                              <p:pRg st="9" end="9"/>
-                                            </p:txEl>
-                                          </p:spTgt>
-                                        </p:tgtEl>
-                                      </p:cBhvr>
-                                      <p:to x="100000" y="100000"/>
-                                    </p:animScale>
-                                    <p:animScale>
-                                      <p:cBhvr>
-                                        <p:cTn id="107" dur="26">
-                                          <p:stCondLst>
-                                            <p:cond delay="1642"/>
-                                          </p:stCondLst>
-                                        </p:cTn>
-                                        <p:tgtEl>
-                                          <p:spTgt spid="7">
-                                            <p:txEl>
-                                              <p:pRg st="9" end="9"/>
-                                            </p:txEl>
-                                          </p:spTgt>
-                                        </p:tgtEl>
-                                      </p:cBhvr>
-                                      <p:to x="100000" y="90000"/>
-                                    </p:animScale>
-                                    <p:animScale>
-                                      <p:cBhvr>
-                                        <p:cTn id="108" dur="166" decel="50000">
-                                          <p:stCondLst>
-                                            <p:cond delay="1668"/>
-                                          </p:stCondLst>
-                                        </p:cTn>
-                                        <p:tgtEl>
-                                          <p:spTgt spid="7">
-                                            <p:txEl>
-                                              <p:pRg st="9" end="9"/>
-                                            </p:txEl>
-                                          </p:spTgt>
-                                        </p:tgtEl>
-                                      </p:cBhvr>
-                                      <p:to x="100000" y="100000"/>
-                                    </p:animScale>
-                                    <p:animScale>
-                                      <p:cBhvr>
-                                        <p:cTn id="109" dur="26">
-                                          <p:stCondLst>
-                                            <p:cond delay="1808"/>
-                                          </p:stCondLst>
-                                        </p:cTn>
-                                        <p:tgtEl>
-                                          <p:spTgt spid="7">
-                                            <p:txEl>
-                                              <p:pRg st="9" end="9"/>
-                                            </p:txEl>
-                                          </p:spTgt>
-                                        </p:tgtEl>
-                                      </p:cBhvr>
-                                      <p:to x="100000" y="95000"/>
-                                    </p:animScale>
-                                    <p:animScale>
-                                      <p:cBhvr>
-                                        <p:cTn id="110" dur="166" decel="50000">
-                                          <p:stCondLst>
-                                            <p:cond delay="1834"/>
-                                          </p:stCondLst>
-                                        </p:cTn>
-                                        <p:tgtEl>
-                                          <p:spTgt spid="7">
-                                            <p:txEl>
-                                              <p:pRg st="9" end="9"/>
-                                            </p:txEl>
-                                          </p:spTgt>
-                                        </p:tgtEl>
-                                      </p:cBhvr>
-                                      <p:to x="100000" y="100000"/>
-                                    </p:animScale>
-                                  </p:childTnLst>
-                                </p:cTn>
-                              </p:par>
-                            </p:childTnLst>
-                          </p:cTn>
-                        </p:par>
-                      </p:childTnLst>
-                    </p:cTn>
-                  </p:par>
-                  <p:par>
-                    <p:cTn id="111" fill="hold">
-                      <p:stCondLst>
-                        <p:cond delay="indefinite"/>
-                      </p:stCondLst>
-                      <p:childTnLst>
-                        <p:par>
-                          <p:cTn id="112" fill="hold">
-                            <p:stCondLst>
-                              <p:cond delay="0"/>
-                            </p:stCondLst>
-                            <p:childTnLst>
-                              <p:par>
-                                <p:cTn id="113" presetID="26" presetClass="entr" presetSubtype="0" fill="hold" nodeType="clickEffect">
-                                  <p:stCondLst>
-                                    <p:cond delay="0"/>
-                                  </p:stCondLst>
-                                  <p:childTnLst>
-                                    <p:set>
-                                      <p:cBhvr>
-                                        <p:cTn id="114" dur="1" fill="hold">
-                                          <p:stCondLst>
-                                            <p:cond delay="0"/>
-                                          </p:stCondLst>
-                                        </p:cTn>
-                                        <p:tgtEl>
-                                          <p:spTgt spid="7">
-                                            <p:txEl>
-                                              <p:pRg st="11" end="11"/>
-                                            </p:txEl>
-                                          </p:spTgt>
-                                        </p:tgtEl>
-                                        <p:attrNameLst>
-                                          <p:attrName>style.visibility</p:attrName>
-                                        </p:attrNameLst>
-                                      </p:cBhvr>
-                                      <p:to>
-                                        <p:strVal val="visible"/>
-                                      </p:to>
-                                    </p:set>
-                                    <p:animEffect transition="in" filter="wipe(down)">
-                                      <p:cBhvr>
-                                        <p:cTn id="115" dur="580">
-                                          <p:stCondLst>
-                                            <p:cond delay="0"/>
-                                          </p:stCondLst>
-                                        </p:cTn>
-                                        <p:tgtEl>
-                                          <p:spTgt spid="7">
-                                            <p:txEl>
-                                              <p:pRg st="11" end="11"/>
-                                            </p:txEl>
-                                          </p:spTgt>
-                                        </p:tgtEl>
-                                      </p:cBhvr>
-                                    </p:animEffect>
-                                    <p:anim calcmode="lin" valueType="num">
-                                      <p:cBhvr>
-                                        <p:cTn id="116" dur="1822" tmFilter="0,0; 0.14,0.36; 0.43,0.73; 0.71,0.91; 1.0,1.0">
-                                          <p:stCondLst>
-                                            <p:cond delay="0"/>
-                                          </p:stCondLst>
-                                        </p:cTn>
-                                        <p:tgtEl>
-                                          <p:spTgt spid="7">
-                                            <p:txEl>
-                                              <p:pRg st="11" end="11"/>
-                                            </p:txEl>
-                                          </p:spTgt>
-                                        </p:tgtEl>
-                                        <p:attrNameLst>
-                                          <p:attrName>ppt_x</p:attrName>
-                                        </p:attrNameLst>
-                                      </p:cBhvr>
-                                      <p:tavLst>
-                                        <p:tav tm="0">
-                                          <p:val>
-                                            <p:strVal val="#ppt_x-0.25"/>
-                                          </p:val>
-                                        </p:tav>
-                                        <p:tav tm="100000">
-                                          <p:val>
-                                            <p:strVal val="#ppt_x"/>
-                                          </p:val>
-                                        </p:tav>
-                                      </p:tavLst>
-                                    </p:anim>
-                                    <p:anim calcmode="lin" valueType="num">
-                                      <p:cBhvr>
-                                        <p:cTn id="117" dur="664" tmFilter="0.0,0.0; 0.25,0.07; 0.50,0.2; 0.75,0.467; 1.0,1.0">
-                                          <p:stCondLst>
-                                            <p:cond delay="0"/>
-                                          </p:stCondLst>
-                                        </p:cTn>
-                                        <p:tgtEl>
-                                          <p:spTgt spid="7">
-                                            <p:txEl>
-                                              <p:pRg st="11" end="11"/>
-                                            </p:txEl>
-                                          </p:spTgt>
-                                        </p:tgtEl>
-                                        <p:attrNameLst>
-                                          <p:attrName>ppt_y</p:attrName>
-                                        </p:attrNameLst>
-                                      </p:cBhvr>
-                                      <p:tavLst>
-                                        <p:tav tm="0" fmla="#ppt_y-sin(pi*$)/3">
-                                          <p:val>
-                                            <p:fltVal val="0.5"/>
-                                          </p:val>
-                                        </p:tav>
-                                        <p:tav tm="100000">
-                                          <p:val>
-                                            <p:fltVal val="1"/>
-                                          </p:val>
-                                        </p:tav>
-                                      </p:tavLst>
-                                    </p:anim>
-                                    <p:anim calcmode="lin" valueType="num">
-                                      <p:cBhvr>
-                                        <p:cTn id="118" dur="664" tmFilter="0, 0; 0.125,0.2665; 0.25,0.4; 0.375,0.465; 0.5,0.5;  0.625,0.535; 0.75,0.6; 0.875,0.7335; 1,1">
-                                          <p:stCondLst>
-                                            <p:cond delay="664"/>
-                                          </p:stCondLst>
-                                        </p:cTn>
-                                        <p:tgtEl>
-                                          <p:spTgt spid="7">
-                                            <p:txEl>
-                                              <p:pRg st="11" end="11"/>
-                                            </p:txEl>
-                                          </p:spTgt>
-                                        </p:tgtEl>
-                                        <p:attrNameLst>
-                                          <p:attrName>ppt_y</p:attrName>
-                                        </p:attrNameLst>
-                                      </p:cBhvr>
-                                      <p:tavLst>
-                                        <p:tav tm="0" fmla="#ppt_y-sin(pi*$)/9">
-                                          <p:val>
-                                            <p:fltVal val="0"/>
-                                          </p:val>
-                                        </p:tav>
-                                        <p:tav tm="100000">
-                                          <p:val>
-                                            <p:fltVal val="1"/>
-                                          </p:val>
-                                        </p:tav>
-                                      </p:tavLst>
-                                    </p:anim>
-                                    <p:anim calcmode="lin" valueType="num">
-                                      <p:cBhvr>
-                                        <p:cTn id="119" dur="332" tmFilter="0, 0; 0.125,0.2665; 0.25,0.4; 0.375,0.465; 0.5,0.5;  0.625,0.535; 0.75,0.6; 0.875,0.7335; 1,1">
-                                          <p:stCondLst>
-                                            <p:cond delay="1324"/>
-                                          </p:stCondLst>
-                                        </p:cTn>
-                                        <p:tgtEl>
-                                          <p:spTgt spid="7">
-                                            <p:txEl>
-                                              <p:pRg st="11" end="11"/>
-                                            </p:txEl>
-                                          </p:spTgt>
-                                        </p:tgtEl>
-                                        <p:attrNameLst>
-                                          <p:attrName>ppt_y</p:attrName>
-                                        </p:attrNameLst>
-                                      </p:cBhvr>
-                                      <p:tavLst>
-                                        <p:tav tm="0" fmla="#ppt_y-sin(pi*$)/27">
-                                          <p:val>
-                                            <p:fltVal val="0"/>
-                                          </p:val>
-                                        </p:tav>
-                                        <p:tav tm="100000">
-                                          <p:val>
-                                            <p:fltVal val="1"/>
-                                          </p:val>
-                                        </p:tav>
-                                      </p:tavLst>
-                                    </p:anim>
-                                    <p:anim calcmode="lin" valueType="num">
-                                      <p:cBhvr>
-                                        <p:cTn id="120" dur="164" tmFilter="0, 0; 0.125,0.2665; 0.25,0.4; 0.375,0.465; 0.5,0.5;  0.625,0.535; 0.75,0.6; 0.875,0.7335; 1,1">
-                                          <p:stCondLst>
-                                            <p:cond delay="1656"/>
-                                          </p:stCondLst>
-                                        </p:cTn>
-                                        <p:tgtEl>
-                                          <p:spTgt spid="7">
-                                            <p:txEl>
-                                              <p:pRg st="11" end="11"/>
-                                            </p:txEl>
-                                          </p:spTgt>
-                                        </p:tgtEl>
-                                        <p:attrNameLst>
-                                          <p:attrName>ppt_y</p:attrName>
-                                        </p:attrNameLst>
-                                      </p:cBhvr>
-                                      <p:tavLst>
-                                        <p:tav tm="0" fmla="#ppt_y-sin(pi*$)/81">
-                                          <p:val>
-                                            <p:fltVal val="0"/>
-                                          </p:val>
-                                        </p:tav>
-                                        <p:tav tm="100000">
-                                          <p:val>
-                                            <p:fltVal val="1"/>
-                                          </p:val>
-                                        </p:tav>
-                                      </p:tavLst>
-                                    </p:anim>
-                                    <p:animScale>
-                                      <p:cBhvr>
-                                        <p:cTn id="121" dur="26">
-                                          <p:stCondLst>
-                                            <p:cond delay="650"/>
-                                          </p:stCondLst>
-                                        </p:cTn>
-                                        <p:tgtEl>
-                                          <p:spTgt spid="7">
-                                            <p:txEl>
-                                              <p:pRg st="11" end="11"/>
-                                            </p:txEl>
-                                          </p:spTgt>
-                                        </p:tgtEl>
-                                      </p:cBhvr>
-                                      <p:to x="100000" y="60000"/>
-                                    </p:animScale>
-                                    <p:animScale>
-                                      <p:cBhvr>
-                                        <p:cTn id="122" dur="166" decel="50000">
-                                          <p:stCondLst>
-                                            <p:cond delay="676"/>
-                                          </p:stCondLst>
-                                        </p:cTn>
-                                        <p:tgtEl>
-                                          <p:spTgt spid="7">
-                                            <p:txEl>
-                                              <p:pRg st="11" end="11"/>
-                                            </p:txEl>
-                                          </p:spTgt>
-                                        </p:tgtEl>
-                                      </p:cBhvr>
-                                      <p:to x="100000" y="100000"/>
-                                    </p:animScale>
-                                    <p:animScale>
-                                      <p:cBhvr>
-                                        <p:cTn id="123" dur="26">
-                                          <p:stCondLst>
-                                            <p:cond delay="1312"/>
-                                          </p:stCondLst>
-                                        </p:cTn>
-                                        <p:tgtEl>
-                                          <p:spTgt spid="7">
-                                            <p:txEl>
-                                              <p:pRg st="11" end="11"/>
-                                            </p:txEl>
-                                          </p:spTgt>
-                                        </p:tgtEl>
-                                      </p:cBhvr>
-                                      <p:to x="100000" y="80000"/>
-                                    </p:animScale>
-                                    <p:animScale>
-                                      <p:cBhvr>
-                                        <p:cTn id="124" dur="166" decel="50000">
-                                          <p:stCondLst>
-                                            <p:cond delay="1338"/>
-                                          </p:stCondLst>
-                                        </p:cTn>
-                                        <p:tgtEl>
-                                          <p:spTgt spid="7">
-                                            <p:txEl>
-                                              <p:pRg st="11" end="11"/>
-                                            </p:txEl>
-                                          </p:spTgt>
-                                        </p:tgtEl>
-                                      </p:cBhvr>
-                                      <p:to x="100000" y="100000"/>
-                                    </p:animScale>
-                                    <p:animScale>
-                                      <p:cBhvr>
-                                        <p:cTn id="125" dur="26">
-                                          <p:stCondLst>
-                                            <p:cond delay="1642"/>
-                                          </p:stCondLst>
-                                        </p:cTn>
-                                        <p:tgtEl>
-                                          <p:spTgt spid="7">
-                                            <p:txEl>
-                                              <p:pRg st="11" end="11"/>
-                                            </p:txEl>
-                                          </p:spTgt>
-                                        </p:tgtEl>
-                                      </p:cBhvr>
-                                      <p:to x="100000" y="90000"/>
-                                    </p:animScale>
-                                    <p:animScale>
-                                      <p:cBhvr>
-                                        <p:cTn id="126" dur="166" decel="50000">
-                                          <p:stCondLst>
-                                            <p:cond delay="1668"/>
-                                          </p:stCondLst>
-                                        </p:cTn>
-                                        <p:tgtEl>
-                                          <p:spTgt spid="7">
-                                            <p:txEl>
-                                              <p:pRg st="11" end="11"/>
-                                            </p:txEl>
-                                          </p:spTgt>
-                                        </p:tgtEl>
-                                      </p:cBhvr>
-                                      <p:to x="100000" y="100000"/>
-                                    </p:animScale>
-                                    <p:animScale>
-                                      <p:cBhvr>
-                                        <p:cTn id="127" dur="26">
-                                          <p:stCondLst>
-                                            <p:cond delay="1808"/>
-                                          </p:stCondLst>
-                                        </p:cTn>
-                                        <p:tgtEl>
-                                          <p:spTgt spid="7">
-                                            <p:txEl>
-                                              <p:pRg st="11" end="11"/>
-                                            </p:txEl>
-                                          </p:spTgt>
-                                        </p:tgtEl>
-                                      </p:cBhvr>
-                                      <p:to x="100000" y="95000"/>
-                                    </p:animScale>
-                                    <p:animScale>
-                                      <p:cBhvr>
-                                        <p:cTn id="128" dur="166" decel="50000">
-                                          <p:stCondLst>
-                                            <p:cond delay="1834"/>
-                                          </p:stCondLst>
-                                        </p:cTn>
-                                        <p:tgtEl>
-                                          <p:spTgt spid="7">
-                                            <p:txEl>
-                                              <p:pRg st="11" end="11"/>
-                                            </p:txEl>
-                                          </p:spTgt>
-                                        </p:tgtEl>
-                                      </p:cBhvr>
-                                      <p:to x="100000" y="100000"/>
-                                    </p:animScale>
-                                  </p:childTnLst>
-                                </p:cTn>
-                              </p:par>
-                            </p:childTnLst>
-                          </p:cTn>
-                        </p:par>
-                      </p:childTnLst>
-                    </p:cTn>
-                  </p:par>
-                </p:childTnLst>
-              </p:cTn>
-              <p:prevCondLst>
-                <p:cond evt="onPrev" delay="0">
-                  <p:tgtEl>
-                    <p:sldTgt/>
-                  </p:tgtEl>
-                </p:cond>
-              </p:prevCondLst>
-              <p:nextCondLst>
-                <p:cond evt="onNext" delay="0">
-                  <p:tgtEl>
-                    <p:sldTgt/>
-                  </p:tgtEl>
-                </p:cond>
-              </p:nextCondLst>
-            </p:seq>
-          </p:childTnLst>
-        </p:cTn>
+        <p:cTn id="1" dur="indefinite" restart="never" nodeType="tmRoot"/>
       </p:par>
     </p:tnLst>
   </p:timing>
@@ -27289,391 +22020,7 @@
   <p:timing>
     <p:tnLst>
       <p:par>
-        <p:cTn id="1" dur="indefinite" restart="never" nodeType="tmRoot">
-          <p:childTnLst>
-            <p:seq concurrent="1" nextAc="seek">
-              <p:cTn id="2" dur="indefinite" nodeType="mainSeq">
-                <p:childTnLst>
-                  <p:par>
-                    <p:cTn id="3" fill="hold">
-                      <p:stCondLst>
-                        <p:cond delay="indefinite"/>
-                      </p:stCondLst>
-                      <p:childTnLst>
-                        <p:par>
-                          <p:cTn id="4" fill="hold">
-                            <p:stCondLst>
-                              <p:cond delay="0"/>
-                            </p:stCondLst>
-                            <p:childTnLst>
-                              <p:par>
-                                <p:cTn id="5" presetID="26" presetClass="entr" presetSubtype="0" fill="hold" nodeType="clickEffect" nodePh="1">
-                                  <p:stCondLst>
-                                    <p:cond delay="0"/>
-                                  </p:stCondLst>
-                                  <p:endCondLst>
-                                    <p:cond evt="begin" delay="0">
-                                      <p:tn val="5"/>
-                                    </p:cond>
-                                  </p:endCondLst>
-                                  <p:childTnLst>
-                                    <p:set>
-                                      <p:cBhvr>
-                                        <p:cTn id="6" dur="1" fill="hold">
-                                          <p:stCondLst>
-                                            <p:cond delay="0"/>
-                                          </p:stCondLst>
-                                        </p:cTn>
-                                        <p:tgtEl>
-                                          <p:spTgt spid="7">
-                                            <p:txEl>
-                                              <p:pRg st="0" end="0"/>
-                                            </p:txEl>
-                                          </p:spTgt>
-                                        </p:tgtEl>
-                                        <p:attrNameLst>
-                                          <p:attrName>style.visibility</p:attrName>
-                                        </p:attrNameLst>
-                                      </p:cBhvr>
-                                      <p:to>
-                                        <p:strVal val="visible"/>
-                                      </p:to>
-                                    </p:set>
-                                    <p:animEffect transition="in" filter="wipe(down)">
-                                      <p:cBhvr>
-                                        <p:cTn id="7" dur="580">
-                                          <p:stCondLst>
-                                            <p:cond delay="0"/>
-                                          </p:stCondLst>
-                                        </p:cTn>
-                                        <p:tgtEl>
-                                          <p:spTgt spid="7">
-                                            <p:txEl>
-                                              <p:pRg st="0" end="0"/>
-                                            </p:txEl>
-                                          </p:spTgt>
-                                        </p:tgtEl>
-                                      </p:cBhvr>
-                                    </p:animEffect>
-                                    <p:anim calcmode="lin" valueType="num">
-                                      <p:cBhvr>
-                                        <p:cTn id="8" dur="1822" tmFilter="0,0; 0.14,0.36; 0.43,0.73; 0.71,0.91; 1.0,1.0">
-                                          <p:stCondLst>
-                                            <p:cond delay="0"/>
-                                          </p:stCondLst>
-                                        </p:cTn>
-                                        <p:tgtEl>
-                                          <p:spTgt spid="7">
-                                            <p:txEl>
-                                              <p:pRg st="0" end="0"/>
-                                            </p:txEl>
-                                          </p:spTgt>
-                                        </p:tgtEl>
-                                        <p:attrNameLst>
-                                          <p:attrName>ppt_x</p:attrName>
-                                        </p:attrNameLst>
-                                      </p:cBhvr>
-                                      <p:tavLst>
-                                        <p:tav tm="0">
-                                          <p:val>
-                                            <p:strVal val="#ppt_x-0.25"/>
-                                          </p:val>
-                                        </p:tav>
-                                        <p:tav tm="100000">
-                                          <p:val>
-                                            <p:strVal val="#ppt_x"/>
-                                          </p:val>
-                                        </p:tav>
-                                      </p:tavLst>
-                                    </p:anim>
-                                    <p:anim calcmode="lin" valueType="num">
-                                      <p:cBhvr>
-                                        <p:cTn id="9" dur="664" tmFilter="0.0,0.0; 0.25,0.07; 0.50,0.2; 0.75,0.467; 1.0,1.0">
-                                          <p:stCondLst>
-                                            <p:cond delay="0"/>
-                                          </p:stCondLst>
-                                        </p:cTn>
-                                        <p:tgtEl>
-                                          <p:spTgt spid="7">
-                                            <p:txEl>
-                                              <p:pRg st="0" end="0"/>
-                                            </p:txEl>
-                                          </p:spTgt>
-                                        </p:tgtEl>
-                                        <p:attrNameLst>
-                                          <p:attrName>ppt_y</p:attrName>
-                                        </p:attrNameLst>
-                                      </p:cBhvr>
-                                      <p:tavLst>
-                                        <p:tav tm="0" fmla="#ppt_y-sin(pi*$)/3">
-                                          <p:val>
-                                            <p:fltVal val="0.5"/>
-                                          </p:val>
-                                        </p:tav>
-                                        <p:tav tm="100000">
-                                          <p:val>
-                                            <p:fltVal val="1"/>
-                                          </p:val>
-                                        </p:tav>
-                                      </p:tavLst>
-                                    </p:anim>
-                                    <p:anim calcmode="lin" valueType="num">
-                                      <p:cBhvr>
-                                        <p:cTn id="10" dur="664" tmFilter="0, 0; 0.125,0.2665; 0.25,0.4; 0.375,0.465; 0.5,0.5;  0.625,0.535; 0.75,0.6; 0.875,0.7335; 1,1">
-                                          <p:stCondLst>
-                                            <p:cond delay="664"/>
-                                          </p:stCondLst>
-                                        </p:cTn>
-                                        <p:tgtEl>
-                                          <p:spTgt spid="7">
-                                            <p:txEl>
-                                              <p:pRg st="0" end="0"/>
-                                            </p:txEl>
-                                          </p:spTgt>
-                                        </p:tgtEl>
-                                        <p:attrNameLst>
-                                          <p:attrName>ppt_y</p:attrName>
-                                        </p:attrNameLst>
-                                      </p:cBhvr>
-                                      <p:tavLst>
-                                        <p:tav tm="0" fmla="#ppt_y-sin(pi*$)/9">
-                                          <p:val>
-                                            <p:fltVal val="0"/>
-                                          </p:val>
-                                        </p:tav>
-                                        <p:tav tm="100000">
-                                          <p:val>
-                                            <p:fltVal val="1"/>
-                                          </p:val>
-                                        </p:tav>
-                                      </p:tavLst>
-                                    </p:anim>
-                                    <p:anim calcmode="lin" valueType="num">
-                                      <p:cBhvr>
-                                        <p:cTn id="11" dur="332" tmFilter="0, 0; 0.125,0.2665; 0.25,0.4; 0.375,0.465; 0.5,0.5;  0.625,0.535; 0.75,0.6; 0.875,0.7335; 1,1">
-                                          <p:stCondLst>
-                                            <p:cond delay="1324"/>
-                                          </p:stCondLst>
-                                        </p:cTn>
-                                        <p:tgtEl>
-                                          <p:spTgt spid="7">
-                                            <p:txEl>
-                                              <p:pRg st="0" end="0"/>
-                                            </p:txEl>
-                                          </p:spTgt>
-                                        </p:tgtEl>
-                                        <p:attrNameLst>
-                                          <p:attrName>ppt_y</p:attrName>
-                                        </p:attrNameLst>
-                                      </p:cBhvr>
-                                      <p:tavLst>
-                                        <p:tav tm="0" fmla="#ppt_y-sin(pi*$)/27">
-                                          <p:val>
-                                            <p:fltVal val="0"/>
-                                          </p:val>
-                                        </p:tav>
-                                        <p:tav tm="100000">
-                                          <p:val>
-                                            <p:fltVal val="1"/>
-                                          </p:val>
-                                        </p:tav>
-                                      </p:tavLst>
-                                    </p:anim>
-                                    <p:anim calcmode="lin" valueType="num">
-                                      <p:cBhvr>
-                                        <p:cTn id="12" dur="164" tmFilter="0, 0; 0.125,0.2665; 0.25,0.4; 0.375,0.465; 0.5,0.5;  0.625,0.535; 0.75,0.6; 0.875,0.7335; 1,1">
-                                          <p:stCondLst>
-                                            <p:cond delay="1656"/>
-                                          </p:stCondLst>
-                                        </p:cTn>
-                                        <p:tgtEl>
-                                          <p:spTgt spid="7">
-                                            <p:txEl>
-                                              <p:pRg st="0" end="0"/>
-                                            </p:txEl>
-                                          </p:spTgt>
-                                        </p:tgtEl>
-                                        <p:attrNameLst>
-                                          <p:attrName>ppt_y</p:attrName>
-                                        </p:attrNameLst>
-                                      </p:cBhvr>
-                                      <p:tavLst>
-                                        <p:tav tm="0" fmla="#ppt_y-sin(pi*$)/81">
-                                          <p:val>
-                                            <p:fltVal val="0"/>
-                                          </p:val>
-                                        </p:tav>
-                                        <p:tav tm="100000">
-                                          <p:val>
-                                            <p:fltVal val="1"/>
-                                          </p:val>
-                                        </p:tav>
-                                      </p:tavLst>
-                                    </p:anim>
-                                    <p:animScale>
-                                      <p:cBhvr>
-                                        <p:cTn id="13" dur="26">
-                                          <p:stCondLst>
-                                            <p:cond delay="650"/>
-                                          </p:stCondLst>
-                                        </p:cTn>
-                                        <p:tgtEl>
-                                          <p:spTgt spid="7">
-                                            <p:txEl>
-                                              <p:pRg st="0" end="0"/>
-                                            </p:txEl>
-                                          </p:spTgt>
-                                        </p:tgtEl>
-                                      </p:cBhvr>
-                                      <p:to x="100000" y="60000"/>
-                                    </p:animScale>
-                                    <p:animScale>
-                                      <p:cBhvr>
-                                        <p:cTn id="14" dur="166" decel="50000">
-                                          <p:stCondLst>
-                                            <p:cond delay="676"/>
-                                          </p:stCondLst>
-                                        </p:cTn>
-                                        <p:tgtEl>
-                                          <p:spTgt spid="7">
-                                            <p:txEl>
-                                              <p:pRg st="0" end="0"/>
-                                            </p:txEl>
-                                          </p:spTgt>
-                                        </p:tgtEl>
-                                      </p:cBhvr>
-                                      <p:to x="100000" y="100000"/>
-                                    </p:animScale>
-                                    <p:animScale>
-                                      <p:cBhvr>
-                                        <p:cTn id="15" dur="26">
-                                          <p:stCondLst>
-                                            <p:cond delay="1312"/>
-                                          </p:stCondLst>
-                                        </p:cTn>
-                                        <p:tgtEl>
-                                          <p:spTgt spid="7">
-                                            <p:txEl>
-                                              <p:pRg st="0" end="0"/>
-                                            </p:txEl>
-                                          </p:spTgt>
-                                        </p:tgtEl>
-                                      </p:cBhvr>
-                                      <p:to x="100000" y="80000"/>
-                                    </p:animScale>
-                                    <p:animScale>
-                                      <p:cBhvr>
-                                        <p:cTn id="16" dur="166" decel="50000">
-                                          <p:stCondLst>
-                                            <p:cond delay="1338"/>
-                                          </p:stCondLst>
-                                        </p:cTn>
-                                        <p:tgtEl>
-                                          <p:spTgt spid="7">
-                                            <p:txEl>
-                                              <p:pRg st="0" end="0"/>
-                                            </p:txEl>
-                                          </p:spTgt>
-                                        </p:tgtEl>
-                                      </p:cBhvr>
-                                      <p:to x="100000" y="100000"/>
-                                    </p:animScale>
-                                    <p:animScale>
-                                      <p:cBhvr>
-                                        <p:cTn id="17" dur="26">
-                                          <p:stCondLst>
-                                            <p:cond delay="1642"/>
-                                          </p:stCondLst>
-                                        </p:cTn>
-                                        <p:tgtEl>
-                                          <p:spTgt spid="7">
-                                            <p:txEl>
-                                              <p:pRg st="0" end="0"/>
-                                            </p:txEl>
-                                          </p:spTgt>
-                                        </p:tgtEl>
-                                      </p:cBhvr>
-                                      <p:to x="100000" y="90000"/>
-                                    </p:animScale>
-                                    <p:animScale>
-                                      <p:cBhvr>
-                                        <p:cTn id="18" dur="166" decel="50000">
-                                          <p:stCondLst>
-                                            <p:cond delay="1668"/>
-                                          </p:stCondLst>
-                                        </p:cTn>
-                                        <p:tgtEl>
-                                          <p:spTgt spid="7">
-                                            <p:txEl>
-                                              <p:pRg st="0" end="0"/>
-                                            </p:txEl>
-                                          </p:spTgt>
-                                        </p:tgtEl>
-                                      </p:cBhvr>
-                                      <p:to x="100000" y="100000"/>
-                                    </p:animScale>
-                                    <p:animScale>
-                                      <p:cBhvr>
-                                        <p:cTn id="19" dur="26">
-                                          <p:stCondLst>
-                                            <p:cond delay="1808"/>
-                                          </p:stCondLst>
-                                        </p:cTn>
-                                        <p:tgtEl>
-                                          <p:spTgt spid="7">
-                                            <p:txEl>
-                                              <p:pRg st="0" end="0"/>
-                                            </p:txEl>
-                                          </p:spTgt>
-                                        </p:tgtEl>
-                                      </p:cBhvr>
-                                      <p:to x="100000" y="95000"/>
-                                    </p:animScale>
-                                    <p:animScale>
-                                      <p:cBhvr>
-                                        <p:cTn id="20" dur="166" decel="50000">
-                                          <p:stCondLst>
-                                            <p:cond delay="1834"/>
-                                          </p:stCondLst>
-                                        </p:cTn>
-                                        <p:tgtEl>
-                                          <p:spTgt spid="7">
-                                            <p:txEl>
-                                              <p:pRg st="0" end="0"/>
-                                            </p:txEl>
-                                          </p:spTgt>
-                                        </p:tgtEl>
-                                      </p:cBhvr>
-                                      <p:to x="100000" y="100000"/>
-                                    </p:animScale>
-                                  </p:childTnLst>
-                                </p:cTn>
-                              </p:par>
-                            </p:childTnLst>
-                          </p:cTn>
-                        </p:par>
-                      </p:childTnLst>
-                    </p:cTn>
-                  </p:par>
-                </p:childTnLst>
-              </p:cTn>
-              <p:prevCondLst>
-                <p:cond evt="onPrev" delay="0">
-                  <p:tgtEl>
-                    <p:sldTgt/>
-                  </p:tgtEl>
-                </p:cond>
-              </p:prevCondLst>
-              <p:nextCondLst>
-                <p:cond evt="onNext" delay="0">
-                  <p:tgtEl>
-                    <p:sldTgt/>
-                  </p:tgtEl>
-                </p:cond>
-              </p:nextCondLst>
-            </p:seq>
-          </p:childTnLst>
-        </p:cTn>
+        <p:cTn id="1" dur="indefinite" restart="never" nodeType="tmRoot"/>
       </p:par>
     </p:tnLst>
   </p:timing>
@@ -28256,391 +22603,7 @@
   <p:timing>
     <p:tnLst>
       <p:par>
-        <p:cTn id="1" dur="indefinite" restart="never" nodeType="tmRoot">
-          <p:childTnLst>
-            <p:seq concurrent="1" nextAc="seek">
-              <p:cTn id="2" dur="indefinite" nodeType="mainSeq">
-                <p:childTnLst>
-                  <p:par>
-                    <p:cTn id="3" fill="hold">
-                      <p:stCondLst>
-                        <p:cond delay="indefinite"/>
-                      </p:stCondLst>
-                      <p:childTnLst>
-                        <p:par>
-                          <p:cTn id="4" fill="hold">
-                            <p:stCondLst>
-                              <p:cond delay="0"/>
-                            </p:stCondLst>
-                            <p:childTnLst>
-                              <p:par>
-                                <p:cTn id="5" presetID="26" presetClass="entr" presetSubtype="0" fill="hold" nodeType="clickEffect" nodePh="1">
-                                  <p:stCondLst>
-                                    <p:cond delay="0"/>
-                                  </p:stCondLst>
-                                  <p:endCondLst>
-                                    <p:cond evt="begin" delay="0">
-                                      <p:tn val="5"/>
-                                    </p:cond>
-                                  </p:endCondLst>
-                                  <p:childTnLst>
-                                    <p:set>
-                                      <p:cBhvr>
-                                        <p:cTn id="6" dur="1" fill="hold">
-                                          <p:stCondLst>
-                                            <p:cond delay="0"/>
-                                          </p:stCondLst>
-                                        </p:cTn>
-                                        <p:tgtEl>
-                                          <p:spTgt spid="7">
-                                            <p:txEl>
-                                              <p:pRg st="0" end="0"/>
-                                            </p:txEl>
-                                          </p:spTgt>
-                                        </p:tgtEl>
-                                        <p:attrNameLst>
-                                          <p:attrName>style.visibility</p:attrName>
-                                        </p:attrNameLst>
-                                      </p:cBhvr>
-                                      <p:to>
-                                        <p:strVal val="visible"/>
-                                      </p:to>
-                                    </p:set>
-                                    <p:animEffect transition="in" filter="wipe(down)">
-                                      <p:cBhvr>
-                                        <p:cTn id="7" dur="580">
-                                          <p:stCondLst>
-                                            <p:cond delay="0"/>
-                                          </p:stCondLst>
-                                        </p:cTn>
-                                        <p:tgtEl>
-                                          <p:spTgt spid="7">
-                                            <p:txEl>
-                                              <p:pRg st="0" end="0"/>
-                                            </p:txEl>
-                                          </p:spTgt>
-                                        </p:tgtEl>
-                                      </p:cBhvr>
-                                    </p:animEffect>
-                                    <p:anim calcmode="lin" valueType="num">
-                                      <p:cBhvr>
-                                        <p:cTn id="8" dur="1822" tmFilter="0,0; 0.14,0.36; 0.43,0.73; 0.71,0.91; 1.0,1.0">
-                                          <p:stCondLst>
-                                            <p:cond delay="0"/>
-                                          </p:stCondLst>
-                                        </p:cTn>
-                                        <p:tgtEl>
-                                          <p:spTgt spid="7">
-                                            <p:txEl>
-                                              <p:pRg st="0" end="0"/>
-                                            </p:txEl>
-                                          </p:spTgt>
-                                        </p:tgtEl>
-                                        <p:attrNameLst>
-                                          <p:attrName>ppt_x</p:attrName>
-                                        </p:attrNameLst>
-                                      </p:cBhvr>
-                                      <p:tavLst>
-                                        <p:tav tm="0">
-                                          <p:val>
-                                            <p:strVal val="#ppt_x-0.25"/>
-                                          </p:val>
-                                        </p:tav>
-                                        <p:tav tm="100000">
-                                          <p:val>
-                                            <p:strVal val="#ppt_x"/>
-                                          </p:val>
-                                        </p:tav>
-                                      </p:tavLst>
-                                    </p:anim>
-                                    <p:anim calcmode="lin" valueType="num">
-                                      <p:cBhvr>
-                                        <p:cTn id="9" dur="664" tmFilter="0.0,0.0; 0.25,0.07; 0.50,0.2; 0.75,0.467; 1.0,1.0">
-                                          <p:stCondLst>
-                                            <p:cond delay="0"/>
-                                          </p:stCondLst>
-                                        </p:cTn>
-                                        <p:tgtEl>
-                                          <p:spTgt spid="7">
-                                            <p:txEl>
-                                              <p:pRg st="0" end="0"/>
-                                            </p:txEl>
-                                          </p:spTgt>
-                                        </p:tgtEl>
-                                        <p:attrNameLst>
-                                          <p:attrName>ppt_y</p:attrName>
-                                        </p:attrNameLst>
-                                      </p:cBhvr>
-                                      <p:tavLst>
-                                        <p:tav tm="0" fmla="#ppt_y-sin(pi*$)/3">
-                                          <p:val>
-                                            <p:fltVal val="0.5"/>
-                                          </p:val>
-                                        </p:tav>
-                                        <p:tav tm="100000">
-                                          <p:val>
-                                            <p:fltVal val="1"/>
-                                          </p:val>
-                                        </p:tav>
-                                      </p:tavLst>
-                                    </p:anim>
-                                    <p:anim calcmode="lin" valueType="num">
-                                      <p:cBhvr>
-                                        <p:cTn id="10" dur="664" tmFilter="0, 0; 0.125,0.2665; 0.25,0.4; 0.375,0.465; 0.5,0.5;  0.625,0.535; 0.75,0.6; 0.875,0.7335; 1,1">
-                                          <p:stCondLst>
-                                            <p:cond delay="664"/>
-                                          </p:stCondLst>
-                                        </p:cTn>
-                                        <p:tgtEl>
-                                          <p:spTgt spid="7">
-                                            <p:txEl>
-                                              <p:pRg st="0" end="0"/>
-                                            </p:txEl>
-                                          </p:spTgt>
-                                        </p:tgtEl>
-                                        <p:attrNameLst>
-                                          <p:attrName>ppt_y</p:attrName>
-                                        </p:attrNameLst>
-                                      </p:cBhvr>
-                                      <p:tavLst>
-                                        <p:tav tm="0" fmla="#ppt_y-sin(pi*$)/9">
-                                          <p:val>
-                                            <p:fltVal val="0"/>
-                                          </p:val>
-                                        </p:tav>
-                                        <p:tav tm="100000">
-                                          <p:val>
-                                            <p:fltVal val="1"/>
-                                          </p:val>
-                                        </p:tav>
-                                      </p:tavLst>
-                                    </p:anim>
-                                    <p:anim calcmode="lin" valueType="num">
-                                      <p:cBhvr>
-                                        <p:cTn id="11" dur="332" tmFilter="0, 0; 0.125,0.2665; 0.25,0.4; 0.375,0.465; 0.5,0.5;  0.625,0.535; 0.75,0.6; 0.875,0.7335; 1,1">
-                                          <p:stCondLst>
-                                            <p:cond delay="1324"/>
-                                          </p:stCondLst>
-                                        </p:cTn>
-                                        <p:tgtEl>
-                                          <p:spTgt spid="7">
-                                            <p:txEl>
-                                              <p:pRg st="0" end="0"/>
-                                            </p:txEl>
-                                          </p:spTgt>
-                                        </p:tgtEl>
-                                        <p:attrNameLst>
-                                          <p:attrName>ppt_y</p:attrName>
-                                        </p:attrNameLst>
-                                      </p:cBhvr>
-                                      <p:tavLst>
-                                        <p:tav tm="0" fmla="#ppt_y-sin(pi*$)/27">
-                                          <p:val>
-                                            <p:fltVal val="0"/>
-                                          </p:val>
-                                        </p:tav>
-                                        <p:tav tm="100000">
-                                          <p:val>
-                                            <p:fltVal val="1"/>
-                                          </p:val>
-                                        </p:tav>
-                                      </p:tavLst>
-                                    </p:anim>
-                                    <p:anim calcmode="lin" valueType="num">
-                                      <p:cBhvr>
-                                        <p:cTn id="12" dur="164" tmFilter="0, 0; 0.125,0.2665; 0.25,0.4; 0.375,0.465; 0.5,0.5;  0.625,0.535; 0.75,0.6; 0.875,0.7335; 1,1">
-                                          <p:stCondLst>
-                                            <p:cond delay="1656"/>
-                                          </p:stCondLst>
-                                        </p:cTn>
-                                        <p:tgtEl>
-                                          <p:spTgt spid="7">
-                                            <p:txEl>
-                                              <p:pRg st="0" end="0"/>
-                                            </p:txEl>
-                                          </p:spTgt>
-                                        </p:tgtEl>
-                                        <p:attrNameLst>
-                                          <p:attrName>ppt_y</p:attrName>
-                                        </p:attrNameLst>
-                                      </p:cBhvr>
-                                      <p:tavLst>
-                                        <p:tav tm="0" fmla="#ppt_y-sin(pi*$)/81">
-                                          <p:val>
-                                            <p:fltVal val="0"/>
-                                          </p:val>
-                                        </p:tav>
-                                        <p:tav tm="100000">
-                                          <p:val>
-                                            <p:fltVal val="1"/>
-                                          </p:val>
-                                        </p:tav>
-                                      </p:tavLst>
-                                    </p:anim>
-                                    <p:animScale>
-                                      <p:cBhvr>
-                                        <p:cTn id="13" dur="26">
-                                          <p:stCondLst>
-                                            <p:cond delay="650"/>
-                                          </p:stCondLst>
-                                        </p:cTn>
-                                        <p:tgtEl>
-                                          <p:spTgt spid="7">
-                                            <p:txEl>
-                                              <p:pRg st="0" end="0"/>
-                                            </p:txEl>
-                                          </p:spTgt>
-                                        </p:tgtEl>
-                                      </p:cBhvr>
-                                      <p:to x="100000" y="60000"/>
-                                    </p:animScale>
-                                    <p:animScale>
-                                      <p:cBhvr>
-                                        <p:cTn id="14" dur="166" decel="50000">
-                                          <p:stCondLst>
-                                            <p:cond delay="676"/>
-                                          </p:stCondLst>
-                                        </p:cTn>
-                                        <p:tgtEl>
-                                          <p:spTgt spid="7">
-                                            <p:txEl>
-                                              <p:pRg st="0" end="0"/>
-                                            </p:txEl>
-                                          </p:spTgt>
-                                        </p:tgtEl>
-                                      </p:cBhvr>
-                                      <p:to x="100000" y="100000"/>
-                                    </p:animScale>
-                                    <p:animScale>
-                                      <p:cBhvr>
-                                        <p:cTn id="15" dur="26">
-                                          <p:stCondLst>
-                                            <p:cond delay="1312"/>
-                                          </p:stCondLst>
-                                        </p:cTn>
-                                        <p:tgtEl>
-                                          <p:spTgt spid="7">
-                                            <p:txEl>
-                                              <p:pRg st="0" end="0"/>
-                                            </p:txEl>
-                                          </p:spTgt>
-                                        </p:tgtEl>
-                                      </p:cBhvr>
-                                      <p:to x="100000" y="80000"/>
-                                    </p:animScale>
-                                    <p:animScale>
-                                      <p:cBhvr>
-                                        <p:cTn id="16" dur="166" decel="50000">
-                                          <p:stCondLst>
-                                            <p:cond delay="1338"/>
-                                          </p:stCondLst>
-                                        </p:cTn>
-                                        <p:tgtEl>
-                                          <p:spTgt spid="7">
-                                            <p:txEl>
-                                              <p:pRg st="0" end="0"/>
-                                            </p:txEl>
-                                          </p:spTgt>
-                                        </p:tgtEl>
-                                      </p:cBhvr>
-                                      <p:to x="100000" y="100000"/>
-                                    </p:animScale>
-                                    <p:animScale>
-                                      <p:cBhvr>
-                                        <p:cTn id="17" dur="26">
-                                          <p:stCondLst>
-                                            <p:cond delay="1642"/>
-                                          </p:stCondLst>
-                                        </p:cTn>
-                                        <p:tgtEl>
-                                          <p:spTgt spid="7">
-                                            <p:txEl>
-                                              <p:pRg st="0" end="0"/>
-                                            </p:txEl>
-                                          </p:spTgt>
-                                        </p:tgtEl>
-                                      </p:cBhvr>
-                                      <p:to x="100000" y="90000"/>
-                                    </p:animScale>
-                                    <p:animScale>
-                                      <p:cBhvr>
-                                        <p:cTn id="18" dur="166" decel="50000">
-                                          <p:stCondLst>
-                                            <p:cond delay="1668"/>
-                                          </p:stCondLst>
-                                        </p:cTn>
-                                        <p:tgtEl>
-                                          <p:spTgt spid="7">
-                                            <p:txEl>
-                                              <p:pRg st="0" end="0"/>
-                                            </p:txEl>
-                                          </p:spTgt>
-                                        </p:tgtEl>
-                                      </p:cBhvr>
-                                      <p:to x="100000" y="100000"/>
-                                    </p:animScale>
-                                    <p:animScale>
-                                      <p:cBhvr>
-                                        <p:cTn id="19" dur="26">
-                                          <p:stCondLst>
-                                            <p:cond delay="1808"/>
-                                          </p:stCondLst>
-                                        </p:cTn>
-                                        <p:tgtEl>
-                                          <p:spTgt spid="7">
-                                            <p:txEl>
-                                              <p:pRg st="0" end="0"/>
-                                            </p:txEl>
-                                          </p:spTgt>
-                                        </p:tgtEl>
-                                      </p:cBhvr>
-                                      <p:to x="100000" y="95000"/>
-                                    </p:animScale>
-                                    <p:animScale>
-                                      <p:cBhvr>
-                                        <p:cTn id="20" dur="166" decel="50000">
-                                          <p:stCondLst>
-                                            <p:cond delay="1834"/>
-                                          </p:stCondLst>
-                                        </p:cTn>
-                                        <p:tgtEl>
-                                          <p:spTgt spid="7">
-                                            <p:txEl>
-                                              <p:pRg st="0" end="0"/>
-                                            </p:txEl>
-                                          </p:spTgt>
-                                        </p:tgtEl>
-                                      </p:cBhvr>
-                                      <p:to x="100000" y="100000"/>
-                                    </p:animScale>
-                                  </p:childTnLst>
-                                </p:cTn>
-                              </p:par>
-                            </p:childTnLst>
-                          </p:cTn>
-                        </p:par>
-                      </p:childTnLst>
-                    </p:cTn>
-                  </p:par>
-                </p:childTnLst>
-              </p:cTn>
-              <p:prevCondLst>
-                <p:cond evt="onPrev" delay="0">
-                  <p:tgtEl>
-                    <p:sldTgt/>
-                  </p:tgtEl>
-                </p:cond>
-              </p:prevCondLst>
-              <p:nextCondLst>
-                <p:cond evt="onNext" delay="0">
-                  <p:tgtEl>
-                    <p:sldTgt/>
-                  </p:tgtEl>
-                </p:cond>
-              </p:nextCondLst>
-            </p:seq>
-          </p:childTnLst>
-        </p:cTn>
+        <p:cTn id="1" dur="indefinite" restart="never" nodeType="tmRoot"/>
       </p:par>
     </p:tnLst>
   </p:timing>
@@ -29643,1113 +23606,7 @@
   <p:timing>
     <p:tnLst>
       <p:par>
-        <p:cTn id="1" dur="indefinite" restart="never" nodeType="tmRoot">
-          <p:childTnLst>
-            <p:seq concurrent="1" nextAc="seek">
-              <p:cTn id="2" dur="indefinite" nodeType="mainSeq">
-                <p:childTnLst>
-                  <p:par>
-                    <p:cTn id="3" fill="hold">
-                      <p:stCondLst>
-                        <p:cond delay="indefinite"/>
-                      </p:stCondLst>
-                      <p:childTnLst>
-                        <p:par>
-                          <p:cTn id="4" fill="hold">
-                            <p:stCondLst>
-                              <p:cond delay="0"/>
-                            </p:stCondLst>
-                            <p:childTnLst>
-                              <p:par>
-                                <p:cTn id="5" presetID="26" presetClass="entr" presetSubtype="0" fill="hold" nodeType="clickEffect" nodePh="1">
-                                  <p:stCondLst>
-                                    <p:cond delay="0"/>
-                                  </p:stCondLst>
-                                  <p:endCondLst>
-                                    <p:cond evt="begin" delay="0">
-                                      <p:tn val="5"/>
-                                    </p:cond>
-                                  </p:endCondLst>
-                                  <p:childTnLst>
-                                    <p:set>
-                                      <p:cBhvr>
-                                        <p:cTn id="6" dur="1" fill="hold">
-                                          <p:stCondLst>
-                                            <p:cond delay="0"/>
-                                          </p:stCondLst>
-                                        </p:cTn>
-                                        <p:tgtEl>
-                                          <p:spTgt spid="7">
-                                            <p:txEl>
-                                              <p:pRg st="0" end="0"/>
-                                            </p:txEl>
-                                          </p:spTgt>
-                                        </p:tgtEl>
-                                        <p:attrNameLst>
-                                          <p:attrName>style.visibility</p:attrName>
-                                        </p:attrNameLst>
-                                      </p:cBhvr>
-                                      <p:to>
-                                        <p:strVal val="visible"/>
-                                      </p:to>
-                                    </p:set>
-                                    <p:animEffect transition="in" filter="wipe(down)">
-                                      <p:cBhvr>
-                                        <p:cTn id="7" dur="580">
-                                          <p:stCondLst>
-                                            <p:cond delay="0"/>
-                                          </p:stCondLst>
-                                        </p:cTn>
-                                        <p:tgtEl>
-                                          <p:spTgt spid="7">
-                                            <p:txEl>
-                                              <p:pRg st="0" end="0"/>
-                                            </p:txEl>
-                                          </p:spTgt>
-                                        </p:tgtEl>
-                                      </p:cBhvr>
-                                    </p:animEffect>
-                                    <p:anim calcmode="lin" valueType="num">
-                                      <p:cBhvr>
-                                        <p:cTn id="8" dur="1822" tmFilter="0,0; 0.14,0.36; 0.43,0.73; 0.71,0.91; 1.0,1.0">
-                                          <p:stCondLst>
-                                            <p:cond delay="0"/>
-                                          </p:stCondLst>
-                                        </p:cTn>
-                                        <p:tgtEl>
-                                          <p:spTgt spid="7">
-                                            <p:txEl>
-                                              <p:pRg st="0" end="0"/>
-                                            </p:txEl>
-                                          </p:spTgt>
-                                        </p:tgtEl>
-                                        <p:attrNameLst>
-                                          <p:attrName>ppt_x</p:attrName>
-                                        </p:attrNameLst>
-                                      </p:cBhvr>
-                                      <p:tavLst>
-                                        <p:tav tm="0">
-                                          <p:val>
-                                            <p:strVal val="#ppt_x-0.25"/>
-                                          </p:val>
-                                        </p:tav>
-                                        <p:tav tm="100000">
-                                          <p:val>
-                                            <p:strVal val="#ppt_x"/>
-                                          </p:val>
-                                        </p:tav>
-                                      </p:tavLst>
-                                    </p:anim>
-                                    <p:anim calcmode="lin" valueType="num">
-                                      <p:cBhvr>
-                                        <p:cTn id="9" dur="664" tmFilter="0.0,0.0; 0.25,0.07; 0.50,0.2; 0.75,0.467; 1.0,1.0">
-                                          <p:stCondLst>
-                                            <p:cond delay="0"/>
-                                          </p:stCondLst>
-                                        </p:cTn>
-                                        <p:tgtEl>
-                                          <p:spTgt spid="7">
-                                            <p:txEl>
-                                              <p:pRg st="0" end="0"/>
-                                            </p:txEl>
-                                          </p:spTgt>
-                                        </p:tgtEl>
-                                        <p:attrNameLst>
-                                          <p:attrName>ppt_y</p:attrName>
-                                        </p:attrNameLst>
-                                      </p:cBhvr>
-                                      <p:tavLst>
-                                        <p:tav tm="0" fmla="#ppt_y-sin(pi*$)/3">
-                                          <p:val>
-                                            <p:fltVal val="0.5"/>
-                                          </p:val>
-                                        </p:tav>
-                                        <p:tav tm="100000">
-                                          <p:val>
-                                            <p:fltVal val="1"/>
-                                          </p:val>
-                                        </p:tav>
-                                      </p:tavLst>
-                                    </p:anim>
-                                    <p:anim calcmode="lin" valueType="num">
-                                      <p:cBhvr>
-                                        <p:cTn id="10" dur="664" tmFilter="0, 0; 0.125,0.2665; 0.25,0.4; 0.375,0.465; 0.5,0.5;  0.625,0.535; 0.75,0.6; 0.875,0.7335; 1,1">
-                                          <p:stCondLst>
-                                            <p:cond delay="664"/>
-                                          </p:stCondLst>
-                                        </p:cTn>
-                                        <p:tgtEl>
-                                          <p:spTgt spid="7">
-                                            <p:txEl>
-                                              <p:pRg st="0" end="0"/>
-                                            </p:txEl>
-                                          </p:spTgt>
-                                        </p:tgtEl>
-                                        <p:attrNameLst>
-                                          <p:attrName>ppt_y</p:attrName>
-                                        </p:attrNameLst>
-                                      </p:cBhvr>
-                                      <p:tavLst>
-                                        <p:tav tm="0" fmla="#ppt_y-sin(pi*$)/9">
-                                          <p:val>
-                                            <p:fltVal val="0"/>
-                                          </p:val>
-                                        </p:tav>
-                                        <p:tav tm="100000">
-                                          <p:val>
-                                            <p:fltVal val="1"/>
-                                          </p:val>
-                                        </p:tav>
-                                      </p:tavLst>
-                                    </p:anim>
-                                    <p:anim calcmode="lin" valueType="num">
-                                      <p:cBhvr>
-                                        <p:cTn id="11" dur="332" tmFilter="0, 0; 0.125,0.2665; 0.25,0.4; 0.375,0.465; 0.5,0.5;  0.625,0.535; 0.75,0.6; 0.875,0.7335; 1,1">
-                                          <p:stCondLst>
-                                            <p:cond delay="1324"/>
-                                          </p:stCondLst>
-                                        </p:cTn>
-                                        <p:tgtEl>
-                                          <p:spTgt spid="7">
-                                            <p:txEl>
-                                              <p:pRg st="0" end="0"/>
-                                            </p:txEl>
-                                          </p:spTgt>
-                                        </p:tgtEl>
-                                        <p:attrNameLst>
-                                          <p:attrName>ppt_y</p:attrName>
-                                        </p:attrNameLst>
-                                      </p:cBhvr>
-                                      <p:tavLst>
-                                        <p:tav tm="0" fmla="#ppt_y-sin(pi*$)/27">
-                                          <p:val>
-                                            <p:fltVal val="0"/>
-                                          </p:val>
-                                        </p:tav>
-                                        <p:tav tm="100000">
-                                          <p:val>
-                                            <p:fltVal val="1"/>
-                                          </p:val>
-                                        </p:tav>
-                                      </p:tavLst>
-                                    </p:anim>
-                                    <p:anim calcmode="lin" valueType="num">
-                                      <p:cBhvr>
-                                        <p:cTn id="12" dur="164" tmFilter="0, 0; 0.125,0.2665; 0.25,0.4; 0.375,0.465; 0.5,0.5;  0.625,0.535; 0.75,0.6; 0.875,0.7335; 1,1">
-                                          <p:stCondLst>
-                                            <p:cond delay="1656"/>
-                                          </p:stCondLst>
-                                        </p:cTn>
-                                        <p:tgtEl>
-                                          <p:spTgt spid="7">
-                                            <p:txEl>
-                                              <p:pRg st="0" end="0"/>
-                                            </p:txEl>
-                                          </p:spTgt>
-                                        </p:tgtEl>
-                                        <p:attrNameLst>
-                                          <p:attrName>ppt_y</p:attrName>
-                                        </p:attrNameLst>
-                                      </p:cBhvr>
-                                      <p:tavLst>
-                                        <p:tav tm="0" fmla="#ppt_y-sin(pi*$)/81">
-                                          <p:val>
-                                            <p:fltVal val="0"/>
-                                          </p:val>
-                                        </p:tav>
-                                        <p:tav tm="100000">
-                                          <p:val>
-                                            <p:fltVal val="1"/>
-                                          </p:val>
-                                        </p:tav>
-                                      </p:tavLst>
-                                    </p:anim>
-                                    <p:animScale>
-                                      <p:cBhvr>
-                                        <p:cTn id="13" dur="26">
-                                          <p:stCondLst>
-                                            <p:cond delay="650"/>
-                                          </p:stCondLst>
-                                        </p:cTn>
-                                        <p:tgtEl>
-                                          <p:spTgt spid="7">
-                                            <p:txEl>
-                                              <p:pRg st="0" end="0"/>
-                                            </p:txEl>
-                                          </p:spTgt>
-                                        </p:tgtEl>
-                                      </p:cBhvr>
-                                      <p:to x="100000" y="60000"/>
-                                    </p:animScale>
-                                    <p:animScale>
-                                      <p:cBhvr>
-                                        <p:cTn id="14" dur="166" decel="50000">
-                                          <p:stCondLst>
-                                            <p:cond delay="676"/>
-                                          </p:stCondLst>
-                                        </p:cTn>
-                                        <p:tgtEl>
-                                          <p:spTgt spid="7">
-                                            <p:txEl>
-                                              <p:pRg st="0" end="0"/>
-                                            </p:txEl>
-                                          </p:spTgt>
-                                        </p:tgtEl>
-                                      </p:cBhvr>
-                                      <p:to x="100000" y="100000"/>
-                                    </p:animScale>
-                                    <p:animScale>
-                                      <p:cBhvr>
-                                        <p:cTn id="15" dur="26">
-                                          <p:stCondLst>
-                                            <p:cond delay="1312"/>
-                                          </p:stCondLst>
-                                        </p:cTn>
-                                        <p:tgtEl>
-                                          <p:spTgt spid="7">
-                                            <p:txEl>
-                                              <p:pRg st="0" end="0"/>
-                                            </p:txEl>
-                                          </p:spTgt>
-                                        </p:tgtEl>
-                                      </p:cBhvr>
-                                      <p:to x="100000" y="80000"/>
-                                    </p:animScale>
-                                    <p:animScale>
-                                      <p:cBhvr>
-                                        <p:cTn id="16" dur="166" decel="50000">
-                                          <p:stCondLst>
-                                            <p:cond delay="1338"/>
-                                          </p:stCondLst>
-                                        </p:cTn>
-                                        <p:tgtEl>
-                                          <p:spTgt spid="7">
-                                            <p:txEl>
-                                              <p:pRg st="0" end="0"/>
-                                            </p:txEl>
-                                          </p:spTgt>
-                                        </p:tgtEl>
-                                      </p:cBhvr>
-                                      <p:to x="100000" y="100000"/>
-                                    </p:animScale>
-                                    <p:animScale>
-                                      <p:cBhvr>
-                                        <p:cTn id="17" dur="26">
-                                          <p:stCondLst>
-                                            <p:cond delay="1642"/>
-                                          </p:stCondLst>
-                                        </p:cTn>
-                                        <p:tgtEl>
-                                          <p:spTgt spid="7">
-                                            <p:txEl>
-                                              <p:pRg st="0" end="0"/>
-                                            </p:txEl>
-                                          </p:spTgt>
-                                        </p:tgtEl>
-                                      </p:cBhvr>
-                                      <p:to x="100000" y="90000"/>
-                                    </p:animScale>
-                                    <p:animScale>
-                                      <p:cBhvr>
-                                        <p:cTn id="18" dur="166" decel="50000">
-                                          <p:stCondLst>
-                                            <p:cond delay="1668"/>
-                                          </p:stCondLst>
-                                        </p:cTn>
-                                        <p:tgtEl>
-                                          <p:spTgt spid="7">
-                                            <p:txEl>
-                                              <p:pRg st="0" end="0"/>
-                                            </p:txEl>
-                                          </p:spTgt>
-                                        </p:tgtEl>
-                                      </p:cBhvr>
-                                      <p:to x="100000" y="100000"/>
-                                    </p:animScale>
-                                    <p:animScale>
-                                      <p:cBhvr>
-                                        <p:cTn id="19" dur="26">
-                                          <p:stCondLst>
-                                            <p:cond delay="1808"/>
-                                          </p:stCondLst>
-                                        </p:cTn>
-                                        <p:tgtEl>
-                                          <p:spTgt spid="7">
-                                            <p:txEl>
-                                              <p:pRg st="0" end="0"/>
-                                            </p:txEl>
-                                          </p:spTgt>
-                                        </p:tgtEl>
-                                      </p:cBhvr>
-                                      <p:to x="100000" y="95000"/>
-                                    </p:animScale>
-                                    <p:animScale>
-                                      <p:cBhvr>
-                                        <p:cTn id="20" dur="166" decel="50000">
-                                          <p:stCondLst>
-                                            <p:cond delay="1834"/>
-                                          </p:stCondLst>
-                                        </p:cTn>
-                                        <p:tgtEl>
-                                          <p:spTgt spid="7">
-                                            <p:txEl>
-                                              <p:pRg st="0" end="0"/>
-                                            </p:txEl>
-                                          </p:spTgt>
-                                        </p:tgtEl>
-                                      </p:cBhvr>
-                                      <p:to x="100000" y="100000"/>
-                                    </p:animScale>
-                                  </p:childTnLst>
-                                </p:cTn>
-                              </p:par>
-                            </p:childTnLst>
-                          </p:cTn>
-                        </p:par>
-                      </p:childTnLst>
-                    </p:cTn>
-                  </p:par>
-                  <p:par>
-                    <p:cTn id="21" fill="hold">
-                      <p:stCondLst>
-                        <p:cond delay="indefinite"/>
-                      </p:stCondLst>
-                      <p:childTnLst>
-                        <p:par>
-                          <p:cTn id="22" fill="hold">
-                            <p:stCondLst>
-                              <p:cond delay="0"/>
-                            </p:stCondLst>
-                            <p:childTnLst>
-                              <p:par>
-                                <p:cTn id="23" presetID="26" presetClass="entr" presetSubtype="0" fill="hold" nodeType="clickEffect" nodePh="1">
-                                  <p:stCondLst>
-                                    <p:cond delay="0"/>
-                                  </p:stCondLst>
-                                  <p:endCondLst>
-                                    <p:cond evt="begin" delay="0">
-                                      <p:tn val="23"/>
-                                    </p:cond>
-                                  </p:endCondLst>
-                                  <p:childTnLst>
-                                    <p:set>
-                                      <p:cBhvr>
-                                        <p:cTn id="24" dur="1" fill="hold">
-                                          <p:stCondLst>
-                                            <p:cond delay="0"/>
-                                          </p:stCondLst>
-                                        </p:cTn>
-                                        <p:tgtEl>
-                                          <p:spTgt spid="11">
-                                            <p:txEl>
-                                              <p:pRg st="0" end="0"/>
-                                            </p:txEl>
-                                          </p:spTgt>
-                                        </p:tgtEl>
-                                        <p:attrNameLst>
-                                          <p:attrName>style.visibility</p:attrName>
-                                        </p:attrNameLst>
-                                      </p:cBhvr>
-                                      <p:to>
-                                        <p:strVal val="visible"/>
-                                      </p:to>
-                                    </p:set>
-                                    <p:animEffect transition="in" filter="wipe(down)">
-                                      <p:cBhvr>
-                                        <p:cTn id="25" dur="580">
-                                          <p:stCondLst>
-                                            <p:cond delay="0"/>
-                                          </p:stCondLst>
-                                        </p:cTn>
-                                        <p:tgtEl>
-                                          <p:spTgt spid="11">
-                                            <p:txEl>
-                                              <p:pRg st="0" end="0"/>
-                                            </p:txEl>
-                                          </p:spTgt>
-                                        </p:tgtEl>
-                                      </p:cBhvr>
-                                    </p:animEffect>
-                                    <p:anim calcmode="lin" valueType="num">
-                                      <p:cBhvr>
-                                        <p:cTn id="26" dur="1822" tmFilter="0,0; 0.14,0.36; 0.43,0.73; 0.71,0.91; 1.0,1.0">
-                                          <p:stCondLst>
-                                            <p:cond delay="0"/>
-                                          </p:stCondLst>
-                                        </p:cTn>
-                                        <p:tgtEl>
-                                          <p:spTgt spid="11">
-                                            <p:txEl>
-                                              <p:pRg st="0" end="0"/>
-                                            </p:txEl>
-                                          </p:spTgt>
-                                        </p:tgtEl>
-                                        <p:attrNameLst>
-                                          <p:attrName>ppt_x</p:attrName>
-                                        </p:attrNameLst>
-                                      </p:cBhvr>
-                                      <p:tavLst>
-                                        <p:tav tm="0">
-                                          <p:val>
-                                            <p:strVal val="#ppt_x-0.25"/>
-                                          </p:val>
-                                        </p:tav>
-                                        <p:tav tm="100000">
-                                          <p:val>
-                                            <p:strVal val="#ppt_x"/>
-                                          </p:val>
-                                        </p:tav>
-                                      </p:tavLst>
-                                    </p:anim>
-                                    <p:anim calcmode="lin" valueType="num">
-                                      <p:cBhvr>
-                                        <p:cTn id="27" dur="664" tmFilter="0.0,0.0; 0.25,0.07; 0.50,0.2; 0.75,0.467; 1.0,1.0">
-                                          <p:stCondLst>
-                                            <p:cond delay="0"/>
-                                          </p:stCondLst>
-                                        </p:cTn>
-                                        <p:tgtEl>
-                                          <p:spTgt spid="11">
-                                            <p:txEl>
-                                              <p:pRg st="0" end="0"/>
-                                            </p:txEl>
-                                          </p:spTgt>
-                                        </p:tgtEl>
-                                        <p:attrNameLst>
-                                          <p:attrName>ppt_y</p:attrName>
-                                        </p:attrNameLst>
-                                      </p:cBhvr>
-                                      <p:tavLst>
-                                        <p:tav tm="0" fmla="#ppt_y-sin(pi*$)/3">
-                                          <p:val>
-                                            <p:fltVal val="0.5"/>
-                                          </p:val>
-                                        </p:tav>
-                                        <p:tav tm="100000">
-                                          <p:val>
-                                            <p:fltVal val="1"/>
-                                          </p:val>
-                                        </p:tav>
-                                      </p:tavLst>
-                                    </p:anim>
-                                    <p:anim calcmode="lin" valueType="num">
-                                      <p:cBhvr>
-                                        <p:cTn id="28" dur="664" tmFilter="0, 0; 0.125,0.2665; 0.25,0.4; 0.375,0.465; 0.5,0.5;  0.625,0.535; 0.75,0.6; 0.875,0.7335; 1,1">
-                                          <p:stCondLst>
-                                            <p:cond delay="664"/>
-                                          </p:stCondLst>
-                                        </p:cTn>
-                                        <p:tgtEl>
-                                          <p:spTgt spid="11">
-                                            <p:txEl>
-                                              <p:pRg st="0" end="0"/>
-                                            </p:txEl>
-                                          </p:spTgt>
-                                        </p:tgtEl>
-                                        <p:attrNameLst>
-                                          <p:attrName>ppt_y</p:attrName>
-                                        </p:attrNameLst>
-                                      </p:cBhvr>
-                                      <p:tavLst>
-                                        <p:tav tm="0" fmla="#ppt_y-sin(pi*$)/9">
-                                          <p:val>
-                                            <p:fltVal val="0"/>
-                                          </p:val>
-                                        </p:tav>
-                                        <p:tav tm="100000">
-                                          <p:val>
-                                            <p:fltVal val="1"/>
-                                          </p:val>
-                                        </p:tav>
-                                      </p:tavLst>
-                                    </p:anim>
-                                    <p:anim calcmode="lin" valueType="num">
-                                      <p:cBhvr>
-                                        <p:cTn id="29" dur="332" tmFilter="0, 0; 0.125,0.2665; 0.25,0.4; 0.375,0.465; 0.5,0.5;  0.625,0.535; 0.75,0.6; 0.875,0.7335; 1,1">
-                                          <p:stCondLst>
-                                            <p:cond delay="1324"/>
-                                          </p:stCondLst>
-                                        </p:cTn>
-                                        <p:tgtEl>
-                                          <p:spTgt spid="11">
-                                            <p:txEl>
-                                              <p:pRg st="0" end="0"/>
-                                            </p:txEl>
-                                          </p:spTgt>
-                                        </p:tgtEl>
-                                        <p:attrNameLst>
-                                          <p:attrName>ppt_y</p:attrName>
-                                        </p:attrNameLst>
-                                      </p:cBhvr>
-                                      <p:tavLst>
-                                        <p:tav tm="0" fmla="#ppt_y-sin(pi*$)/27">
-                                          <p:val>
-                                            <p:fltVal val="0"/>
-                                          </p:val>
-                                        </p:tav>
-                                        <p:tav tm="100000">
-                                          <p:val>
-                                            <p:fltVal val="1"/>
-                                          </p:val>
-                                        </p:tav>
-                                      </p:tavLst>
-                                    </p:anim>
-                                    <p:anim calcmode="lin" valueType="num">
-                                      <p:cBhvr>
-                                        <p:cTn id="30" dur="164" tmFilter="0, 0; 0.125,0.2665; 0.25,0.4; 0.375,0.465; 0.5,0.5;  0.625,0.535; 0.75,0.6; 0.875,0.7335; 1,1">
-                                          <p:stCondLst>
-                                            <p:cond delay="1656"/>
-                                          </p:stCondLst>
-                                        </p:cTn>
-                                        <p:tgtEl>
-                                          <p:spTgt spid="11">
-                                            <p:txEl>
-                                              <p:pRg st="0" end="0"/>
-                                            </p:txEl>
-                                          </p:spTgt>
-                                        </p:tgtEl>
-                                        <p:attrNameLst>
-                                          <p:attrName>ppt_y</p:attrName>
-                                        </p:attrNameLst>
-                                      </p:cBhvr>
-                                      <p:tavLst>
-                                        <p:tav tm="0" fmla="#ppt_y-sin(pi*$)/81">
-                                          <p:val>
-                                            <p:fltVal val="0"/>
-                                          </p:val>
-                                        </p:tav>
-                                        <p:tav tm="100000">
-                                          <p:val>
-                                            <p:fltVal val="1"/>
-                                          </p:val>
-                                        </p:tav>
-                                      </p:tavLst>
-                                    </p:anim>
-                                    <p:animScale>
-                                      <p:cBhvr>
-                                        <p:cTn id="31" dur="26">
-                                          <p:stCondLst>
-                                            <p:cond delay="650"/>
-                                          </p:stCondLst>
-                                        </p:cTn>
-                                        <p:tgtEl>
-                                          <p:spTgt spid="11">
-                                            <p:txEl>
-                                              <p:pRg st="0" end="0"/>
-                                            </p:txEl>
-                                          </p:spTgt>
-                                        </p:tgtEl>
-                                      </p:cBhvr>
-                                      <p:to x="100000" y="60000"/>
-                                    </p:animScale>
-                                    <p:animScale>
-                                      <p:cBhvr>
-                                        <p:cTn id="32" dur="166" decel="50000">
-                                          <p:stCondLst>
-                                            <p:cond delay="676"/>
-                                          </p:stCondLst>
-                                        </p:cTn>
-                                        <p:tgtEl>
-                                          <p:spTgt spid="11">
-                                            <p:txEl>
-                                              <p:pRg st="0" end="0"/>
-                                            </p:txEl>
-                                          </p:spTgt>
-                                        </p:tgtEl>
-                                      </p:cBhvr>
-                                      <p:to x="100000" y="100000"/>
-                                    </p:animScale>
-                                    <p:animScale>
-                                      <p:cBhvr>
-                                        <p:cTn id="33" dur="26">
-                                          <p:stCondLst>
-                                            <p:cond delay="1312"/>
-                                          </p:stCondLst>
-                                        </p:cTn>
-                                        <p:tgtEl>
-                                          <p:spTgt spid="11">
-                                            <p:txEl>
-                                              <p:pRg st="0" end="0"/>
-                                            </p:txEl>
-                                          </p:spTgt>
-                                        </p:tgtEl>
-                                      </p:cBhvr>
-                                      <p:to x="100000" y="80000"/>
-                                    </p:animScale>
-                                    <p:animScale>
-                                      <p:cBhvr>
-                                        <p:cTn id="34" dur="166" decel="50000">
-                                          <p:stCondLst>
-                                            <p:cond delay="1338"/>
-                                          </p:stCondLst>
-                                        </p:cTn>
-                                        <p:tgtEl>
-                                          <p:spTgt spid="11">
-                                            <p:txEl>
-                                              <p:pRg st="0" end="0"/>
-                                            </p:txEl>
-                                          </p:spTgt>
-                                        </p:tgtEl>
-                                      </p:cBhvr>
-                                      <p:to x="100000" y="100000"/>
-                                    </p:animScale>
-                                    <p:animScale>
-                                      <p:cBhvr>
-                                        <p:cTn id="35" dur="26">
-                                          <p:stCondLst>
-                                            <p:cond delay="1642"/>
-                                          </p:stCondLst>
-                                        </p:cTn>
-                                        <p:tgtEl>
-                                          <p:spTgt spid="11">
-                                            <p:txEl>
-                                              <p:pRg st="0" end="0"/>
-                                            </p:txEl>
-                                          </p:spTgt>
-                                        </p:tgtEl>
-                                      </p:cBhvr>
-                                      <p:to x="100000" y="90000"/>
-                                    </p:animScale>
-                                    <p:animScale>
-                                      <p:cBhvr>
-                                        <p:cTn id="36" dur="166" decel="50000">
-                                          <p:stCondLst>
-                                            <p:cond delay="1668"/>
-                                          </p:stCondLst>
-                                        </p:cTn>
-                                        <p:tgtEl>
-                                          <p:spTgt spid="11">
-                                            <p:txEl>
-                                              <p:pRg st="0" end="0"/>
-                                            </p:txEl>
-                                          </p:spTgt>
-                                        </p:tgtEl>
-                                      </p:cBhvr>
-                                      <p:to x="100000" y="100000"/>
-                                    </p:animScale>
-                                    <p:animScale>
-                                      <p:cBhvr>
-                                        <p:cTn id="37" dur="26">
-                                          <p:stCondLst>
-                                            <p:cond delay="1808"/>
-                                          </p:stCondLst>
-                                        </p:cTn>
-                                        <p:tgtEl>
-                                          <p:spTgt spid="11">
-                                            <p:txEl>
-                                              <p:pRg st="0" end="0"/>
-                                            </p:txEl>
-                                          </p:spTgt>
-                                        </p:tgtEl>
-                                      </p:cBhvr>
-                                      <p:to x="100000" y="95000"/>
-                                    </p:animScale>
-                                    <p:animScale>
-                                      <p:cBhvr>
-                                        <p:cTn id="38" dur="166" decel="50000">
-                                          <p:stCondLst>
-                                            <p:cond delay="1834"/>
-                                          </p:stCondLst>
-                                        </p:cTn>
-                                        <p:tgtEl>
-                                          <p:spTgt spid="11">
-                                            <p:txEl>
-                                              <p:pRg st="0" end="0"/>
-                                            </p:txEl>
-                                          </p:spTgt>
-                                        </p:tgtEl>
-                                      </p:cBhvr>
-                                      <p:to x="100000" y="100000"/>
-                                    </p:animScale>
-                                  </p:childTnLst>
-                                </p:cTn>
-                              </p:par>
-                            </p:childTnLst>
-                          </p:cTn>
-                        </p:par>
-                      </p:childTnLst>
-                    </p:cTn>
-                  </p:par>
-                  <p:par>
-                    <p:cTn id="39" fill="hold">
-                      <p:stCondLst>
-                        <p:cond delay="indefinite"/>
-                      </p:stCondLst>
-                      <p:childTnLst>
-                        <p:par>
-                          <p:cTn id="40" fill="hold">
-                            <p:stCondLst>
-                              <p:cond delay="0"/>
-                            </p:stCondLst>
-                            <p:childTnLst>
-                              <p:par>
-                                <p:cTn id="41" presetID="26" presetClass="entr" presetSubtype="0" fill="hold" nodeType="clickEffect" nodePh="1">
-                                  <p:stCondLst>
-                                    <p:cond delay="0"/>
-                                  </p:stCondLst>
-                                  <p:endCondLst>
-                                    <p:cond evt="begin" delay="0">
-                                      <p:tn val="41"/>
-                                    </p:cond>
-                                  </p:endCondLst>
-                                  <p:childTnLst>
-                                    <p:set>
-                                      <p:cBhvr>
-                                        <p:cTn id="42" dur="1" fill="hold">
-                                          <p:stCondLst>
-                                            <p:cond delay="0"/>
-                                          </p:stCondLst>
-                                        </p:cTn>
-                                        <p:tgtEl>
-                                          <p:spTgt spid="12">
-                                            <p:txEl>
-                                              <p:pRg st="0" end="0"/>
-                                            </p:txEl>
-                                          </p:spTgt>
-                                        </p:tgtEl>
-                                        <p:attrNameLst>
-                                          <p:attrName>style.visibility</p:attrName>
-                                        </p:attrNameLst>
-                                      </p:cBhvr>
-                                      <p:to>
-                                        <p:strVal val="visible"/>
-                                      </p:to>
-                                    </p:set>
-                                    <p:animEffect transition="in" filter="wipe(down)">
-                                      <p:cBhvr>
-                                        <p:cTn id="43" dur="580">
-                                          <p:stCondLst>
-                                            <p:cond delay="0"/>
-                                          </p:stCondLst>
-                                        </p:cTn>
-                                        <p:tgtEl>
-                                          <p:spTgt spid="12">
-                                            <p:txEl>
-                                              <p:pRg st="0" end="0"/>
-                                            </p:txEl>
-                                          </p:spTgt>
-                                        </p:tgtEl>
-                                      </p:cBhvr>
-                                    </p:animEffect>
-                                    <p:anim calcmode="lin" valueType="num">
-                                      <p:cBhvr>
-                                        <p:cTn id="44" dur="1822" tmFilter="0,0; 0.14,0.36; 0.43,0.73; 0.71,0.91; 1.0,1.0">
-                                          <p:stCondLst>
-                                            <p:cond delay="0"/>
-                                          </p:stCondLst>
-                                        </p:cTn>
-                                        <p:tgtEl>
-                                          <p:spTgt spid="12">
-                                            <p:txEl>
-                                              <p:pRg st="0" end="0"/>
-                                            </p:txEl>
-                                          </p:spTgt>
-                                        </p:tgtEl>
-                                        <p:attrNameLst>
-                                          <p:attrName>ppt_x</p:attrName>
-                                        </p:attrNameLst>
-                                      </p:cBhvr>
-                                      <p:tavLst>
-                                        <p:tav tm="0">
-                                          <p:val>
-                                            <p:strVal val="#ppt_x-0.25"/>
-                                          </p:val>
-                                        </p:tav>
-                                        <p:tav tm="100000">
-                                          <p:val>
-                                            <p:strVal val="#ppt_x"/>
-                                          </p:val>
-                                        </p:tav>
-                                      </p:tavLst>
-                                    </p:anim>
-                                    <p:anim calcmode="lin" valueType="num">
-                                      <p:cBhvr>
-                                        <p:cTn id="45" dur="664" tmFilter="0.0,0.0; 0.25,0.07; 0.50,0.2; 0.75,0.467; 1.0,1.0">
-                                          <p:stCondLst>
-                                            <p:cond delay="0"/>
-                                          </p:stCondLst>
-                                        </p:cTn>
-                                        <p:tgtEl>
-                                          <p:spTgt spid="12">
-                                            <p:txEl>
-                                              <p:pRg st="0" end="0"/>
-                                            </p:txEl>
-                                          </p:spTgt>
-                                        </p:tgtEl>
-                                        <p:attrNameLst>
-                                          <p:attrName>ppt_y</p:attrName>
-                                        </p:attrNameLst>
-                                      </p:cBhvr>
-                                      <p:tavLst>
-                                        <p:tav tm="0" fmla="#ppt_y-sin(pi*$)/3">
-                                          <p:val>
-                                            <p:fltVal val="0.5"/>
-                                          </p:val>
-                                        </p:tav>
-                                        <p:tav tm="100000">
-                                          <p:val>
-                                            <p:fltVal val="1"/>
-                                          </p:val>
-                                        </p:tav>
-                                      </p:tavLst>
-                                    </p:anim>
-                                    <p:anim calcmode="lin" valueType="num">
-                                      <p:cBhvr>
-                                        <p:cTn id="46" dur="664" tmFilter="0, 0; 0.125,0.2665; 0.25,0.4; 0.375,0.465; 0.5,0.5;  0.625,0.535; 0.75,0.6; 0.875,0.7335; 1,1">
-                                          <p:stCondLst>
-                                            <p:cond delay="664"/>
-                                          </p:stCondLst>
-                                        </p:cTn>
-                                        <p:tgtEl>
-                                          <p:spTgt spid="12">
-                                            <p:txEl>
-                                              <p:pRg st="0" end="0"/>
-                                            </p:txEl>
-                                          </p:spTgt>
-                                        </p:tgtEl>
-                                        <p:attrNameLst>
-                                          <p:attrName>ppt_y</p:attrName>
-                                        </p:attrNameLst>
-                                      </p:cBhvr>
-                                      <p:tavLst>
-                                        <p:tav tm="0" fmla="#ppt_y-sin(pi*$)/9">
-                                          <p:val>
-                                            <p:fltVal val="0"/>
-                                          </p:val>
-                                        </p:tav>
-                                        <p:tav tm="100000">
-                                          <p:val>
-                                            <p:fltVal val="1"/>
-                                          </p:val>
-                                        </p:tav>
-                                      </p:tavLst>
-                                    </p:anim>
-                                    <p:anim calcmode="lin" valueType="num">
-                                      <p:cBhvr>
-                                        <p:cTn id="47" dur="332" tmFilter="0, 0; 0.125,0.2665; 0.25,0.4; 0.375,0.465; 0.5,0.5;  0.625,0.535; 0.75,0.6; 0.875,0.7335; 1,1">
-                                          <p:stCondLst>
-                                            <p:cond delay="1324"/>
-                                          </p:stCondLst>
-                                        </p:cTn>
-                                        <p:tgtEl>
-                                          <p:spTgt spid="12">
-                                            <p:txEl>
-                                              <p:pRg st="0" end="0"/>
-                                            </p:txEl>
-                                          </p:spTgt>
-                                        </p:tgtEl>
-                                        <p:attrNameLst>
-                                          <p:attrName>ppt_y</p:attrName>
-                                        </p:attrNameLst>
-                                      </p:cBhvr>
-                                      <p:tavLst>
-                                        <p:tav tm="0" fmla="#ppt_y-sin(pi*$)/27">
-                                          <p:val>
-                                            <p:fltVal val="0"/>
-                                          </p:val>
-                                        </p:tav>
-                                        <p:tav tm="100000">
-                                          <p:val>
-                                            <p:fltVal val="1"/>
-                                          </p:val>
-                                        </p:tav>
-                                      </p:tavLst>
-                                    </p:anim>
-                                    <p:anim calcmode="lin" valueType="num">
-                                      <p:cBhvr>
-                                        <p:cTn id="48" dur="164" tmFilter="0, 0; 0.125,0.2665; 0.25,0.4; 0.375,0.465; 0.5,0.5;  0.625,0.535; 0.75,0.6; 0.875,0.7335; 1,1">
-                                          <p:stCondLst>
-                                            <p:cond delay="1656"/>
-                                          </p:stCondLst>
-                                        </p:cTn>
-                                        <p:tgtEl>
-                                          <p:spTgt spid="12">
-                                            <p:txEl>
-                                              <p:pRg st="0" end="0"/>
-                                            </p:txEl>
-                                          </p:spTgt>
-                                        </p:tgtEl>
-                                        <p:attrNameLst>
-                                          <p:attrName>ppt_y</p:attrName>
-                                        </p:attrNameLst>
-                                      </p:cBhvr>
-                                      <p:tavLst>
-                                        <p:tav tm="0" fmla="#ppt_y-sin(pi*$)/81">
-                                          <p:val>
-                                            <p:fltVal val="0"/>
-                                          </p:val>
-                                        </p:tav>
-                                        <p:tav tm="100000">
-                                          <p:val>
-                                            <p:fltVal val="1"/>
-                                          </p:val>
-                                        </p:tav>
-                                      </p:tavLst>
-                                    </p:anim>
-                                    <p:animScale>
-                                      <p:cBhvr>
-                                        <p:cTn id="49" dur="26">
-                                          <p:stCondLst>
-                                            <p:cond delay="650"/>
-                                          </p:stCondLst>
-                                        </p:cTn>
-                                        <p:tgtEl>
-                                          <p:spTgt spid="12">
-                                            <p:txEl>
-                                              <p:pRg st="0" end="0"/>
-                                            </p:txEl>
-                                          </p:spTgt>
-                                        </p:tgtEl>
-                                      </p:cBhvr>
-                                      <p:to x="100000" y="60000"/>
-                                    </p:animScale>
-                                    <p:animScale>
-                                      <p:cBhvr>
-                                        <p:cTn id="50" dur="166" decel="50000">
-                                          <p:stCondLst>
-                                            <p:cond delay="676"/>
-                                          </p:stCondLst>
-                                        </p:cTn>
-                                        <p:tgtEl>
-                                          <p:spTgt spid="12">
-                                            <p:txEl>
-                                              <p:pRg st="0" end="0"/>
-                                            </p:txEl>
-                                          </p:spTgt>
-                                        </p:tgtEl>
-                                      </p:cBhvr>
-                                      <p:to x="100000" y="100000"/>
-                                    </p:animScale>
-                                    <p:animScale>
-                                      <p:cBhvr>
-                                        <p:cTn id="51" dur="26">
-                                          <p:stCondLst>
-                                            <p:cond delay="1312"/>
-                                          </p:stCondLst>
-                                        </p:cTn>
-                                        <p:tgtEl>
-                                          <p:spTgt spid="12">
-                                            <p:txEl>
-                                              <p:pRg st="0" end="0"/>
-                                            </p:txEl>
-                                          </p:spTgt>
-                                        </p:tgtEl>
-                                      </p:cBhvr>
-                                      <p:to x="100000" y="80000"/>
-                                    </p:animScale>
-                                    <p:animScale>
-                                      <p:cBhvr>
-                                        <p:cTn id="52" dur="166" decel="50000">
-                                          <p:stCondLst>
-                                            <p:cond delay="1338"/>
-                                          </p:stCondLst>
-                                        </p:cTn>
-                                        <p:tgtEl>
-                                          <p:spTgt spid="12">
-                                            <p:txEl>
-                                              <p:pRg st="0" end="0"/>
-                                            </p:txEl>
-                                          </p:spTgt>
-                                        </p:tgtEl>
-                                      </p:cBhvr>
-                                      <p:to x="100000" y="100000"/>
-                                    </p:animScale>
-                                    <p:animScale>
-                                      <p:cBhvr>
-                                        <p:cTn id="53" dur="26">
-                                          <p:stCondLst>
-                                            <p:cond delay="1642"/>
-                                          </p:stCondLst>
-                                        </p:cTn>
-                                        <p:tgtEl>
-                                          <p:spTgt spid="12">
-                                            <p:txEl>
-                                              <p:pRg st="0" end="0"/>
-                                            </p:txEl>
-                                          </p:spTgt>
-                                        </p:tgtEl>
-                                      </p:cBhvr>
-                                      <p:to x="100000" y="90000"/>
-                                    </p:animScale>
-                                    <p:animScale>
-                                      <p:cBhvr>
-                                        <p:cTn id="54" dur="166" decel="50000">
-                                          <p:stCondLst>
-                                            <p:cond delay="1668"/>
-                                          </p:stCondLst>
-                                        </p:cTn>
-                                        <p:tgtEl>
-                                          <p:spTgt spid="12">
-                                            <p:txEl>
-                                              <p:pRg st="0" end="0"/>
-                                            </p:txEl>
-                                          </p:spTgt>
-                                        </p:tgtEl>
-                                      </p:cBhvr>
-                                      <p:to x="100000" y="100000"/>
-                                    </p:animScale>
-                                    <p:animScale>
-                                      <p:cBhvr>
-                                        <p:cTn id="55" dur="26">
-                                          <p:stCondLst>
-                                            <p:cond delay="1808"/>
-                                          </p:stCondLst>
-                                        </p:cTn>
-                                        <p:tgtEl>
-                                          <p:spTgt spid="12">
-                                            <p:txEl>
-                                              <p:pRg st="0" end="0"/>
-                                            </p:txEl>
-                                          </p:spTgt>
-                                        </p:tgtEl>
-                                      </p:cBhvr>
-                                      <p:to x="100000" y="95000"/>
-                                    </p:animScale>
-                                    <p:animScale>
-                                      <p:cBhvr>
-                                        <p:cTn id="56" dur="166" decel="50000">
-                                          <p:stCondLst>
-                                            <p:cond delay="1834"/>
-                                          </p:stCondLst>
-                                        </p:cTn>
-                                        <p:tgtEl>
-                                          <p:spTgt spid="12">
-                                            <p:txEl>
-                                              <p:pRg st="0" end="0"/>
-                                            </p:txEl>
-                                          </p:spTgt>
-                                        </p:tgtEl>
-                                      </p:cBhvr>
-                                      <p:to x="100000" y="100000"/>
-                                    </p:animScale>
-                                  </p:childTnLst>
-                                </p:cTn>
-                              </p:par>
-                            </p:childTnLst>
-                          </p:cTn>
-                        </p:par>
-                      </p:childTnLst>
-                    </p:cTn>
-                  </p:par>
-                </p:childTnLst>
-              </p:cTn>
-              <p:prevCondLst>
-                <p:cond evt="onPrev" delay="0">
-                  <p:tgtEl>
-                    <p:sldTgt/>
-                  </p:tgtEl>
-                </p:cond>
-              </p:prevCondLst>
-              <p:nextCondLst>
-                <p:cond evt="onNext" delay="0">
-                  <p:tgtEl>
-                    <p:sldTgt/>
-                  </p:tgtEl>
-                </p:cond>
-              </p:nextCondLst>
-            </p:seq>
-          </p:childTnLst>
-        </p:cTn>
+        <p:cTn id="1" dur="indefinite" restart="never" nodeType="tmRoot"/>
       </p:par>
     </p:tnLst>
   </p:timing>

--- a/Documentacion/Proyecto/ExposicionRegularidadCOMING.pptx
+++ b/Documentacion/Proyecto/ExposicionRegularidadCOMING.pptx
@@ -20080,7 +20080,7 @@
         </p:spPr>
         <p:txBody>
           <a:bodyPr>
-            <a:normAutofit fontScale="92500" lnSpcReduction="10000"/>
+            <a:normAutofit fontScale="85000" lnSpcReduction="20000"/>
           </a:bodyPr>
           <a:lstStyle/>
           <a:p>
@@ -20134,7 +20134,20 @@
           <a:p>
             <a:r>
               <a:rPr lang="es-ES" dirty="0" smtClean="0"/>
-              <a:t>Plan de Despliegue.</a:t>
+              <a:t>Plan de Despliegue</a:t>
+            </a:r>
+            <a:r>
+              <a:rPr lang="es-ES" dirty="0" smtClean="0"/>
+              <a:t>.</a:t>
+            </a:r>
+          </a:p>
+          <a:p>
+            <a:endParaRPr lang="es-ES" dirty="0"/>
+          </a:p>
+          <a:p>
+            <a:r>
+              <a:rPr lang="es-ES" dirty="0" smtClean="0"/>
+              <a:t>Preguntas.</a:t>
             </a:r>
             <a:endParaRPr lang="es-AR" dirty="0" smtClean="0"/>
           </a:p>
